--- a/hrf/disease_outbreak.pptx
+++ b/hrf/disease_outbreak.pptx
@@ -5,20 +5,22 @@
     <p:sldMasterId id="2147483648" r:id="rId1"/>
   </p:sldMasterIdLst>
   <p:notesMasterIdLst>
-    <p:notesMasterId r:id="rId13"/>
+    <p:notesMasterId r:id="rId15"/>
   </p:notesMasterIdLst>
   <p:sldIdLst>
     <p:sldId id="256" r:id="rId2"/>
     <p:sldId id="257" r:id="rId3"/>
     <p:sldId id="258" r:id="rId4"/>
-    <p:sldId id="268" r:id="rId5"/>
-    <p:sldId id="260" r:id="rId6"/>
+    <p:sldId id="270" r:id="rId5"/>
+    <p:sldId id="268" r:id="rId6"/>
     <p:sldId id="261" r:id="rId7"/>
-    <p:sldId id="262" r:id="rId8"/>
-    <p:sldId id="263" r:id="rId9"/>
-    <p:sldId id="264" r:id="rId10"/>
-    <p:sldId id="265" r:id="rId11"/>
-    <p:sldId id="269" r:id="rId12"/>
+    <p:sldId id="271" r:id="rId8"/>
+    <p:sldId id="260" r:id="rId9"/>
+    <p:sldId id="262" r:id="rId10"/>
+    <p:sldId id="263" r:id="rId11"/>
+    <p:sldId id="264" r:id="rId12"/>
+    <p:sldId id="265" r:id="rId13"/>
+    <p:sldId id="269" r:id="rId14"/>
   </p:sldIdLst>
   <p:sldSz cx="9144000" cy="5143500" type="screen16x9"/>
   <p:notesSz cx="6858000" cy="9144000"/>
@@ -267,7 +269,7 @@
       </p15:sldGuideLst>
     </p:ext>
     <p:ext uri="http://customooxmlschemas.google.com/">
-      <go:slidesCustomData xmlns="" xmlns:mc="http://schemas.openxmlformats.org/markup-compatibility/2006" xmlns:mv="urn:schemas-microsoft-com:mac:vml" xmlns:c="http://schemas.openxmlformats.org/drawingml/2006/chart" xmlns:dgm="http://schemas.openxmlformats.org/drawingml/2006/diagram" xmlns:o="urn:schemas-microsoft-com:office:office" xmlns:v="urn:schemas-microsoft-com:vml" xmlns:pvml="urn:schemas-microsoft-com:office:powerpoint" xmlns:com="http://schemas.openxmlformats.org/drawingml/2006/compatibility" xmlns:p14="http://schemas.microsoft.com/office/powerpoint/2010/main" xmlns:p15="http://schemas.microsoft.com/office/powerpoint/2012/main" xmlns:ahyp="http://schemas.microsoft.com/office/drawing/2018/hyperlinkcolor" xmlns:go="http://customooxmlschemas.google.com/" r:id="rId17" roundtripDataSignature="AMtx7mh6cvCcE10IumkqE4PQr4/dElO6RA=="/>
+      <go:slidesCustomData xmlns:go="http://customooxmlschemas.google.com/" xmlns:ahyp="http://schemas.microsoft.com/office/drawing/2018/hyperlinkcolor" xmlns:p15="http://schemas.microsoft.com/office/powerpoint/2012/main" xmlns:p14="http://schemas.microsoft.com/office/powerpoint/2010/main" xmlns:com="http://schemas.openxmlformats.org/drawingml/2006/compatibility" xmlns:pvml="urn:schemas-microsoft-com:office:powerpoint" xmlns:v="urn:schemas-microsoft-com:vml" xmlns:o="urn:schemas-microsoft-com:office:office" xmlns:dgm="http://schemas.openxmlformats.org/drawingml/2006/diagram" xmlns:c="http://schemas.openxmlformats.org/drawingml/2006/chart" xmlns:mv="urn:schemas-microsoft-com:mac:vml" xmlns:mc="http://schemas.openxmlformats.org/markup-compatibility/2006" xmlns="" r:id="rId17" roundtripDataSignature="AMtx7mh6cvCcE10IumkqE4PQr4/dElO6RA=="/>
     </p:ext>
   </p:extLst>
 </p:presentation>
@@ -979,6 +981,128 @@
   <p:cSld>
     <p:spTree>
       <p:nvGrpSpPr>
+        <p:cNvPr id="1" name="Shape 105"/>
+        <p:cNvGrpSpPr/>
+        <p:nvPr/>
+      </p:nvGrpSpPr>
+      <p:grpSpPr>
+        <a:xfrm>
+          <a:off x="0" y="0"/>
+          <a:ext cx="0" cy="0"/>
+          <a:chOff x="0" y="0"/>
+          <a:chExt cx="0" cy="0"/>
+        </a:xfrm>
+      </p:grpSpPr>
+      <p:sp>
+        <p:nvSpPr>
+          <p:cNvPr id="106" name="Google Shape;106;p9:notes"/>
+          <p:cNvSpPr>
+            <a:spLocks noGrp="1" noRot="1" noChangeAspect="1"/>
+          </p:cNvSpPr>
+          <p:nvPr>
+            <p:ph type="sldImg" idx="2"/>
+          </p:nvPr>
+        </p:nvSpPr>
+        <p:spPr>
+          <a:xfrm>
+            <a:off x="381300" y="685800"/>
+            <a:ext cx="6096000" cy="3429000"/>
+          </a:xfrm>
+          <a:custGeom>
+            <a:avLst/>
+            <a:gdLst/>
+            <a:ahLst/>
+            <a:cxnLst/>
+            <a:rect l="l" t="t" r="r" b="b"/>
+            <a:pathLst>
+              <a:path w="120000" h="120000" extrusionOk="0">
+                <a:moveTo>
+                  <a:pt x="0" y="0"/>
+                </a:moveTo>
+                <a:lnTo>
+                  <a:pt x="120000" y="0"/>
+                </a:lnTo>
+                <a:lnTo>
+                  <a:pt x="120000" y="120000"/>
+                </a:lnTo>
+                <a:lnTo>
+                  <a:pt x="0" y="120000"/>
+                </a:lnTo>
+                <a:close/>
+              </a:path>
+            </a:pathLst>
+          </a:custGeom>
+          <a:noFill/>
+          <a:ln w="9525" cap="flat" cmpd="sng">
+            <a:solidFill>
+              <a:srgbClr val="000000"/>
+            </a:solidFill>
+            <a:prstDash val="solid"/>
+            <a:round/>
+            <a:headEnd type="none" w="sm" len="sm"/>
+            <a:tailEnd type="none" w="sm" len="sm"/>
+          </a:ln>
+        </p:spPr>
+      </p:sp>
+      <p:sp>
+        <p:nvSpPr>
+          <p:cNvPr id="107" name="Google Shape;107;p9:notes"/>
+          <p:cNvSpPr txBox="1">
+            <a:spLocks noGrp="1"/>
+          </p:cNvSpPr>
+          <p:nvPr>
+            <p:ph type="body" idx="1"/>
+          </p:nvPr>
+        </p:nvSpPr>
+        <p:spPr>
+          <a:xfrm>
+            <a:off x="685800" y="4343400"/>
+            <a:ext cx="5486400" cy="4114800"/>
+          </a:xfrm>
+          <a:prstGeom prst="rect">
+            <a:avLst/>
+          </a:prstGeom>
+          <a:noFill/>
+          <a:ln>
+            <a:noFill/>
+          </a:ln>
+        </p:spPr>
+        <p:txBody>
+          <a:bodyPr spcFirstLastPara="1" wrap="square" lIns="91425" tIns="91425" rIns="91425" bIns="91425" anchor="t" anchorCtr="0">
+            <a:noAutofit/>
+          </a:bodyPr>
+          <a:lstStyle/>
+          <a:p>
+            <a:pPr marL="0" lvl="0" indent="0" algn="l" rtl="0">
+              <a:lnSpc>
+                <a:spcPct val="100000"/>
+              </a:lnSpc>
+              <a:spcBef>
+                <a:spcPts val="0"/>
+              </a:spcBef>
+              <a:spcAft>
+                <a:spcPts val="0"/>
+              </a:spcAft>
+              <a:buSzPts val="1100"/>
+              <a:buNone/>
+            </a:pPr>
+            <a:endParaRPr/>
+          </a:p>
+        </p:txBody>
+      </p:sp>
+    </p:spTree>
+  </p:cSld>
+  <p:clrMapOvr>
+    <a:masterClrMapping/>
+  </p:clrMapOvr>
+</p:notes>
+</file>
+
+<file path=ppt/notesSlides/notesSlide11.xml><?xml version="1.0" encoding="utf-8"?>
+<p:notes xmlns:a="http://schemas.openxmlformats.org/drawingml/2006/main" xmlns:r="http://schemas.openxmlformats.org/officeDocument/2006/relationships" xmlns:p="http://schemas.openxmlformats.org/presentationml/2006/main" showMasterSp="0" showMasterPhAnim="0">
+  <p:cSld>
+    <p:spTree>
+      <p:nvGrpSpPr>
         <p:cNvPr id="1" name="Shape 112"/>
         <p:cNvGrpSpPr/>
         <p:nvPr/>
@@ -1003,7 +1127,7 @@
         </p:nvSpPr>
         <p:spPr>
           <a:xfrm>
-            <a:off x="381300" y="685800"/>
+            <a:off x="381000" y="685800"/>
             <a:ext cx="6096000" cy="3429000"/>
           </a:xfrm>
           <a:custGeom>
@@ -1096,7 +1220,7 @@
 </p:notes>
 </file>
 
-<file path=ppt/notesSlides/notesSlide11.xml><?xml version="1.0" encoding="utf-8"?>
+<file path=ppt/notesSlides/notesSlide12.xml><?xml version="1.0" encoding="utf-8"?>
 <p:notes xmlns:a="http://schemas.openxmlformats.org/drawingml/2006/main" xmlns:r="http://schemas.openxmlformats.org/officeDocument/2006/relationships" xmlns:p="http://schemas.openxmlformats.org/presentationml/2006/main" showMasterSp="0" showMasterPhAnim="0">
   <p:cSld>
     <p:spTree>
@@ -1206,7 +1330,7 @@
               <a:buSzPts val="1100"/>
               <a:buNone/>
             </a:pPr>
-            <a:endParaRPr/>
+            <a:endParaRPr dirty="0"/>
           </a:p>
         </p:txBody>
       </p:sp>
@@ -1374,7 +1498,7 @@
         </p:nvSpPr>
         <p:spPr>
           <a:xfrm>
-            <a:off x="381300" y="685800"/>
+            <a:off x="381000" y="685800"/>
             <a:ext cx="6096000" cy="3429000"/>
           </a:xfrm>
           <a:custGeom>
@@ -1468,6 +1592,133 @@
 </file>
 
 <file path=ppt/notesSlides/notesSlide4.xml><?xml version="1.0" encoding="utf-8"?>
+<p:notes xmlns:a="http://schemas.openxmlformats.org/drawingml/2006/main" xmlns:r="http://schemas.openxmlformats.org/officeDocument/2006/relationships" xmlns:p="http://schemas.openxmlformats.org/presentationml/2006/main" showMasterSp="0" showMasterPhAnim="0">
+  <p:cSld>
+    <p:spTree>
+      <p:nvGrpSpPr>
+        <p:cNvPr id="1" name="Shape 62"/>
+        <p:cNvGrpSpPr/>
+        <p:nvPr/>
+      </p:nvGrpSpPr>
+      <p:grpSpPr>
+        <a:xfrm>
+          <a:off x="0" y="0"/>
+          <a:ext cx="0" cy="0"/>
+          <a:chOff x="0" y="0"/>
+          <a:chExt cx="0" cy="0"/>
+        </a:xfrm>
+      </p:grpSpPr>
+      <p:sp>
+        <p:nvSpPr>
+          <p:cNvPr id="63" name="Google Shape;63;p3:notes"/>
+          <p:cNvSpPr>
+            <a:spLocks noGrp="1" noRot="1" noChangeAspect="1"/>
+          </p:cNvSpPr>
+          <p:nvPr>
+            <p:ph type="sldImg" idx="2"/>
+          </p:nvPr>
+        </p:nvSpPr>
+        <p:spPr>
+          <a:xfrm>
+            <a:off x="381000" y="685800"/>
+            <a:ext cx="6096000" cy="3429000"/>
+          </a:xfrm>
+          <a:custGeom>
+            <a:avLst/>
+            <a:gdLst/>
+            <a:ahLst/>
+            <a:cxnLst/>
+            <a:rect l="l" t="t" r="r" b="b"/>
+            <a:pathLst>
+              <a:path w="120000" h="120000" extrusionOk="0">
+                <a:moveTo>
+                  <a:pt x="0" y="0"/>
+                </a:moveTo>
+                <a:lnTo>
+                  <a:pt x="120000" y="0"/>
+                </a:lnTo>
+                <a:lnTo>
+                  <a:pt x="120000" y="120000"/>
+                </a:lnTo>
+                <a:lnTo>
+                  <a:pt x="0" y="120000"/>
+                </a:lnTo>
+                <a:close/>
+              </a:path>
+            </a:pathLst>
+          </a:custGeom>
+          <a:noFill/>
+          <a:ln w="9525" cap="flat" cmpd="sng">
+            <a:solidFill>
+              <a:srgbClr val="000000"/>
+            </a:solidFill>
+            <a:prstDash val="solid"/>
+            <a:round/>
+            <a:headEnd type="none" w="sm" len="sm"/>
+            <a:tailEnd type="none" w="sm" len="sm"/>
+          </a:ln>
+        </p:spPr>
+      </p:sp>
+      <p:sp>
+        <p:nvSpPr>
+          <p:cNvPr id="64" name="Google Shape;64;p3:notes"/>
+          <p:cNvSpPr txBox="1">
+            <a:spLocks noGrp="1"/>
+          </p:cNvSpPr>
+          <p:nvPr>
+            <p:ph type="body" idx="1"/>
+          </p:nvPr>
+        </p:nvSpPr>
+        <p:spPr>
+          <a:xfrm>
+            <a:off x="685800" y="4343400"/>
+            <a:ext cx="5486400" cy="4114800"/>
+          </a:xfrm>
+          <a:prstGeom prst="rect">
+            <a:avLst/>
+          </a:prstGeom>
+          <a:noFill/>
+          <a:ln>
+            <a:noFill/>
+          </a:ln>
+        </p:spPr>
+        <p:txBody>
+          <a:bodyPr spcFirstLastPara="1" wrap="square" lIns="91425" tIns="91425" rIns="91425" bIns="91425" anchor="t" anchorCtr="0">
+            <a:noAutofit/>
+          </a:bodyPr>
+          <a:lstStyle/>
+          <a:p>
+            <a:pPr marL="0" lvl="0" indent="0" algn="l" rtl="0">
+              <a:lnSpc>
+                <a:spcPct val="100000"/>
+              </a:lnSpc>
+              <a:spcBef>
+                <a:spcPts val="0"/>
+              </a:spcBef>
+              <a:spcAft>
+                <a:spcPts val="0"/>
+              </a:spcAft>
+              <a:buSzPts val="1100"/>
+              <a:buNone/>
+            </a:pPr>
+            <a:endParaRPr/>
+          </a:p>
+        </p:txBody>
+      </p:sp>
+    </p:spTree>
+    <p:extLst>
+      <p:ext uri="{BB962C8B-B14F-4D97-AF65-F5344CB8AC3E}">
+        <p14:creationId xmlns:p14="http://schemas.microsoft.com/office/powerpoint/2010/main" val="1828824144"/>
+      </p:ext>
+    </p:extLst>
+  </p:cSld>
+  <p:clrMapOvr>
+    <a:masterClrMapping/>
+  </p:clrMapOvr>
+</p:notes>
+</file>
+
+<file path=ppt/notesSlides/notesSlide5.xml><?xml version="1.0" encoding="utf-8"?>
 <p:notes xmlns:a="http://schemas.openxmlformats.org/drawingml/2006/main" xmlns:r="http://schemas.openxmlformats.org/officeDocument/2006/relationships" xmlns:p="http://schemas.openxmlformats.org/presentationml/2006/main" showMasterSp="0" showMasterPhAnim="0">
   <p:cSld>
     <p:spTree>
@@ -1587,128 +1838,6 @@
         <p14:creationId xmlns:p14="http://schemas.microsoft.com/office/powerpoint/2010/main" val="2312243606"/>
       </p:ext>
     </p:extLst>
-  </p:cSld>
-  <p:clrMapOvr>
-    <a:masterClrMapping/>
-  </p:clrMapOvr>
-</p:notes>
-</file>
-
-<file path=ppt/notesSlides/notesSlide5.xml><?xml version="1.0" encoding="utf-8"?>
-<p:notes xmlns:a="http://schemas.openxmlformats.org/drawingml/2006/main" xmlns:r="http://schemas.openxmlformats.org/officeDocument/2006/relationships" xmlns:p="http://schemas.openxmlformats.org/presentationml/2006/main" showMasterSp="0" showMasterPhAnim="0">
-  <p:cSld>
-    <p:spTree>
-      <p:nvGrpSpPr>
-        <p:cNvPr id="1" name="Shape 76"/>
-        <p:cNvGrpSpPr/>
-        <p:nvPr/>
-      </p:nvGrpSpPr>
-      <p:grpSpPr>
-        <a:xfrm>
-          <a:off x="0" y="0"/>
-          <a:ext cx="0" cy="0"/>
-          <a:chOff x="0" y="0"/>
-          <a:chExt cx="0" cy="0"/>
-        </a:xfrm>
-      </p:grpSpPr>
-      <p:sp>
-        <p:nvSpPr>
-          <p:cNvPr id="77" name="Google Shape;77;p5:notes"/>
-          <p:cNvSpPr>
-            <a:spLocks noGrp="1" noRot="1" noChangeAspect="1"/>
-          </p:cNvSpPr>
-          <p:nvPr>
-            <p:ph type="sldImg" idx="2"/>
-          </p:nvPr>
-        </p:nvSpPr>
-        <p:spPr>
-          <a:xfrm>
-            <a:off x="381000" y="685800"/>
-            <a:ext cx="6096000" cy="3429000"/>
-          </a:xfrm>
-          <a:custGeom>
-            <a:avLst/>
-            <a:gdLst/>
-            <a:ahLst/>
-            <a:cxnLst/>
-            <a:rect l="l" t="t" r="r" b="b"/>
-            <a:pathLst>
-              <a:path w="120000" h="120000" extrusionOk="0">
-                <a:moveTo>
-                  <a:pt x="0" y="0"/>
-                </a:moveTo>
-                <a:lnTo>
-                  <a:pt x="120000" y="0"/>
-                </a:lnTo>
-                <a:lnTo>
-                  <a:pt x="120000" y="120000"/>
-                </a:lnTo>
-                <a:lnTo>
-                  <a:pt x="0" y="120000"/>
-                </a:lnTo>
-                <a:close/>
-              </a:path>
-            </a:pathLst>
-          </a:custGeom>
-          <a:noFill/>
-          <a:ln w="9525" cap="flat" cmpd="sng">
-            <a:solidFill>
-              <a:srgbClr val="000000"/>
-            </a:solidFill>
-            <a:prstDash val="solid"/>
-            <a:round/>
-            <a:headEnd type="none" w="sm" len="sm"/>
-            <a:tailEnd type="none" w="sm" len="sm"/>
-          </a:ln>
-        </p:spPr>
-      </p:sp>
-      <p:sp>
-        <p:nvSpPr>
-          <p:cNvPr id="78" name="Google Shape;78;p5:notes"/>
-          <p:cNvSpPr txBox="1">
-            <a:spLocks noGrp="1"/>
-          </p:cNvSpPr>
-          <p:nvPr>
-            <p:ph type="body" idx="1"/>
-          </p:nvPr>
-        </p:nvSpPr>
-        <p:spPr>
-          <a:xfrm>
-            <a:off x="685800" y="4343400"/>
-            <a:ext cx="5486400" cy="4114800"/>
-          </a:xfrm>
-          <a:prstGeom prst="rect">
-            <a:avLst/>
-          </a:prstGeom>
-          <a:noFill/>
-          <a:ln>
-            <a:noFill/>
-          </a:ln>
-        </p:spPr>
-        <p:txBody>
-          <a:bodyPr spcFirstLastPara="1" wrap="square" lIns="91425" tIns="91425" rIns="91425" bIns="91425" anchor="t" anchorCtr="0">
-            <a:noAutofit/>
-          </a:bodyPr>
-          <a:lstStyle/>
-          <a:p>
-            <a:pPr marL="0" lvl="0" indent="0" algn="l" rtl="0">
-              <a:lnSpc>
-                <a:spcPct val="100000"/>
-              </a:lnSpc>
-              <a:spcBef>
-                <a:spcPts val="0"/>
-              </a:spcBef>
-              <a:spcAft>
-                <a:spcPts val="0"/>
-              </a:spcAft>
-              <a:buSzPts val="1100"/>
-              <a:buNone/>
-            </a:pPr>
-            <a:endParaRPr/>
-          </a:p>
-        </p:txBody>
-      </p:sp>
-    </p:spTree>
   </p:cSld>
   <p:clrMapOvr>
     <a:masterClrMapping/>
@@ -1843,6 +1972,128 @@
   <p:cSld>
     <p:spTree>
       <p:nvGrpSpPr>
+        <p:cNvPr id="1" name="Shape 76"/>
+        <p:cNvGrpSpPr/>
+        <p:nvPr/>
+      </p:nvGrpSpPr>
+      <p:grpSpPr>
+        <a:xfrm>
+          <a:off x="0" y="0"/>
+          <a:ext cx="0" cy="0"/>
+          <a:chOff x="0" y="0"/>
+          <a:chExt cx="0" cy="0"/>
+        </a:xfrm>
+      </p:grpSpPr>
+      <p:sp>
+        <p:nvSpPr>
+          <p:cNvPr id="77" name="Google Shape;77;p5:notes"/>
+          <p:cNvSpPr>
+            <a:spLocks noGrp="1" noRot="1" noChangeAspect="1"/>
+          </p:cNvSpPr>
+          <p:nvPr>
+            <p:ph type="sldImg" idx="2"/>
+          </p:nvPr>
+        </p:nvSpPr>
+        <p:spPr>
+          <a:xfrm>
+            <a:off x="381000" y="685800"/>
+            <a:ext cx="6096000" cy="3429000"/>
+          </a:xfrm>
+          <a:custGeom>
+            <a:avLst/>
+            <a:gdLst/>
+            <a:ahLst/>
+            <a:cxnLst/>
+            <a:rect l="l" t="t" r="r" b="b"/>
+            <a:pathLst>
+              <a:path w="120000" h="120000" extrusionOk="0">
+                <a:moveTo>
+                  <a:pt x="0" y="0"/>
+                </a:moveTo>
+                <a:lnTo>
+                  <a:pt x="120000" y="0"/>
+                </a:lnTo>
+                <a:lnTo>
+                  <a:pt x="120000" y="120000"/>
+                </a:lnTo>
+                <a:lnTo>
+                  <a:pt x="0" y="120000"/>
+                </a:lnTo>
+                <a:close/>
+              </a:path>
+            </a:pathLst>
+          </a:custGeom>
+          <a:noFill/>
+          <a:ln w="9525" cap="flat" cmpd="sng">
+            <a:solidFill>
+              <a:srgbClr val="000000"/>
+            </a:solidFill>
+            <a:prstDash val="solid"/>
+            <a:round/>
+            <a:headEnd type="none" w="sm" len="sm"/>
+            <a:tailEnd type="none" w="sm" len="sm"/>
+          </a:ln>
+        </p:spPr>
+      </p:sp>
+      <p:sp>
+        <p:nvSpPr>
+          <p:cNvPr id="78" name="Google Shape;78;p5:notes"/>
+          <p:cNvSpPr txBox="1">
+            <a:spLocks noGrp="1"/>
+          </p:cNvSpPr>
+          <p:nvPr>
+            <p:ph type="body" idx="1"/>
+          </p:nvPr>
+        </p:nvSpPr>
+        <p:spPr>
+          <a:xfrm>
+            <a:off x="685800" y="4343400"/>
+            <a:ext cx="5486400" cy="4114800"/>
+          </a:xfrm>
+          <a:prstGeom prst="rect">
+            <a:avLst/>
+          </a:prstGeom>
+          <a:noFill/>
+          <a:ln>
+            <a:noFill/>
+          </a:ln>
+        </p:spPr>
+        <p:txBody>
+          <a:bodyPr spcFirstLastPara="1" wrap="square" lIns="91425" tIns="91425" rIns="91425" bIns="91425" anchor="t" anchorCtr="0">
+            <a:noAutofit/>
+          </a:bodyPr>
+          <a:lstStyle/>
+          <a:p>
+            <a:pPr marL="0" lvl="0" indent="0" algn="l" rtl="0">
+              <a:lnSpc>
+                <a:spcPct val="100000"/>
+              </a:lnSpc>
+              <a:spcBef>
+                <a:spcPts val="0"/>
+              </a:spcBef>
+              <a:spcAft>
+                <a:spcPts val="0"/>
+              </a:spcAft>
+              <a:buSzPts val="1100"/>
+              <a:buNone/>
+            </a:pPr>
+            <a:endParaRPr/>
+          </a:p>
+        </p:txBody>
+      </p:sp>
+    </p:spTree>
+  </p:cSld>
+  <p:clrMapOvr>
+    <a:masterClrMapping/>
+  </p:clrMapOvr>
+</p:notes>
+</file>
+
+<file path=ppt/notesSlides/notesSlide8.xml><?xml version="1.0" encoding="utf-8"?>
+<p:notes xmlns:a="http://schemas.openxmlformats.org/drawingml/2006/main" xmlns:r="http://schemas.openxmlformats.org/officeDocument/2006/relationships" xmlns:p="http://schemas.openxmlformats.org/presentationml/2006/main" showMasterSp="0" showMasterPhAnim="0">
+  <p:cSld>
+    <p:spTree>
+      <p:nvGrpSpPr>
         <p:cNvPr id="1" name="Shape 91"/>
         <p:cNvGrpSpPr/>
         <p:nvPr/>
@@ -1867,7 +2118,7 @@
         </p:nvSpPr>
         <p:spPr>
           <a:xfrm>
-            <a:off x="381300" y="685800"/>
+            <a:off x="381000" y="685800"/>
             <a:ext cx="6096000" cy="3429000"/>
           </a:xfrm>
           <a:custGeom>
@@ -1960,7 +2211,7 @@
 </p:notes>
 </file>
 
-<file path=ppt/notesSlides/notesSlide8.xml><?xml version="1.0" encoding="utf-8"?>
+<file path=ppt/notesSlides/notesSlide9.xml><?xml version="1.0" encoding="utf-8"?>
 <p:notes xmlns:a="http://schemas.openxmlformats.org/drawingml/2006/main" xmlns:r="http://schemas.openxmlformats.org/officeDocument/2006/relationships" xmlns:p="http://schemas.openxmlformats.org/presentationml/2006/main" showMasterSp="0" showMasterPhAnim="0">
   <p:cSld>
     <p:spTree>
@@ -2031,128 +2282,6 @@
       <p:sp>
         <p:nvSpPr>
           <p:cNvPr id="100" name="Google Shape;100;p8:notes"/>
-          <p:cNvSpPr txBox="1">
-            <a:spLocks noGrp="1"/>
-          </p:cNvSpPr>
-          <p:nvPr>
-            <p:ph type="body" idx="1"/>
-          </p:nvPr>
-        </p:nvSpPr>
-        <p:spPr>
-          <a:xfrm>
-            <a:off x="685800" y="4343400"/>
-            <a:ext cx="5486400" cy="4114800"/>
-          </a:xfrm>
-          <a:prstGeom prst="rect">
-            <a:avLst/>
-          </a:prstGeom>
-          <a:noFill/>
-          <a:ln>
-            <a:noFill/>
-          </a:ln>
-        </p:spPr>
-        <p:txBody>
-          <a:bodyPr spcFirstLastPara="1" wrap="square" lIns="91425" tIns="91425" rIns="91425" bIns="91425" anchor="t" anchorCtr="0">
-            <a:noAutofit/>
-          </a:bodyPr>
-          <a:lstStyle/>
-          <a:p>
-            <a:pPr marL="0" lvl="0" indent="0" algn="l" rtl="0">
-              <a:lnSpc>
-                <a:spcPct val="100000"/>
-              </a:lnSpc>
-              <a:spcBef>
-                <a:spcPts val="0"/>
-              </a:spcBef>
-              <a:spcAft>
-                <a:spcPts val="0"/>
-              </a:spcAft>
-              <a:buSzPts val="1100"/>
-              <a:buNone/>
-            </a:pPr>
-            <a:endParaRPr/>
-          </a:p>
-        </p:txBody>
-      </p:sp>
-    </p:spTree>
-  </p:cSld>
-  <p:clrMapOvr>
-    <a:masterClrMapping/>
-  </p:clrMapOvr>
-</p:notes>
-</file>
-
-<file path=ppt/notesSlides/notesSlide9.xml><?xml version="1.0" encoding="utf-8"?>
-<p:notes xmlns:a="http://schemas.openxmlformats.org/drawingml/2006/main" xmlns:r="http://schemas.openxmlformats.org/officeDocument/2006/relationships" xmlns:p="http://schemas.openxmlformats.org/presentationml/2006/main" showMasterSp="0" showMasterPhAnim="0">
-  <p:cSld>
-    <p:spTree>
-      <p:nvGrpSpPr>
-        <p:cNvPr id="1" name="Shape 105"/>
-        <p:cNvGrpSpPr/>
-        <p:nvPr/>
-      </p:nvGrpSpPr>
-      <p:grpSpPr>
-        <a:xfrm>
-          <a:off x="0" y="0"/>
-          <a:ext cx="0" cy="0"/>
-          <a:chOff x="0" y="0"/>
-          <a:chExt cx="0" cy="0"/>
-        </a:xfrm>
-      </p:grpSpPr>
-      <p:sp>
-        <p:nvSpPr>
-          <p:cNvPr id="106" name="Google Shape;106;p9:notes"/>
-          <p:cNvSpPr>
-            <a:spLocks noGrp="1" noRot="1" noChangeAspect="1"/>
-          </p:cNvSpPr>
-          <p:nvPr>
-            <p:ph type="sldImg" idx="2"/>
-          </p:nvPr>
-        </p:nvSpPr>
-        <p:spPr>
-          <a:xfrm>
-            <a:off x="381300" y="685800"/>
-            <a:ext cx="6096000" cy="3429000"/>
-          </a:xfrm>
-          <a:custGeom>
-            <a:avLst/>
-            <a:gdLst/>
-            <a:ahLst/>
-            <a:cxnLst/>
-            <a:rect l="l" t="t" r="r" b="b"/>
-            <a:pathLst>
-              <a:path w="120000" h="120000" extrusionOk="0">
-                <a:moveTo>
-                  <a:pt x="0" y="0"/>
-                </a:moveTo>
-                <a:lnTo>
-                  <a:pt x="120000" y="0"/>
-                </a:lnTo>
-                <a:lnTo>
-                  <a:pt x="120000" y="120000"/>
-                </a:lnTo>
-                <a:lnTo>
-                  <a:pt x="0" y="120000"/>
-                </a:lnTo>
-                <a:close/>
-              </a:path>
-            </a:pathLst>
-          </a:custGeom>
-          <a:noFill/>
-          <a:ln w="9525" cap="flat" cmpd="sng">
-            <a:solidFill>
-              <a:srgbClr val="000000"/>
-            </a:solidFill>
-            <a:prstDash val="solid"/>
-            <a:round/>
-            <a:headEnd type="none" w="sm" len="sm"/>
-            <a:tailEnd type="none" w="sm" len="sm"/>
-          </a:ln>
-        </p:spPr>
-      </p:sp>
-      <p:sp>
-        <p:nvSpPr>
-          <p:cNvPr id="107" name="Google Shape;107;p9:notes"/>
           <p:cNvSpPr txBox="1">
             <a:spLocks noGrp="1"/>
           </p:cNvSpPr>
@@ -10015,7 +10144,7 @@
             </a:br>
             <a:r>
               <a:rPr lang="en" sz="1600" dirty="0"/>
-              <a:t>Quizlet 9</a:t>
+              <a:t>Updated Mar 19, 2022</a:t>
             </a:r>
             <a:endParaRPr dirty="0"/>
           </a:p>
@@ -10109,6 +10238,22 @@
               <a:rPr lang="en" dirty="0" err="1"/>
               <a:t>illinois.edu</a:t>
             </a:r>
+            <a:endParaRPr lang="en" dirty="0"/>
+          </a:p>
+          <a:p>
+            <a:pPr marL="0" lvl="0" indent="0" algn="ctr" rtl="0">
+              <a:lnSpc>
+                <a:spcPct val="100000"/>
+              </a:lnSpc>
+              <a:spcBef>
+                <a:spcPts val="0"/>
+              </a:spcBef>
+              <a:spcAft>
+                <a:spcPts val="0"/>
+              </a:spcAft>
+              <a:buSzPct val="181818"/>
+              <a:buNone/>
+            </a:pPr>
             <a:endParaRPr dirty="0"/>
           </a:p>
         </p:txBody>
@@ -10122,6 +10267,1109 @@
 </file>
 
 <file path=ppt/slides/slide10.xml><?xml version="1.0" encoding="utf-8"?>
+<p:sld xmlns:a="http://schemas.openxmlformats.org/drawingml/2006/main" xmlns:r="http://schemas.openxmlformats.org/officeDocument/2006/relationships" xmlns:p="http://schemas.openxmlformats.org/presentationml/2006/main">
+  <p:cSld>
+    <p:spTree>
+      <p:nvGrpSpPr>
+        <p:cNvPr id="1" name="Shape 101"/>
+        <p:cNvGrpSpPr/>
+        <p:nvPr/>
+      </p:nvGrpSpPr>
+      <p:grpSpPr>
+        <a:xfrm>
+          <a:off x="0" y="0"/>
+          <a:ext cx="0" cy="0"/>
+          <a:chOff x="0" y="0"/>
+          <a:chExt cx="0" cy="0"/>
+        </a:xfrm>
+      </p:grpSpPr>
+      <p:pic>
+        <p:nvPicPr>
+          <p:cNvPr id="3" name="Picture 2">
+            <a:extLst>
+              <a:ext uri="{FF2B5EF4-FFF2-40B4-BE49-F238E27FC236}">
+                <a16:creationId xmlns:a16="http://schemas.microsoft.com/office/drawing/2014/main" id="{DC14A976-3EA1-ACB4-AF03-82A9A1F5770E}"/>
+              </a:ext>
+            </a:extLst>
+          </p:cNvPr>
+          <p:cNvPicPr>
+            <a:picLocks noChangeAspect="1"/>
+          </p:cNvPicPr>
+          <p:nvPr/>
+        </p:nvPicPr>
+        <p:blipFill>
+          <a:blip r:embed="rId3"/>
+          <a:stretch>
+            <a:fillRect/>
+          </a:stretch>
+        </p:blipFill>
+        <p:spPr>
+          <a:xfrm>
+            <a:off x="694365" y="2339270"/>
+            <a:ext cx="7755270" cy="2738402"/>
+          </a:xfrm>
+          <a:prstGeom prst="rect">
+            <a:avLst/>
+          </a:prstGeom>
+        </p:spPr>
+      </p:pic>
+      <p:sp>
+        <p:nvSpPr>
+          <p:cNvPr id="102" name="Google Shape;102;p8"/>
+          <p:cNvSpPr txBox="1">
+            <a:spLocks noGrp="1"/>
+          </p:cNvSpPr>
+          <p:nvPr>
+            <p:ph type="title"/>
+          </p:nvPr>
+        </p:nvSpPr>
+        <p:spPr>
+          <a:xfrm>
+            <a:off x="139325" y="0"/>
+            <a:ext cx="8520600" cy="572700"/>
+          </a:xfrm>
+          <a:prstGeom prst="rect">
+            <a:avLst/>
+          </a:prstGeom>
+          <a:noFill/>
+          <a:ln>
+            <a:noFill/>
+          </a:ln>
+        </p:spPr>
+        <p:txBody>
+          <a:bodyPr spcFirstLastPara="1" wrap="square" lIns="91425" tIns="91425" rIns="91425" bIns="91425" anchor="t" anchorCtr="0">
+            <a:normAutofit fontScale="90000"/>
+          </a:bodyPr>
+          <a:lstStyle/>
+          <a:p>
+            <a:pPr marL="0" lvl="0" indent="0" algn="l" rtl="0">
+              <a:lnSpc>
+                <a:spcPct val="100000"/>
+              </a:lnSpc>
+              <a:spcBef>
+                <a:spcPts val="0"/>
+              </a:spcBef>
+              <a:spcAft>
+                <a:spcPts val="0"/>
+              </a:spcAft>
+              <a:buSzPct val="111111"/>
+              <a:buNone/>
+            </a:pPr>
+            <a:r>
+              <a:rPr lang="en" dirty="0"/>
+              <a:t>Authority Response</a:t>
+            </a:r>
+            <a:endParaRPr dirty="0"/>
+          </a:p>
+        </p:txBody>
+      </p:sp>
+      <p:sp>
+        <p:nvSpPr>
+          <p:cNvPr id="104" name="Google Shape;104;p8"/>
+          <p:cNvSpPr txBox="1"/>
+          <p:nvPr/>
+        </p:nvSpPr>
+        <p:spPr>
+          <a:xfrm>
+            <a:off x="139325" y="465635"/>
+            <a:ext cx="8774185" cy="1962045"/>
+          </a:xfrm>
+          <a:prstGeom prst="rect">
+            <a:avLst/>
+          </a:prstGeom>
+          <a:noFill/>
+          <a:ln>
+            <a:noFill/>
+          </a:ln>
+        </p:spPr>
+        <p:txBody>
+          <a:bodyPr spcFirstLastPara="1" wrap="square" lIns="91425" tIns="91425" rIns="91425" bIns="91425" anchor="t" anchorCtr="0">
+            <a:spAutoFit/>
+          </a:bodyPr>
+          <a:lstStyle/>
+          <a:p>
+            <a:pPr marL="0" lvl="0" indent="0" algn="l" rtl="0">
+              <a:spcBef>
+                <a:spcPts val="0"/>
+              </a:spcBef>
+              <a:spcAft>
+                <a:spcPts val="0"/>
+              </a:spcAft>
+              <a:buClr>
+                <a:schemeClr val="dk1"/>
+              </a:buClr>
+              <a:buSzPts val="1100"/>
+              <a:buFont typeface="Arial"/>
+              <a:buNone/>
+            </a:pPr>
+            <a:r>
+              <a:rPr lang="en" sz="1050" b="1" dirty="0">
+                <a:solidFill>
+                  <a:schemeClr val="dk1"/>
+                </a:solidFill>
+              </a:rPr>
+              <a:t>Assignment</a:t>
+            </a:r>
+            <a:r>
+              <a:rPr lang="en" sz="1050" dirty="0">
+                <a:solidFill>
+                  <a:schemeClr val="dk1"/>
+                </a:solidFill>
+              </a:rPr>
+              <a:t>: Officials are assigned to monitor, prevent, contain, and mitigate the disease outbreak</a:t>
+            </a:r>
+          </a:p>
+          <a:p>
+            <a:pPr marL="0" lvl="0" indent="0" algn="l" rtl="0">
+              <a:spcBef>
+                <a:spcPts val="0"/>
+              </a:spcBef>
+              <a:spcAft>
+                <a:spcPts val="0"/>
+              </a:spcAft>
+              <a:buClr>
+                <a:schemeClr val="dk1"/>
+              </a:buClr>
+              <a:buSzPts val="1100"/>
+              <a:buFont typeface="Arial"/>
+              <a:buNone/>
+            </a:pPr>
+            <a:r>
+              <a:rPr lang="en" sz="1050" b="1" dirty="0">
+                <a:solidFill>
+                  <a:schemeClr val="dk1"/>
+                </a:solidFill>
+              </a:rPr>
+              <a:t>Inspection: </a:t>
+            </a:r>
+            <a:r>
+              <a:rPr lang="en" sz="1050" dirty="0">
+                <a:solidFill>
+                  <a:schemeClr val="dk1"/>
+                </a:solidFill>
+              </a:rPr>
+              <a:t>Officials inspect the source of the disease to devise countermeasures</a:t>
+            </a:r>
+          </a:p>
+          <a:p>
+            <a:pPr>
+              <a:buClr>
+                <a:schemeClr val="dk1"/>
+              </a:buClr>
+              <a:buSzPts val="1100"/>
+            </a:pPr>
+            <a:r>
+              <a:rPr lang="en" sz="1050" b="1" dirty="0">
+                <a:solidFill>
+                  <a:schemeClr val="dk1"/>
+                </a:solidFill>
+              </a:rPr>
+              <a:t>Destruction</a:t>
+            </a:r>
+            <a:r>
+              <a:rPr lang="en" sz="1050" dirty="0">
+                <a:solidFill>
+                  <a:schemeClr val="dk1"/>
+                </a:solidFill>
+              </a:rPr>
+              <a:t>: </a:t>
+            </a:r>
+            <a:r>
+              <a:rPr lang="en-US" sz="1050" dirty="0">
+                <a:solidFill>
+                  <a:schemeClr val="dk1"/>
+                </a:solidFill>
+              </a:rPr>
+              <a:t>Government destroys the source of the disease, for example, Haiti demolished the fishing nuts where the Cholera epidemic started.</a:t>
+            </a:r>
+          </a:p>
+          <a:p>
+            <a:pPr>
+              <a:buClr>
+                <a:schemeClr val="dk1"/>
+              </a:buClr>
+              <a:buSzPts val="1100"/>
+            </a:pPr>
+            <a:r>
+              <a:rPr lang="en" sz="1050" b="1" dirty="0">
+                <a:solidFill>
+                  <a:schemeClr val="dk1"/>
+                </a:solidFill>
+              </a:rPr>
+              <a:t>Gov Health Decree</a:t>
+            </a:r>
+            <a:r>
+              <a:rPr lang="en" sz="1050" dirty="0">
+                <a:solidFill>
+                  <a:schemeClr val="dk1"/>
+                </a:solidFill>
+              </a:rPr>
+              <a:t>: Legislations were issued fighting the disease outbreak by government</a:t>
+            </a:r>
+          </a:p>
+          <a:p>
+            <a:pPr>
+              <a:buClr>
+                <a:schemeClr val="dk1"/>
+              </a:buClr>
+              <a:buSzPts val="1100"/>
+            </a:pPr>
+            <a:r>
+              <a:rPr lang="en" sz="1050" b="1" dirty="0">
+                <a:solidFill>
+                  <a:schemeClr val="dk1"/>
+                </a:solidFill>
+              </a:rPr>
+              <a:t>Information Campaign</a:t>
+            </a:r>
+            <a:r>
+              <a:rPr lang="en" sz="1050" dirty="0">
+                <a:solidFill>
+                  <a:schemeClr val="dk1"/>
+                </a:solidFill>
+              </a:rPr>
+              <a:t>: Use of media to inform public about the disease</a:t>
+            </a:r>
+          </a:p>
+          <a:p>
+            <a:pPr>
+              <a:buClr>
+                <a:schemeClr val="dk1"/>
+              </a:buClr>
+              <a:buSzPts val="1100"/>
+            </a:pPr>
+            <a:r>
+              <a:rPr lang="en" sz="1050" b="1" dirty="0">
+                <a:solidFill>
+                  <a:schemeClr val="dk1"/>
+                </a:solidFill>
+              </a:rPr>
+              <a:t>Debunk Misinformation</a:t>
+            </a:r>
+            <a:r>
+              <a:rPr lang="en" sz="1050" dirty="0">
+                <a:solidFill>
+                  <a:schemeClr val="dk1"/>
+                </a:solidFill>
+              </a:rPr>
+              <a:t>: Debunking misinformation of related to the disease outbreak</a:t>
+            </a:r>
+          </a:p>
+          <a:p>
+            <a:pPr>
+              <a:buClr>
+                <a:schemeClr val="dk1"/>
+              </a:buClr>
+              <a:buSzPts val="1100"/>
+            </a:pPr>
+            <a:r>
+              <a:rPr lang="en" sz="1050" b="1" dirty="0">
+                <a:solidFill>
+                  <a:schemeClr val="dk1"/>
+                </a:solidFill>
+              </a:rPr>
+              <a:t>Close Border</a:t>
+            </a:r>
+            <a:r>
+              <a:rPr lang="en" sz="1050" dirty="0">
+                <a:solidFill>
+                  <a:schemeClr val="dk1"/>
+                </a:solidFill>
+              </a:rPr>
+              <a:t>: Border were closed to slow the spread of the virus</a:t>
+            </a:r>
+          </a:p>
+          <a:p>
+            <a:pPr>
+              <a:buClr>
+                <a:schemeClr val="dk1"/>
+              </a:buClr>
+              <a:buSzPts val="1100"/>
+            </a:pPr>
+            <a:r>
+              <a:rPr lang="en" sz="1050" b="1" dirty="0">
+                <a:solidFill>
+                  <a:schemeClr val="dk1"/>
+                </a:solidFill>
+              </a:rPr>
+              <a:t>Distribute</a:t>
+            </a:r>
+            <a:r>
+              <a:rPr lang="en" sz="1050" dirty="0">
+                <a:solidFill>
+                  <a:schemeClr val="dk1"/>
+                </a:solidFill>
+              </a:rPr>
+              <a:t>: Distributing the vaccines of the virus</a:t>
+            </a:r>
+          </a:p>
+          <a:p>
+            <a:pPr>
+              <a:buClr>
+                <a:schemeClr val="dk1"/>
+              </a:buClr>
+              <a:buSzPts val="1100"/>
+            </a:pPr>
+            <a:r>
+              <a:rPr lang="en" sz="1050" b="1" dirty="0">
+                <a:solidFill>
+                  <a:schemeClr val="dk1"/>
+                </a:solidFill>
+              </a:rPr>
+              <a:t>Financial Aid</a:t>
+            </a:r>
+            <a:r>
+              <a:rPr lang="en" sz="1050" dirty="0">
+                <a:solidFill>
+                  <a:schemeClr val="dk1"/>
+                </a:solidFill>
+              </a:rPr>
+              <a:t>: Financial assistance with food, housing and bills</a:t>
+            </a:r>
+          </a:p>
+          <a:p>
+            <a:pPr>
+              <a:buClr>
+                <a:schemeClr val="dk1"/>
+              </a:buClr>
+              <a:buSzPts val="1100"/>
+            </a:pPr>
+            <a:r>
+              <a:rPr lang="en" sz="1050" b="1" dirty="0" err="1">
+                <a:solidFill>
+                  <a:schemeClr val="dk1"/>
+                </a:solidFill>
+              </a:rPr>
+              <a:t>ExchangeBuySell</a:t>
+            </a:r>
+            <a:r>
+              <a:rPr lang="en" sz="1050" dirty="0">
+                <a:solidFill>
+                  <a:schemeClr val="dk1"/>
+                </a:solidFill>
+              </a:rPr>
+              <a:t>: Buying, selling or exchanging goods related to the disease outbreak</a:t>
+            </a:r>
+          </a:p>
+          <a:p>
+            <a:pPr>
+              <a:buClr>
+                <a:schemeClr val="dk1"/>
+              </a:buClr>
+              <a:buSzPts val="1100"/>
+            </a:pPr>
+            <a:r>
+              <a:rPr lang="en" sz="1050" b="1" dirty="0">
+                <a:solidFill>
+                  <a:schemeClr val="dk1"/>
+                </a:solidFill>
+              </a:rPr>
+              <a:t>Donate</a:t>
+            </a:r>
+            <a:r>
+              <a:rPr lang="en" sz="1050" dirty="0">
+                <a:solidFill>
+                  <a:schemeClr val="dk1"/>
+                </a:solidFill>
+              </a:rPr>
+              <a:t>: Charitable activities related to the disease outbreak</a:t>
+            </a:r>
+            <a:endParaRPr dirty="0"/>
+          </a:p>
+        </p:txBody>
+      </p:sp>
+    </p:spTree>
+  </p:cSld>
+  <p:clrMapOvr>
+    <a:masterClrMapping/>
+  </p:clrMapOvr>
+</p:sld>
+</file>
+
+<file path=ppt/slides/slide11.xml><?xml version="1.0" encoding="utf-8"?>
+<p:sld xmlns:a="http://schemas.openxmlformats.org/drawingml/2006/main" xmlns:r="http://schemas.openxmlformats.org/officeDocument/2006/relationships" xmlns:p="http://schemas.openxmlformats.org/presentationml/2006/main">
+  <p:cSld>
+    <p:spTree>
+      <p:nvGrpSpPr>
+        <p:cNvPr id="1" name="Shape 108"/>
+        <p:cNvGrpSpPr/>
+        <p:nvPr/>
+      </p:nvGrpSpPr>
+      <p:grpSpPr>
+        <a:xfrm>
+          <a:off x="0" y="0"/>
+          <a:ext cx="0" cy="0"/>
+          <a:chOff x="0" y="0"/>
+          <a:chExt cx="0" cy="0"/>
+        </a:xfrm>
+      </p:grpSpPr>
+      <p:sp>
+        <p:nvSpPr>
+          <p:cNvPr id="109" name="Google Shape;109;p9"/>
+          <p:cNvSpPr txBox="1">
+            <a:spLocks noGrp="1"/>
+          </p:cNvSpPr>
+          <p:nvPr>
+            <p:ph type="title"/>
+          </p:nvPr>
+        </p:nvSpPr>
+        <p:spPr>
+          <a:xfrm>
+            <a:off x="311700" y="140225"/>
+            <a:ext cx="8520600" cy="572700"/>
+          </a:xfrm>
+          <a:prstGeom prst="rect">
+            <a:avLst/>
+          </a:prstGeom>
+          <a:noFill/>
+          <a:ln>
+            <a:noFill/>
+          </a:ln>
+        </p:spPr>
+        <p:txBody>
+          <a:bodyPr spcFirstLastPara="1" wrap="square" lIns="91425" tIns="91425" rIns="91425" bIns="91425" anchor="t" anchorCtr="0">
+            <a:normAutofit fontScale="90000"/>
+          </a:bodyPr>
+          <a:lstStyle/>
+          <a:p>
+            <a:pPr marL="0" lvl="0" indent="0" algn="l" rtl="0">
+              <a:lnSpc>
+                <a:spcPct val="100000"/>
+              </a:lnSpc>
+              <a:spcBef>
+                <a:spcPts val="0"/>
+              </a:spcBef>
+              <a:spcAft>
+                <a:spcPts val="0"/>
+              </a:spcAft>
+              <a:buSzPct val="111111"/>
+              <a:buNone/>
+            </a:pPr>
+            <a:r>
+              <a:rPr lang="en"/>
+              <a:t>Society Response</a:t>
+            </a:r>
+            <a:endParaRPr/>
+          </a:p>
+        </p:txBody>
+      </p:sp>
+      <p:pic>
+        <p:nvPicPr>
+          <p:cNvPr id="110" name="Google Shape;110;p9"/>
+          <p:cNvPicPr preferRelativeResize="0"/>
+          <p:nvPr/>
+        </p:nvPicPr>
+        <p:blipFill>
+          <a:blip r:embed="rId3">
+            <a:alphaModFix/>
+          </a:blip>
+          <a:stretch>
+            <a:fillRect/>
+          </a:stretch>
+        </p:blipFill>
+        <p:spPr>
+          <a:xfrm>
+            <a:off x="3827500" y="1231900"/>
+            <a:ext cx="5327737" cy="3820975"/>
+          </a:xfrm>
+          <a:prstGeom prst="rect">
+            <a:avLst/>
+          </a:prstGeom>
+          <a:noFill/>
+          <a:ln>
+            <a:noFill/>
+          </a:ln>
+        </p:spPr>
+      </p:pic>
+      <p:sp>
+        <p:nvSpPr>
+          <p:cNvPr id="111" name="Google Shape;111;p9"/>
+          <p:cNvSpPr txBox="1"/>
+          <p:nvPr/>
+        </p:nvSpPr>
+        <p:spPr>
+          <a:xfrm>
+            <a:off x="108425" y="793900"/>
+            <a:ext cx="5205300" cy="4320600"/>
+          </a:xfrm>
+          <a:prstGeom prst="rect">
+            <a:avLst/>
+          </a:prstGeom>
+          <a:noFill/>
+          <a:ln>
+            <a:noFill/>
+          </a:ln>
+        </p:spPr>
+        <p:txBody>
+          <a:bodyPr spcFirstLastPara="1" wrap="square" lIns="91425" tIns="91425" rIns="91425" bIns="91425" anchor="t" anchorCtr="0">
+            <a:spAutoFit/>
+          </a:bodyPr>
+          <a:lstStyle/>
+          <a:p>
+            <a:pPr marL="0" lvl="0" indent="0" algn="l" rtl="0">
+              <a:lnSpc>
+                <a:spcPct val="115000"/>
+              </a:lnSpc>
+              <a:spcBef>
+                <a:spcPts val="0"/>
+              </a:spcBef>
+              <a:spcAft>
+                <a:spcPts val="0"/>
+              </a:spcAft>
+              <a:buClr>
+                <a:schemeClr val="dk1"/>
+              </a:buClr>
+              <a:buSzPts val="1100"/>
+              <a:buFont typeface="Arial"/>
+              <a:buNone/>
+            </a:pPr>
+            <a:r>
+              <a:rPr lang="en" sz="1050" b="1">
+                <a:solidFill>
+                  <a:schemeClr val="dk1"/>
+                </a:solidFill>
+              </a:rPr>
+              <a:t>Alert Population</a:t>
+            </a:r>
+            <a:r>
+              <a:rPr lang="en" sz="1050">
+                <a:solidFill>
+                  <a:schemeClr val="dk1"/>
+                </a:solidFill>
+              </a:rPr>
+              <a:t>: Alerting population of the exposure of the virus</a:t>
+            </a:r>
+            <a:endParaRPr sz="1050">
+              <a:solidFill>
+                <a:schemeClr val="dk1"/>
+              </a:solidFill>
+            </a:endParaRPr>
+          </a:p>
+          <a:p>
+            <a:pPr marL="0" lvl="0" indent="0" algn="l" rtl="0">
+              <a:lnSpc>
+                <a:spcPct val="115000"/>
+              </a:lnSpc>
+              <a:spcBef>
+                <a:spcPts val="600"/>
+              </a:spcBef>
+              <a:spcAft>
+                <a:spcPts val="0"/>
+              </a:spcAft>
+              <a:buClr>
+                <a:schemeClr val="dk1"/>
+              </a:buClr>
+              <a:buSzPts val="1100"/>
+              <a:buFont typeface="Arial"/>
+              <a:buNone/>
+            </a:pPr>
+            <a:r>
+              <a:rPr lang="en" sz="1050" b="1">
+                <a:solidFill>
+                  <a:schemeClr val="dk1"/>
+                </a:solidFill>
+              </a:rPr>
+              <a:t>Educate</a:t>
+            </a:r>
+            <a:r>
+              <a:rPr lang="en" sz="1050">
+                <a:solidFill>
+                  <a:schemeClr val="dk1"/>
+                </a:solidFill>
+              </a:rPr>
+              <a:t>: Sharing and educating related knowledge for fighting the disease outbreak</a:t>
+            </a:r>
+            <a:endParaRPr sz="1050">
+              <a:solidFill>
+                <a:schemeClr val="dk1"/>
+              </a:solidFill>
+            </a:endParaRPr>
+          </a:p>
+          <a:p>
+            <a:pPr marL="0" lvl="0" indent="0" algn="l" rtl="0">
+              <a:lnSpc>
+                <a:spcPct val="115000"/>
+              </a:lnSpc>
+              <a:spcBef>
+                <a:spcPts val="600"/>
+              </a:spcBef>
+              <a:spcAft>
+                <a:spcPts val="0"/>
+              </a:spcAft>
+              <a:buClr>
+                <a:schemeClr val="dk1"/>
+              </a:buClr>
+              <a:buSzPts val="1100"/>
+              <a:buFont typeface="Arial"/>
+              <a:buNone/>
+            </a:pPr>
+            <a:r>
+              <a:rPr lang="en" sz="1050" b="1">
+                <a:solidFill>
+                  <a:schemeClr val="dk1"/>
+                </a:solidFill>
+              </a:rPr>
+              <a:t>BuySellExchange</a:t>
+            </a:r>
+            <a:r>
+              <a:rPr lang="en" sz="1050">
+                <a:solidFill>
+                  <a:schemeClr val="dk1"/>
+                </a:solidFill>
+              </a:rPr>
+              <a:t>: Buying, selling or exchanging goods related to the disease outbreak</a:t>
+            </a:r>
+            <a:endParaRPr sz="1050">
+              <a:solidFill>
+                <a:schemeClr val="dk1"/>
+              </a:solidFill>
+            </a:endParaRPr>
+          </a:p>
+          <a:p>
+            <a:pPr marL="0" lvl="0" indent="0" algn="l" rtl="0">
+              <a:lnSpc>
+                <a:spcPct val="115000"/>
+              </a:lnSpc>
+              <a:spcBef>
+                <a:spcPts val="600"/>
+              </a:spcBef>
+              <a:spcAft>
+                <a:spcPts val="0"/>
+              </a:spcAft>
+              <a:buClr>
+                <a:schemeClr val="dk1"/>
+              </a:buClr>
+              <a:buSzPts val="1100"/>
+              <a:buFont typeface="Arial"/>
+              <a:buNone/>
+            </a:pPr>
+            <a:r>
+              <a:rPr lang="en" sz="1050" b="1">
+                <a:solidFill>
+                  <a:schemeClr val="dk1"/>
+                </a:solidFill>
+              </a:rPr>
+              <a:t>Demonstrate</a:t>
+            </a:r>
+            <a:r>
+              <a:rPr lang="en" sz="1050">
+                <a:solidFill>
+                  <a:schemeClr val="dk1"/>
+                </a:solidFill>
+              </a:rPr>
+              <a:t>: Protests over responses to the disease outbreak</a:t>
+            </a:r>
+            <a:endParaRPr sz="1050">
+              <a:solidFill>
+                <a:schemeClr val="dk1"/>
+              </a:solidFill>
+            </a:endParaRPr>
+          </a:p>
+          <a:p>
+            <a:pPr marL="0" lvl="0" indent="0" algn="l" rtl="0">
+              <a:lnSpc>
+                <a:spcPct val="115000"/>
+              </a:lnSpc>
+              <a:spcBef>
+                <a:spcPts val="600"/>
+              </a:spcBef>
+              <a:spcAft>
+                <a:spcPts val="0"/>
+              </a:spcAft>
+              <a:buClr>
+                <a:schemeClr val="dk1"/>
+              </a:buClr>
+              <a:buSzPts val="1100"/>
+              <a:buFont typeface="Arial"/>
+              <a:buNone/>
+            </a:pPr>
+            <a:r>
+              <a:rPr lang="en" sz="1050" b="1">
+                <a:solidFill>
+                  <a:schemeClr val="dk1"/>
+                </a:solidFill>
+              </a:rPr>
+              <a:t>BusinessClose</a:t>
+            </a:r>
+            <a:r>
+              <a:rPr lang="en" sz="1050">
+                <a:solidFill>
+                  <a:schemeClr val="dk1"/>
+                </a:solidFill>
+              </a:rPr>
+              <a:t>: Business close due to the disease outbreak</a:t>
+            </a:r>
+            <a:endParaRPr sz="1050">
+              <a:solidFill>
+                <a:schemeClr val="dk1"/>
+              </a:solidFill>
+            </a:endParaRPr>
+          </a:p>
+          <a:p>
+            <a:pPr marL="0" lvl="0" indent="0" algn="l" rtl="0">
+              <a:lnSpc>
+                <a:spcPct val="115000"/>
+              </a:lnSpc>
+              <a:spcBef>
+                <a:spcPts val="600"/>
+              </a:spcBef>
+              <a:spcAft>
+                <a:spcPts val="0"/>
+              </a:spcAft>
+              <a:buClr>
+                <a:schemeClr val="dk1"/>
+              </a:buClr>
+              <a:buSzPts val="1100"/>
+              <a:buFont typeface="Arial"/>
+              <a:buNone/>
+            </a:pPr>
+            <a:r>
+              <a:rPr lang="en" sz="1050" b="1">
+                <a:solidFill>
+                  <a:schemeClr val="dk1"/>
+                </a:solidFill>
+              </a:rPr>
+              <a:t>BusinessReopen</a:t>
+            </a:r>
+            <a:r>
+              <a:rPr lang="en" sz="1050">
+                <a:solidFill>
+                  <a:schemeClr val="dk1"/>
+                </a:solidFill>
+              </a:rPr>
+              <a:t>: Business reopen due to the disease outbreak</a:t>
+            </a:r>
+            <a:endParaRPr sz="1050">
+              <a:solidFill>
+                <a:schemeClr val="dk1"/>
+              </a:solidFill>
+            </a:endParaRPr>
+          </a:p>
+          <a:p>
+            <a:pPr marL="0" lvl="0" indent="0" algn="l" rtl="0">
+              <a:lnSpc>
+                <a:spcPct val="115000"/>
+              </a:lnSpc>
+              <a:spcBef>
+                <a:spcPts val="600"/>
+              </a:spcBef>
+              <a:spcAft>
+                <a:spcPts val="0"/>
+              </a:spcAft>
+              <a:buNone/>
+            </a:pPr>
+            <a:r>
+              <a:rPr lang="en" sz="1050" b="1">
+                <a:solidFill>
+                  <a:schemeClr val="dk1"/>
+                </a:solidFill>
+              </a:rPr>
+              <a:t>Comply</a:t>
+            </a:r>
+            <a:r>
+              <a:rPr lang="en" sz="1050">
+                <a:solidFill>
+                  <a:schemeClr val="dk1"/>
+                </a:solidFill>
+              </a:rPr>
+              <a:t>: Complying to the government legislations</a:t>
+            </a:r>
+            <a:endParaRPr sz="1050">
+              <a:solidFill>
+                <a:schemeClr val="dk1"/>
+              </a:solidFill>
+            </a:endParaRPr>
+          </a:p>
+          <a:p>
+            <a:pPr marL="0" lvl="0" indent="0" algn="l" rtl="0">
+              <a:lnSpc>
+                <a:spcPct val="115000"/>
+              </a:lnSpc>
+              <a:spcBef>
+                <a:spcPts val="600"/>
+              </a:spcBef>
+              <a:spcAft>
+                <a:spcPts val="0"/>
+              </a:spcAft>
+              <a:buClr>
+                <a:schemeClr val="dk1"/>
+              </a:buClr>
+              <a:buSzPts val="1100"/>
+              <a:buFont typeface="Arial"/>
+              <a:buNone/>
+            </a:pPr>
+            <a:endParaRPr sz="1050">
+              <a:solidFill>
+                <a:schemeClr val="dk1"/>
+              </a:solidFill>
+            </a:endParaRPr>
+          </a:p>
+          <a:p>
+            <a:pPr marL="0" lvl="0" indent="0" algn="l" rtl="0">
+              <a:lnSpc>
+                <a:spcPct val="115000"/>
+              </a:lnSpc>
+              <a:spcBef>
+                <a:spcPts val="600"/>
+              </a:spcBef>
+              <a:spcAft>
+                <a:spcPts val="0"/>
+              </a:spcAft>
+              <a:buClr>
+                <a:schemeClr val="dk1"/>
+              </a:buClr>
+              <a:buSzPts val="1100"/>
+              <a:buFont typeface="Arial"/>
+              <a:buNone/>
+            </a:pPr>
+            <a:r>
+              <a:rPr lang="en" sz="1050" b="1">
+                <a:solidFill>
+                  <a:schemeClr val="dk1"/>
+                </a:solidFill>
+              </a:rPr>
+              <a:t>Limit Travel</a:t>
+            </a:r>
+            <a:r>
+              <a:rPr lang="en" sz="1050">
+                <a:solidFill>
+                  <a:schemeClr val="dk1"/>
+                </a:solidFill>
+              </a:rPr>
+              <a:t>: Restrictions on traveling to slow down the spread of the virus</a:t>
+            </a:r>
+            <a:endParaRPr sz="1050">
+              <a:solidFill>
+                <a:schemeClr val="dk1"/>
+              </a:solidFill>
+            </a:endParaRPr>
+          </a:p>
+          <a:p>
+            <a:pPr marL="0" lvl="0" indent="0" algn="l" rtl="0">
+              <a:lnSpc>
+                <a:spcPct val="115000"/>
+              </a:lnSpc>
+              <a:spcBef>
+                <a:spcPts val="600"/>
+              </a:spcBef>
+              <a:spcAft>
+                <a:spcPts val="0"/>
+              </a:spcAft>
+              <a:buNone/>
+            </a:pPr>
+            <a:r>
+              <a:rPr lang="en" sz="1050" b="1">
+                <a:solidFill>
+                  <a:schemeClr val="dk1"/>
+                </a:solidFill>
+              </a:rPr>
+              <a:t>Social Distancing</a:t>
+            </a:r>
+            <a:r>
+              <a:rPr lang="en" sz="1050">
+                <a:solidFill>
+                  <a:schemeClr val="dk1"/>
+                </a:solidFill>
+              </a:rPr>
+              <a:t>: Keep physical distance to prevent the spread of the disease</a:t>
+            </a:r>
+            <a:endParaRPr sz="1050">
+              <a:solidFill>
+                <a:schemeClr val="dk1"/>
+              </a:solidFill>
+            </a:endParaRPr>
+          </a:p>
+          <a:p>
+            <a:pPr marL="0" lvl="0" indent="0" algn="l" rtl="0">
+              <a:lnSpc>
+                <a:spcPct val="115000"/>
+              </a:lnSpc>
+              <a:spcBef>
+                <a:spcPts val="0"/>
+              </a:spcBef>
+              <a:spcAft>
+                <a:spcPts val="0"/>
+              </a:spcAft>
+              <a:buNone/>
+            </a:pPr>
+            <a:r>
+              <a:rPr lang="en" sz="1050" b="1">
+                <a:solidFill>
+                  <a:schemeClr val="dk1"/>
+                </a:solidFill>
+              </a:rPr>
+              <a:t>Sanitize: </a:t>
+            </a:r>
+            <a:r>
+              <a:rPr lang="en" sz="1050">
+                <a:solidFill>
+                  <a:schemeClr val="dk1"/>
+                </a:solidFill>
+              </a:rPr>
+              <a:t>Disinfection to prevent infection of the virus</a:t>
+            </a:r>
+            <a:endParaRPr sz="1050">
+              <a:solidFill>
+                <a:schemeClr val="dk1"/>
+              </a:solidFill>
+            </a:endParaRPr>
+          </a:p>
+          <a:p>
+            <a:pPr marL="0" lvl="0" indent="0" algn="l" rtl="0">
+              <a:lnSpc>
+                <a:spcPct val="115000"/>
+              </a:lnSpc>
+              <a:spcBef>
+                <a:spcPts val="600"/>
+              </a:spcBef>
+              <a:spcAft>
+                <a:spcPts val="0"/>
+              </a:spcAft>
+              <a:buNone/>
+            </a:pPr>
+            <a:r>
+              <a:rPr lang="en" sz="1050" b="1">
+                <a:solidFill>
+                  <a:schemeClr val="dk1"/>
+                </a:solidFill>
+              </a:rPr>
+              <a:t>Wear Mask</a:t>
+            </a:r>
+            <a:r>
+              <a:rPr lang="en" sz="1050">
+                <a:solidFill>
+                  <a:schemeClr val="dk1"/>
+                </a:solidFill>
+              </a:rPr>
+              <a:t>: Wearing masks to prevent the spread of virus</a:t>
+            </a:r>
+            <a:endParaRPr sz="1050">
+              <a:solidFill>
+                <a:schemeClr val="dk1"/>
+              </a:solidFill>
+            </a:endParaRPr>
+          </a:p>
+          <a:p>
+            <a:pPr marL="0" lvl="0" indent="0" algn="l" rtl="0">
+              <a:lnSpc>
+                <a:spcPct val="115000"/>
+              </a:lnSpc>
+              <a:spcBef>
+                <a:spcPts val="600"/>
+              </a:spcBef>
+              <a:spcAft>
+                <a:spcPts val="0"/>
+              </a:spcAft>
+              <a:buNone/>
+            </a:pPr>
+            <a:r>
+              <a:rPr lang="en" sz="1050" b="1">
+                <a:solidFill>
+                  <a:schemeClr val="dk1"/>
+                </a:solidFill>
+              </a:rPr>
+              <a:t>Wash</a:t>
+            </a:r>
+            <a:r>
+              <a:rPr lang="en" sz="1050">
+                <a:solidFill>
+                  <a:schemeClr val="dk1"/>
+                </a:solidFill>
+              </a:rPr>
+              <a:t>: Washing hands to prevent infection</a:t>
+            </a:r>
+            <a:endParaRPr sz="1050">
+              <a:solidFill>
+                <a:schemeClr val="dk1"/>
+              </a:solidFill>
+            </a:endParaRPr>
+          </a:p>
+          <a:p>
+            <a:pPr marL="0" lvl="0" indent="0" algn="l" rtl="0">
+              <a:lnSpc>
+                <a:spcPct val="115000"/>
+              </a:lnSpc>
+              <a:spcBef>
+                <a:spcPts val="600"/>
+              </a:spcBef>
+              <a:spcAft>
+                <a:spcPts val="0"/>
+              </a:spcAft>
+              <a:buNone/>
+            </a:pPr>
+            <a:r>
+              <a:rPr lang="en" sz="1050" b="1">
+                <a:solidFill>
+                  <a:schemeClr val="dk1"/>
+                </a:solidFill>
+              </a:rPr>
+              <a:t>Vaccinate</a:t>
+            </a:r>
+            <a:r>
+              <a:rPr lang="en" sz="1050">
+                <a:solidFill>
+                  <a:schemeClr val="dk1"/>
+                </a:solidFill>
+              </a:rPr>
+              <a:t>: Vaccine intended to provide acquired immunity against the virus</a:t>
+            </a:r>
+            <a:endParaRPr sz="1050">
+              <a:solidFill>
+                <a:schemeClr val="dk1"/>
+              </a:solidFill>
+            </a:endParaRPr>
+          </a:p>
+          <a:p>
+            <a:pPr marL="0" lvl="0" indent="0" algn="l" rtl="0">
+              <a:lnSpc>
+                <a:spcPct val="115000"/>
+              </a:lnSpc>
+              <a:spcBef>
+                <a:spcPts val="600"/>
+              </a:spcBef>
+              <a:spcAft>
+                <a:spcPts val="0"/>
+              </a:spcAft>
+              <a:buClr>
+                <a:schemeClr val="dk1"/>
+              </a:buClr>
+              <a:buSzPts val="1100"/>
+              <a:buFont typeface="Arial"/>
+              <a:buNone/>
+            </a:pPr>
+            <a:r>
+              <a:rPr lang="en" sz="1050" b="1">
+                <a:solidFill>
+                  <a:schemeClr val="dk1"/>
+                </a:solidFill>
+              </a:rPr>
+              <a:t>Inject</a:t>
+            </a:r>
+            <a:r>
+              <a:rPr lang="en" sz="1050">
+                <a:solidFill>
+                  <a:schemeClr val="dk1"/>
+                </a:solidFill>
+              </a:rPr>
+              <a:t>: The act of administering a liquid, especially a drug, into a patient infected by the virus using a needle and a syringe</a:t>
+            </a:r>
+            <a:endParaRPr sz="1050">
+              <a:solidFill>
+                <a:schemeClr val="dk1"/>
+              </a:solidFill>
+            </a:endParaRPr>
+          </a:p>
+        </p:txBody>
+      </p:sp>
+    </p:spTree>
+  </p:cSld>
+  <p:clrMapOvr>
+    <a:masterClrMapping/>
+  </p:clrMapOvr>
+</p:sld>
+</file>
+
+<file path=ppt/slides/slide12.xml><?xml version="1.0" encoding="utf-8"?>
 <p:sld xmlns:a="http://schemas.openxmlformats.org/drawingml/2006/main" xmlns:r="http://schemas.openxmlformats.org/officeDocument/2006/relationships" xmlns:p="http://schemas.openxmlformats.org/presentationml/2006/main">
   <p:cSld>
     <p:spTree>
@@ -10150,7 +11398,7 @@
         </p:nvSpPr>
         <p:spPr>
           <a:xfrm>
-            <a:off x="311700" y="445025"/>
+            <a:off x="52620" y="-19795"/>
             <a:ext cx="8520600" cy="572700"/>
           </a:xfrm>
           <a:prstGeom prst="rect">
@@ -10181,41 +11429,13 @@
               <a:buNone/>
             </a:pPr>
             <a:r>
-              <a:rPr lang="en"/>
+              <a:rPr lang="en" dirty="0"/>
               <a:t>Investigation</a:t>
             </a:r>
-            <a:endParaRPr/>
+            <a:endParaRPr dirty="0"/>
           </a:p>
         </p:txBody>
       </p:sp>
-      <p:pic>
-        <p:nvPicPr>
-          <p:cNvPr id="117" name="Google Shape;117;p10"/>
-          <p:cNvPicPr preferRelativeResize="0"/>
-          <p:nvPr/>
-        </p:nvPicPr>
-        <p:blipFill>
-          <a:blip r:embed="rId3">
-            <a:alphaModFix/>
-          </a:blip>
-          <a:stretch>
-            <a:fillRect/>
-          </a:stretch>
-        </p:blipFill>
-        <p:spPr>
-          <a:xfrm>
-            <a:off x="3400425" y="1685925"/>
-            <a:ext cx="5743575" cy="3457575"/>
-          </a:xfrm>
-          <a:prstGeom prst="rect">
-            <a:avLst/>
-          </a:prstGeom>
-          <a:noFill/>
-          <a:ln>
-            <a:noFill/>
-          </a:ln>
-        </p:spPr>
-      </p:pic>
       <p:sp>
         <p:nvSpPr>
           <p:cNvPr id="118" name="Google Shape;118;p10"/>
@@ -10224,8 +11444,8 @@
         </p:nvSpPr>
         <p:spPr>
           <a:xfrm>
-            <a:off x="247450" y="1221250"/>
-            <a:ext cx="4865400" cy="3641100"/>
+            <a:off x="148390" y="482110"/>
+            <a:ext cx="8866070" cy="1947041"/>
           </a:xfrm>
           <a:prstGeom prst="rect">
             <a:avLst/>
@@ -10259,22 +11479,22 @@
               <a:buNone/>
             </a:pPr>
             <a:r>
-              <a:rPr lang="en" sz="1050" b="1">
-                <a:solidFill>
-                  <a:schemeClr val="dk1"/>
-                </a:solidFill>
-              </a:rPr>
-              <a:t>IdentifyCategorize</a:t>
-            </a:r>
-            <a:r>
-              <a:rPr lang="en" sz="1050">
+              <a:rPr lang="en" sz="1050" b="1" dirty="0" err="1">
+                <a:solidFill>
+                  <a:schemeClr val="dk1"/>
+                </a:solidFill>
+              </a:rPr>
+              <a:t>IdentifyDiseaseSource</a:t>
+            </a:r>
+            <a:r>
+              <a:rPr lang="en" sz="1050" dirty="0">
                 <a:solidFill>
                   <a:schemeClr val="dk1"/>
                 </a:solidFill>
               </a:rPr>
               <a:t>: Investigation of the disease outbreak includes identify the source of the virus as well as the suspect of the creator</a:t>
             </a:r>
-            <a:endParaRPr sz="1050">
+            <a:endParaRPr sz="1050" dirty="0">
               <a:solidFill>
                 <a:schemeClr val="dk1"/>
               </a:solidFill>
@@ -10299,7 +11519,7 @@
               <a:buNone/>
             </a:pPr>
             <a:r>
-              <a:rPr lang="en" sz="1050" b="1">
+              <a:rPr lang="en" sz="1050" b="1" dirty="0">
                 <a:solidFill>
                   <a:schemeClr val="dk1"/>
                 </a:solidFill>
@@ -10307,14 +11527,14 @@
               <a:t>Contact</a:t>
             </a:r>
             <a:r>
-              <a:rPr lang="en" sz="1050">
+              <a:rPr lang="en" sz="1050" dirty="0">
                 <a:solidFill>
                   <a:schemeClr val="dk1"/>
                 </a:solidFill>
               </a:rPr>
               <a:t>: Make contact with the suspect</a:t>
             </a:r>
-            <a:endParaRPr sz="1050">
+            <a:endParaRPr sz="1050" dirty="0">
               <a:solidFill>
                 <a:schemeClr val="dk1"/>
               </a:solidFill>
@@ -10339,7 +11559,7 @@
               <a:buNone/>
             </a:pPr>
             <a:r>
-              <a:rPr lang="en" sz="1050" b="1">
+              <a:rPr lang="en" sz="1050" b="1" dirty="0">
                 <a:solidFill>
                   <a:schemeClr val="dk1"/>
                 </a:solidFill>
@@ -10347,14 +11567,14 @@
               <a:t>Arrest</a:t>
             </a:r>
             <a:r>
-              <a:rPr lang="en" sz="1050">
+              <a:rPr lang="en" sz="1050" dirty="0">
                 <a:solidFill>
                   <a:schemeClr val="dk1"/>
                 </a:solidFill>
               </a:rPr>
               <a:t>: Taking the suspect who created the virus or violated laws during the outbreak into custody</a:t>
             </a:r>
-            <a:endParaRPr sz="1050">
+            <a:endParaRPr sz="1050" dirty="0">
               <a:solidFill>
                 <a:schemeClr val="dk1"/>
               </a:solidFill>
@@ -10374,7 +11594,7 @@
               <a:buNone/>
             </a:pPr>
             <a:r>
-              <a:rPr lang="en" sz="1050" b="1">
+              <a:rPr lang="en" sz="1050" b="1" dirty="0">
                 <a:solidFill>
                   <a:schemeClr val="dk1"/>
                 </a:solidFill>
@@ -10382,14 +11602,14 @@
               <a:t>Inspect</a:t>
             </a:r>
             <a:r>
-              <a:rPr lang="en" sz="1050">
+              <a:rPr lang="en" sz="1050" dirty="0">
                 <a:solidFill>
                   <a:schemeClr val="dk1"/>
                 </a:solidFill>
               </a:rPr>
               <a:t>: Organized examination or formal evaluation on the suspect for creating the virus</a:t>
             </a:r>
-            <a:endParaRPr sz="1050">
+            <a:endParaRPr sz="1050" dirty="0">
               <a:solidFill>
                 <a:schemeClr val="dk1"/>
               </a:solidFill>
@@ -10406,9 +11626,30 @@
               <a:spcAft>
                 <a:spcPts val="0"/>
               </a:spcAft>
+              <a:buClr>
+                <a:schemeClr val="dk1"/>
+              </a:buClr>
+              <a:buSzPts val="1100"/>
+              <a:buFont typeface="Arial"/>
               <a:buNone/>
             </a:pPr>
-            <a:endParaRPr sz="1050">
+            <a:r>
+              <a:rPr lang="en" sz="1050" b="1" dirty="0">
+                <a:solidFill>
+                  <a:schemeClr val="dk1"/>
+                </a:solidFill>
+              </a:rPr>
+              <a:t>Interrogation</a:t>
+            </a:r>
+            <a:r>
+              <a:rPr lang="en" sz="1050" dirty="0">
+                <a:solidFill>
+                  <a:schemeClr val="dk1"/>
+                </a:solidFill>
+              </a:rPr>
+              <a:t>: Interviewing with the goal of eliciting useful information related to suspected crime during the disease outbreak</a:t>
+            </a:r>
+            <a:endParaRPr sz="1050" dirty="0">
               <a:solidFill>
                 <a:schemeClr val="dk1"/>
               </a:solidFill>
@@ -10425,9 +11666,30 @@
               <a:spcAft>
                 <a:spcPts val="0"/>
               </a:spcAft>
+              <a:buClr>
+                <a:schemeClr val="dk1"/>
+              </a:buClr>
+              <a:buSzPts val="1100"/>
+              <a:buFont typeface="Arial"/>
               <a:buNone/>
             </a:pPr>
-            <a:endParaRPr sz="1050">
+            <a:r>
+              <a:rPr lang="en" sz="1050" b="1" dirty="0">
+                <a:solidFill>
+                  <a:schemeClr val="dk1"/>
+                </a:solidFill>
+              </a:rPr>
+              <a:t>Handcuffing</a:t>
+            </a:r>
+            <a:r>
+              <a:rPr lang="en" sz="1050" dirty="0">
+                <a:solidFill>
+                  <a:schemeClr val="dk1"/>
+                </a:solidFill>
+              </a:rPr>
+              <a:t>: Using handcuffs to secure a suspect who violated law during the disease outbreak</a:t>
+            </a:r>
+            <a:endParaRPr sz="1050" dirty="0">
               <a:solidFill>
                 <a:schemeClr val="dk1"/>
               </a:solidFill>
@@ -10444,114 +11706,10 @@
               <a:spcAft>
                 <a:spcPts val="0"/>
               </a:spcAft>
-              <a:buClr>
-                <a:schemeClr val="dk1"/>
-              </a:buClr>
-              <a:buSzPts val="1100"/>
-              <a:buFont typeface="Arial"/>
               <a:buNone/>
             </a:pPr>
-            <a:endParaRPr sz="1050">
-              <a:solidFill>
-                <a:schemeClr val="dk1"/>
-              </a:solidFill>
-            </a:endParaRPr>
-          </a:p>
-          <a:p>
-            <a:pPr marL="0" lvl="0" indent="0" algn="l" rtl="0">
-              <a:lnSpc>
-                <a:spcPct val="115000"/>
-              </a:lnSpc>
-              <a:spcBef>
-                <a:spcPts val="600"/>
-              </a:spcBef>
-              <a:spcAft>
-                <a:spcPts val="0"/>
-              </a:spcAft>
-              <a:buClr>
-                <a:schemeClr val="dk1"/>
-              </a:buClr>
-              <a:buSzPts val="1100"/>
-              <a:buFont typeface="Arial"/>
-              <a:buNone/>
-            </a:pPr>
-            <a:r>
-              <a:rPr lang="en" sz="1050" b="1">
-                <a:solidFill>
-                  <a:schemeClr val="dk1"/>
-                </a:solidFill>
-              </a:rPr>
-              <a:t>Interrogation</a:t>
-            </a:r>
-            <a:r>
-              <a:rPr lang="en" sz="1050">
-                <a:solidFill>
-                  <a:schemeClr val="dk1"/>
-                </a:solidFill>
-              </a:rPr>
-              <a:t>: Interviewing with the goal of eliciting useful information related to suspected crime during the disease outbreak</a:t>
-            </a:r>
-            <a:endParaRPr sz="1050">
-              <a:solidFill>
-                <a:schemeClr val="dk1"/>
-              </a:solidFill>
-            </a:endParaRPr>
-          </a:p>
-          <a:p>
-            <a:pPr marL="0" lvl="0" indent="0" algn="l" rtl="0">
-              <a:lnSpc>
-                <a:spcPct val="115000"/>
-              </a:lnSpc>
-              <a:spcBef>
-                <a:spcPts val="600"/>
-              </a:spcBef>
-              <a:spcAft>
-                <a:spcPts val="0"/>
-              </a:spcAft>
-              <a:buClr>
-                <a:schemeClr val="dk1"/>
-              </a:buClr>
-              <a:buSzPts val="1100"/>
-              <a:buFont typeface="Arial"/>
-              <a:buNone/>
-            </a:pPr>
-            <a:r>
-              <a:rPr lang="en" sz="1050" b="1">
-                <a:solidFill>
-                  <a:schemeClr val="dk1"/>
-                </a:solidFill>
-              </a:rPr>
-              <a:t>Handcuffing</a:t>
-            </a:r>
-            <a:r>
-              <a:rPr lang="en" sz="1050">
-                <a:solidFill>
-                  <a:schemeClr val="dk1"/>
-                </a:solidFill>
-              </a:rPr>
-              <a:t>: Using handcuffs to secure a suspect who violated law during the disease outbreak</a:t>
-            </a:r>
-            <a:endParaRPr sz="1050">
-              <a:solidFill>
-                <a:schemeClr val="dk1"/>
-              </a:solidFill>
-            </a:endParaRPr>
-          </a:p>
-          <a:p>
-            <a:pPr marL="0" lvl="0" indent="0" algn="l" rtl="0">
-              <a:lnSpc>
-                <a:spcPct val="115000"/>
-              </a:lnSpc>
-              <a:spcBef>
-                <a:spcPts val="600"/>
-              </a:spcBef>
-              <a:spcAft>
-                <a:spcPts val="0"/>
-              </a:spcAft>
-              <a:buNone/>
-            </a:pPr>
-            <a:r>
-              <a:rPr lang="en" sz="1050" b="1">
+            <a:r>
+              <a:rPr lang="en" sz="1050" b="1" dirty="0">
                 <a:solidFill>
                   <a:schemeClr val="dk1"/>
                 </a:solidFill>
@@ -10559,17 +11717,46 @@
               <a:t>Restrain</a:t>
             </a:r>
             <a:r>
-              <a:rPr lang="en" sz="1050">
+              <a:rPr lang="en" sz="1050" dirty="0">
                 <a:solidFill>
                   <a:schemeClr val="dk1"/>
                 </a:solidFill>
               </a:rPr>
               <a:t>: Physical restraint on the suspect</a:t>
             </a:r>
-            <a:endParaRPr/>
           </a:p>
         </p:txBody>
       </p:sp>
+      <p:pic>
+        <p:nvPicPr>
+          <p:cNvPr id="4" name="Picture 3">
+            <a:extLst>
+              <a:ext uri="{FF2B5EF4-FFF2-40B4-BE49-F238E27FC236}">
+                <a16:creationId xmlns:a16="http://schemas.microsoft.com/office/drawing/2014/main" id="{A603EF81-8FB5-D653-6440-6F559FF31BAB}"/>
+              </a:ext>
+            </a:extLst>
+          </p:cNvPr>
+          <p:cNvPicPr>
+            <a:picLocks noChangeAspect="1"/>
+          </p:cNvPicPr>
+          <p:nvPr/>
+        </p:nvPicPr>
+        <p:blipFill>
+          <a:blip r:embed="rId3"/>
+          <a:stretch>
+            <a:fillRect/>
+          </a:stretch>
+        </p:blipFill>
+        <p:spPr>
+          <a:xfrm>
+            <a:off x="1909263" y="2571750"/>
+            <a:ext cx="5325474" cy="2235076"/>
+          </a:xfrm>
+          <a:prstGeom prst="rect">
+            <a:avLst/>
+          </a:prstGeom>
+        </p:spPr>
+      </p:pic>
     </p:spTree>
   </p:cSld>
   <p:clrMapOvr>
@@ -10578,7 +11765,7 @@
 </p:sld>
 </file>
 
-<file path=ppt/slides/slide11.xml><?xml version="1.0" encoding="utf-8"?>
+<file path=ppt/slides/slide13.xml><?xml version="1.0" encoding="utf-8"?>
 <p:sld xmlns:a="http://schemas.openxmlformats.org/drawingml/2006/main" xmlns:r="http://schemas.openxmlformats.org/officeDocument/2006/relationships" xmlns:p="http://schemas.openxmlformats.org/presentationml/2006/main">
   <p:cSld>
     <p:spTree>
@@ -10645,6 +11832,36 @@
           </a:p>
         </p:txBody>
       </p:sp>
+      <p:pic>
+        <p:nvPicPr>
+          <p:cNvPr id="3" name="Picture 2">
+            <a:extLst>
+              <a:ext uri="{FF2B5EF4-FFF2-40B4-BE49-F238E27FC236}">
+                <a16:creationId xmlns:a16="http://schemas.microsoft.com/office/drawing/2014/main" id="{A6E42131-76CB-F653-101D-FF2291791C09}"/>
+              </a:ext>
+            </a:extLst>
+          </p:cNvPr>
+          <p:cNvPicPr>
+            <a:picLocks noChangeAspect="1"/>
+          </p:cNvPicPr>
+          <p:nvPr/>
+        </p:nvPicPr>
+        <p:blipFill>
+          <a:blip r:embed="rId3"/>
+          <a:stretch>
+            <a:fillRect/>
+          </a:stretch>
+        </p:blipFill>
+        <p:spPr>
+          <a:xfrm>
+            <a:off x="3307080" y="2414532"/>
+            <a:ext cx="5836794" cy="2728968"/>
+          </a:xfrm>
+          <a:prstGeom prst="rect">
+            <a:avLst/>
+          </a:prstGeom>
+        </p:spPr>
+      </p:pic>
       <p:sp>
         <p:nvSpPr>
           <p:cNvPr id="125" name="Google Shape;125;p11"/>
@@ -10653,8 +11870,8 @@
         </p:nvSpPr>
         <p:spPr>
           <a:xfrm>
-            <a:off x="125" y="471600"/>
-            <a:ext cx="9144000" cy="2735334"/>
+            <a:off x="125" y="303960"/>
+            <a:ext cx="9144000" cy="2469877"/>
           </a:xfrm>
           <a:prstGeom prst="rect">
             <a:avLst/>
@@ -10680,7 +11897,7 @@
               <a:buSzPts val="1100"/>
             </a:pPr>
             <a:r>
-              <a:rPr lang="en-US" sz="1050" b="1" dirty="0">
+              <a:rPr lang="en-US" sz="900" b="1" dirty="0">
                 <a:solidFill>
                   <a:schemeClr val="dk1"/>
                 </a:solidFill>
@@ -10688,7 +11905,7 @@
               <a:t>File Complaint</a:t>
             </a:r>
             <a:r>
-              <a:rPr lang="en-US" sz="1050" dirty="0">
+              <a:rPr lang="en-US" sz="900" dirty="0">
                 <a:solidFill>
                   <a:schemeClr val="dk1"/>
                 </a:solidFill>
@@ -10710,7 +11927,7 @@
               <a:buSzPts val="1100"/>
             </a:pPr>
             <a:r>
-              <a:rPr lang="en" sz="1050" b="1" dirty="0">
+              <a:rPr lang="en" sz="900" b="1" dirty="0">
                 <a:solidFill>
                   <a:schemeClr val="dk1"/>
                 </a:solidFill>
@@ -10718,7 +11935,7 @@
               <a:t>Answer</a:t>
             </a:r>
             <a:r>
-              <a:rPr lang="en" sz="1050" dirty="0">
+              <a:rPr lang="en" sz="900" dirty="0">
                 <a:solidFill>
                   <a:schemeClr val="dk1"/>
                 </a:solidFill>
@@ -10726,7 +11943,7 @@
               <a:t>: </a:t>
             </a:r>
             <a:r>
-              <a:rPr lang="en-US" sz="1050" dirty="0">
+              <a:rPr lang="en-US" sz="900" dirty="0">
                 <a:solidFill>
                   <a:schemeClr val="dk1"/>
                 </a:solidFill>
@@ -10748,7 +11965,7 @@
               <a:buSzPts val="1100"/>
             </a:pPr>
             <a:r>
-              <a:rPr lang="en-US" sz="1050" b="1" dirty="0">
+              <a:rPr lang="en-US" sz="900" b="1" dirty="0">
                 <a:solidFill>
                   <a:schemeClr val="dk1"/>
                 </a:solidFill>
@@ -10756,7 +11973,7 @@
               <a:t>Discovery</a:t>
             </a:r>
             <a:r>
-              <a:rPr lang="en-US" sz="1050" dirty="0">
+              <a:rPr lang="en-US" sz="900" dirty="0">
                 <a:solidFill>
                   <a:schemeClr val="dk1"/>
                 </a:solidFill>
@@ -10778,7 +11995,7 @@
               <a:buSzPts val="1100"/>
             </a:pPr>
             <a:r>
-              <a:rPr lang="en-US" sz="1050" b="1" dirty="0">
+              <a:rPr lang="en-US" sz="900" b="1" dirty="0">
                 <a:solidFill>
                   <a:schemeClr val="dk1"/>
                 </a:solidFill>
@@ -10786,14 +12003,14 @@
               <a:t>Motion</a:t>
             </a:r>
             <a:r>
-              <a:rPr lang="en-US" sz="1050" dirty="0">
+              <a:rPr lang="en-US" sz="900" dirty="0">
                 <a:solidFill>
                   <a:schemeClr val="dk1"/>
                 </a:solidFill>
               </a:rPr>
               <a:t>: In US law, a procedural device to bring a limited, contested issue before a court for decision</a:t>
             </a:r>
-            <a:endParaRPr sz="1050" dirty="0">
+            <a:endParaRPr sz="900" dirty="0">
               <a:solidFill>
                 <a:schemeClr val="dk1"/>
               </a:solidFill>
@@ -10818,7 +12035,7 @@
               <a:buNone/>
             </a:pPr>
             <a:r>
-              <a:rPr lang="en" sz="1050" b="1" dirty="0">
+              <a:rPr lang="en" sz="900" b="1" dirty="0">
                 <a:solidFill>
                   <a:schemeClr val="dk1"/>
                 </a:solidFill>
@@ -10826,7 +12043,7 @@
               <a:t>Trial</a:t>
             </a:r>
             <a:r>
-              <a:rPr lang="en" sz="1050" dirty="0">
+              <a:rPr lang="en" sz="900" dirty="0">
                 <a:solidFill>
                   <a:schemeClr val="dk1"/>
                 </a:solidFill>
@@ -10848,7 +12065,7 @@
               <a:buSzPts val="1100"/>
             </a:pPr>
             <a:r>
-              <a:rPr lang="en" sz="1050" b="1" dirty="0">
+              <a:rPr lang="en" sz="900" b="1" dirty="0">
                 <a:solidFill>
                   <a:schemeClr val="dk1"/>
                 </a:solidFill>
@@ -10856,7 +12073,7 @@
               <a:t>Judgement</a:t>
             </a:r>
             <a:r>
-              <a:rPr lang="en" sz="1050" dirty="0">
+              <a:rPr lang="en" sz="900" dirty="0">
                 <a:solidFill>
                   <a:schemeClr val="dk1"/>
                 </a:solidFill>
@@ -10864,7 +12081,7 @@
               <a:t>: </a:t>
             </a:r>
             <a:r>
-              <a:rPr lang="en-US" sz="1050" dirty="0">
+              <a:rPr lang="en-US" sz="900" dirty="0">
                 <a:solidFill>
                   <a:schemeClr val="dk1"/>
                 </a:solidFill>
@@ -10886,20 +12103,20 @@
               <a:buSzPts val="1100"/>
             </a:pPr>
             <a:r>
-              <a:rPr lang="en-US" sz="1050" b="1" dirty="0">
-                <a:solidFill>
-                  <a:schemeClr val="dk1"/>
-                </a:solidFill>
-              </a:rPr>
-              <a:t>Appeal</a:t>
-            </a:r>
-            <a:r>
-              <a:rPr lang="en-US" sz="1050" dirty="0">
-                <a:solidFill>
-                  <a:schemeClr val="dk1"/>
-                </a:solidFill>
-              </a:rPr>
-              <a:t>: Resort to a superior court to review the decision of an inferior court or administrative agency</a:t>
+              <a:rPr lang="en-US" sz="900" b="1" dirty="0">
+                <a:solidFill>
+                  <a:schemeClr val="dk1"/>
+                </a:solidFill>
+              </a:rPr>
+              <a:t>Education</a:t>
+            </a:r>
+            <a:r>
+              <a:rPr lang="en-US" sz="900" dirty="0">
+                <a:solidFill>
+                  <a:schemeClr val="dk1"/>
+                </a:solidFill>
+              </a:rPr>
+              <a:t>: learning in which knowledge and skills are transferred through teaching. The defendant is educated about regulations.</a:t>
             </a:r>
           </a:p>
           <a:p>
@@ -10916,20 +12133,20 @@
               <a:buSzPts val="1100"/>
             </a:pPr>
             <a:r>
-              <a:rPr lang="en-US" sz="1050" b="1" dirty="0">
-                <a:solidFill>
-                  <a:schemeClr val="dk1"/>
-                </a:solidFill>
-              </a:rPr>
-              <a:t>Mediation</a:t>
-            </a:r>
-            <a:r>
-              <a:rPr lang="en-US" sz="1050" dirty="0">
-                <a:solidFill>
-                  <a:schemeClr val="dk1"/>
-                </a:solidFill>
-              </a:rPr>
-              <a:t>: Dispute resolution with assistance of an impartial third party moderator through the use of communication and negotiation techniques</a:t>
+              <a:rPr lang="en-US" sz="900" b="1" dirty="0">
+                <a:solidFill>
+                  <a:schemeClr val="dk1"/>
+                </a:solidFill>
+              </a:rPr>
+              <a:t>Appeal</a:t>
+            </a:r>
+            <a:r>
+              <a:rPr lang="en-US" sz="900" dirty="0">
+                <a:solidFill>
+                  <a:schemeClr val="dk1"/>
+                </a:solidFill>
+              </a:rPr>
+              <a:t>: Resort to a superior court to review the decision of an inferior court or administrative agency</a:t>
             </a:r>
           </a:p>
           <a:p>
@@ -10946,20 +12163,20 @@
               <a:buSzPts val="1100"/>
             </a:pPr>
             <a:r>
-              <a:rPr lang="en-US" sz="1050" b="1" dirty="0">
-                <a:solidFill>
-                  <a:schemeClr val="dk1"/>
-                </a:solidFill>
-              </a:rPr>
-              <a:t>Settlement</a:t>
-            </a:r>
-            <a:r>
-              <a:rPr lang="en-US" sz="1050" dirty="0">
-                <a:solidFill>
-                  <a:schemeClr val="dk1"/>
-                </a:solidFill>
-              </a:rPr>
-              <a:t>: The dispute is resolved through a payment of money.</a:t>
+              <a:rPr lang="en-US" sz="900" b="1" dirty="0">
+                <a:solidFill>
+                  <a:schemeClr val="dk1"/>
+                </a:solidFill>
+              </a:rPr>
+              <a:t>Mediation</a:t>
+            </a:r>
+            <a:r>
+              <a:rPr lang="en-US" sz="900" dirty="0">
+                <a:solidFill>
+                  <a:schemeClr val="dk1"/>
+                </a:solidFill>
+              </a:rPr>
+              <a:t>: Dispute resolution with assistance of an impartial third party moderator through the use of communication and negotiation techniques</a:t>
             </a:r>
           </a:p>
           <a:p>
@@ -10975,44 +12192,25 @@
               </a:buClr>
               <a:buSzPts val="1100"/>
             </a:pPr>
-            <a:endParaRPr sz="1050" dirty="0">
-              <a:solidFill>
-                <a:schemeClr val="dk1"/>
-              </a:solidFill>
-            </a:endParaRPr>
+            <a:r>
+              <a:rPr lang="en-US" sz="900" b="1" dirty="0">
+                <a:solidFill>
+                  <a:schemeClr val="dk1"/>
+                </a:solidFill>
+              </a:rPr>
+              <a:t>Settlement</a:t>
+            </a:r>
+            <a:r>
+              <a:rPr lang="en-US" sz="900" dirty="0">
+                <a:solidFill>
+                  <a:schemeClr val="dk1"/>
+                </a:solidFill>
+              </a:rPr>
+              <a:t>: The dispute is resolved through a payment of money.</a:t>
+            </a:r>
           </a:p>
         </p:txBody>
       </p:sp>
-      <p:pic>
-        <p:nvPicPr>
-          <p:cNvPr id="2" name="Picture 1">
-            <a:extLst>
-              <a:ext uri="{FF2B5EF4-FFF2-40B4-BE49-F238E27FC236}">
-                <a16:creationId xmlns:a16="http://schemas.microsoft.com/office/drawing/2014/main" id="{067E0AC7-ABD7-2047-B37E-81A1E1956FD8}"/>
-              </a:ext>
-            </a:extLst>
-          </p:cNvPr>
-          <p:cNvPicPr>
-            <a:picLocks noChangeAspect="1"/>
-          </p:cNvPicPr>
-          <p:nvPr/>
-        </p:nvPicPr>
-        <p:blipFill>
-          <a:blip r:embed="rId3"/>
-          <a:stretch>
-            <a:fillRect/>
-          </a:stretch>
-        </p:blipFill>
-        <p:spPr>
-          <a:xfrm>
-            <a:off x="0" y="3023461"/>
-            <a:ext cx="9144000" cy="1823893"/>
-          </a:xfrm>
-          <a:prstGeom prst="rect">
-            <a:avLst/>
-          </a:prstGeom>
-        </p:spPr>
-      </p:pic>
     </p:spTree>
     <p:extLst>
       <p:ext uri="{BB962C8B-B14F-4D97-AF65-F5344CB8AC3E}">
@@ -11158,7 +12356,7 @@
         </p:nvSpPr>
         <p:spPr>
           <a:xfrm>
-            <a:off x="311700" y="445025"/>
+            <a:off x="242447" y="134225"/>
             <a:ext cx="8520600" cy="572700"/>
           </a:xfrm>
           <a:prstGeom prst="rect">
@@ -11189,10 +12387,10 @@
               <a:buNone/>
             </a:pPr>
             <a:r>
-              <a:rPr lang="en"/>
-              <a:t>Contributory Factors</a:t>
-            </a:r>
-            <a:endParaRPr/>
+              <a:rPr lang="en" dirty="0"/>
+              <a:t>Contributory Factors- Environmental Factors</a:t>
+            </a:r>
+            <a:endParaRPr dirty="0"/>
           </a:p>
         </p:txBody>
       </p:sp>
@@ -11204,8 +12402,8 @@
         </p:nvSpPr>
         <p:spPr>
           <a:xfrm>
-            <a:off x="432800" y="1035900"/>
-            <a:ext cx="8139900" cy="1320600"/>
+            <a:off x="377138" y="1012045"/>
+            <a:ext cx="3789346" cy="3433602"/>
           </a:xfrm>
           <a:prstGeom prst="rect">
             <a:avLst/>
@@ -11221,40 +12419,135 @@
           </a:bodyPr>
           <a:lstStyle/>
           <a:p>
-            <a:pPr marL="0" lvl="0" indent="0" algn="l" rtl="0">
+            <a:pPr>
               <a:lnSpc>
                 <a:spcPct val="115000"/>
               </a:lnSpc>
               <a:spcBef>
-                <a:spcPts val="0"/>
-              </a:spcBef>
-              <a:spcAft>
-                <a:spcPts val="0"/>
-              </a:spcAft>
-              <a:buClr>
-                <a:schemeClr val="dk1"/>
-              </a:buClr>
-              <a:buSzPts val="1100"/>
-              <a:buFont typeface="Arial"/>
-              <a:buNone/>
+                <a:spcPts val="600"/>
+              </a:spcBef>
             </a:pPr>
             <a:r>
-              <a:rPr lang="en" sz="1050" b="1">
-                <a:solidFill>
-                  <a:schemeClr val="dk1"/>
-                </a:solidFill>
-              </a:rPr>
-              <a:t>Generic Crime</a:t>
-            </a:r>
-            <a:r>
-              <a:rPr lang="en" sz="1050">
-                <a:solidFill>
-                  <a:schemeClr val="dk1"/>
-                </a:solidFill>
-              </a:rPr>
-              <a:t>: The disease outbreak could be the result of a crime, i.e., someone polluting the water with a chemical</a:t>
-            </a:r>
-            <a:endParaRPr sz="1050">
+              <a:rPr lang="en" sz="1050" b="1" dirty="0">
+                <a:solidFill>
+                  <a:schemeClr val="dk1"/>
+                </a:solidFill>
+              </a:rPr>
+              <a:t>Lack of Sanitation [negated] : </a:t>
+            </a:r>
+            <a:r>
+              <a:rPr lang="en-US" sz="1050" dirty="0">
+                <a:solidFill>
+                  <a:schemeClr val="dk1"/>
+                </a:solidFill>
+              </a:rPr>
+              <a:t>public health conditions related to clean drinking water and adequate disposal of human excreta and sewage</a:t>
+            </a:r>
+          </a:p>
+          <a:p>
+            <a:pPr>
+              <a:lnSpc>
+                <a:spcPct val="115000"/>
+              </a:lnSpc>
+              <a:spcBef>
+                <a:spcPts val="600"/>
+              </a:spcBef>
+            </a:pPr>
+            <a:r>
+              <a:rPr lang="en-US" sz="1050" b="1" dirty="0">
+                <a:solidFill>
+                  <a:schemeClr val="dk1"/>
+                </a:solidFill>
+              </a:rPr>
+              <a:t>Unclean Drinking Water [negated]: </a:t>
+            </a:r>
+            <a:r>
+              <a:rPr lang="en-US" sz="1050" dirty="0">
+                <a:solidFill>
+                  <a:schemeClr val="dk1"/>
+                </a:solidFill>
+              </a:rPr>
+              <a:t>water not safe for consumption</a:t>
+            </a:r>
+          </a:p>
+          <a:p>
+            <a:pPr>
+              <a:lnSpc>
+                <a:spcPct val="115000"/>
+              </a:lnSpc>
+              <a:spcBef>
+                <a:spcPts val="600"/>
+              </a:spcBef>
+            </a:pPr>
+            <a:r>
+              <a:rPr lang="en-US" sz="1050" b="1" dirty="0">
+                <a:solidFill>
+                  <a:schemeClr val="dk1"/>
+                </a:solidFill>
+              </a:rPr>
+              <a:t>Inadequate Food Safety [negated]: </a:t>
+            </a:r>
+            <a:r>
+              <a:rPr lang="en-US" sz="1050" dirty="0">
+                <a:solidFill>
+                  <a:schemeClr val="dk1"/>
+                </a:solidFill>
+              </a:rPr>
+              <a:t>scientific discipline describing handling, preparation, and storage of food in ways that prevent foodborne illness</a:t>
+            </a:r>
+          </a:p>
+          <a:p>
+            <a:pPr>
+              <a:lnSpc>
+                <a:spcPct val="115000"/>
+              </a:lnSpc>
+              <a:spcBef>
+                <a:spcPts val="600"/>
+              </a:spcBef>
+            </a:pPr>
+            <a:r>
+              <a:rPr lang="en-US" sz="1050" b="1" dirty="0">
+                <a:solidFill>
+                  <a:schemeClr val="dk1"/>
+                </a:solidFill>
+              </a:rPr>
+              <a:t>Poor Hygiene [negated]: </a:t>
+            </a:r>
+            <a:r>
+              <a:rPr lang="en-US" sz="1050" dirty="0">
+                <a:solidFill>
+                  <a:schemeClr val="dk1"/>
+                </a:solidFill>
+              </a:rPr>
+              <a:t>set of practices performed for the preservation of health</a:t>
+            </a:r>
+          </a:p>
+          <a:p>
+            <a:pPr>
+              <a:lnSpc>
+                <a:spcPct val="115000"/>
+              </a:lnSpc>
+              <a:spcBef>
+                <a:spcPts val="600"/>
+              </a:spcBef>
+            </a:pPr>
+            <a:r>
+              <a:rPr lang="en-US" sz="1050" b="1" dirty="0">
+                <a:solidFill>
+                  <a:schemeClr val="dk1"/>
+                </a:solidFill>
+              </a:rPr>
+              <a:t>Climate Change</a:t>
+            </a:r>
+            <a:r>
+              <a:rPr lang="en-US" sz="1050" dirty="0">
+                <a:solidFill>
+                  <a:schemeClr val="dk1"/>
+                </a:solidFill>
+              </a:rPr>
+              <a:t>: Contemporary climate change may contribute to the disease outbreak, i.e., global warming</a:t>
+            </a:r>
+            <a:endParaRPr lang="en" sz="1050" b="1" dirty="0">
               <a:solidFill>
                 <a:schemeClr val="dk1"/>
               </a:solidFill>
@@ -11271,90 +12564,10 @@
               <a:spcAft>
                 <a:spcPts val="0"/>
               </a:spcAft>
-              <a:buClr>
-                <a:schemeClr val="dk1"/>
-              </a:buClr>
-              <a:buSzPts val="1100"/>
-              <a:buFont typeface="Arial"/>
               <a:buNone/>
             </a:pPr>
             <a:r>
-              <a:rPr lang="en" sz="1050" b="1">
-                <a:solidFill>
-                  <a:schemeClr val="dk1"/>
-                </a:solidFill>
-              </a:rPr>
-              <a:t>Compliance</a:t>
-            </a:r>
-            <a:r>
-              <a:rPr lang="en" sz="1050">
-                <a:solidFill>
-                  <a:schemeClr val="dk1"/>
-                </a:solidFill>
-              </a:rPr>
-              <a:t>: Compliance to a rule or regulation. Often negated, for example violating health regulations.</a:t>
-            </a:r>
-            <a:endParaRPr sz="1050">
-              <a:solidFill>
-                <a:schemeClr val="dk1"/>
-              </a:solidFill>
-            </a:endParaRPr>
-          </a:p>
-          <a:p>
-            <a:pPr marL="0" lvl="0" indent="0" algn="l" rtl="0">
-              <a:lnSpc>
-                <a:spcPct val="115000"/>
-              </a:lnSpc>
-              <a:spcBef>
-                <a:spcPts val="600"/>
-              </a:spcBef>
-              <a:spcAft>
-                <a:spcPts val="0"/>
-              </a:spcAft>
-              <a:buClr>
-                <a:schemeClr val="dk1"/>
-              </a:buClr>
-              <a:buSzPts val="1100"/>
-              <a:buFont typeface="Arial"/>
-              <a:buNone/>
-            </a:pPr>
-            <a:r>
-              <a:rPr lang="en" sz="1050" b="1">
-                <a:solidFill>
-                  <a:schemeClr val="dk1"/>
-                </a:solidFill>
-              </a:rPr>
-              <a:t>Biological Warfare</a:t>
-            </a:r>
-            <a:r>
-              <a:rPr lang="en" sz="1050">
-                <a:solidFill>
-                  <a:schemeClr val="dk1"/>
-                </a:solidFill>
-              </a:rPr>
-              <a:t>: The disease outbreak may result from the use of biological toxins or infectious agents such as bacteria, viruses, insects, and fungi with the intent to kill, harm or incapacitate humans, animals or plants as an act of war</a:t>
-            </a:r>
-            <a:endParaRPr sz="1050">
-              <a:solidFill>
-                <a:schemeClr val="dk1"/>
-              </a:solidFill>
-            </a:endParaRPr>
-          </a:p>
-          <a:p>
-            <a:pPr marL="0" lvl="0" indent="0" algn="l" rtl="0">
-              <a:lnSpc>
-                <a:spcPct val="115000"/>
-              </a:lnSpc>
-              <a:spcBef>
-                <a:spcPts val="600"/>
-              </a:spcBef>
-              <a:spcAft>
-                <a:spcPts val="0"/>
-              </a:spcAft>
-              <a:buNone/>
-            </a:pPr>
-            <a:r>
-              <a:rPr lang="en" sz="1050" b="1">
+              <a:rPr lang="en" sz="1050" b="1" dirty="0">
                 <a:solidFill>
                   <a:schemeClr val="dk1"/>
                 </a:solidFill>
@@ -11362,43 +12575,45 @@
               <a:t>Mutate Life</a:t>
             </a:r>
             <a:r>
-              <a:rPr lang="en" sz="1050">
+              <a:rPr lang="en" sz="1050" dirty="0">
                 <a:solidFill>
                   <a:schemeClr val="dk1"/>
                 </a:solidFill>
               </a:rPr>
               <a:t>: The virus may undergo an alteration in the nucleotide sequence of the genome during the disease outbreak</a:t>
             </a:r>
-            <a:endParaRPr/>
+            <a:endParaRPr dirty="0"/>
           </a:p>
         </p:txBody>
       </p:sp>
       <p:pic>
         <p:nvPicPr>
-          <p:cNvPr id="68" name="Google Shape;68;p3"/>
-          <p:cNvPicPr preferRelativeResize="0"/>
+          <p:cNvPr id="2" name="Picture 1">
+            <a:extLst>
+              <a:ext uri="{FF2B5EF4-FFF2-40B4-BE49-F238E27FC236}">
+                <a16:creationId xmlns:a16="http://schemas.microsoft.com/office/drawing/2014/main" id="{A6ABB513-AE53-6D21-BE00-4A3F7A959A47}"/>
+              </a:ext>
+            </a:extLst>
+          </p:cNvPr>
+          <p:cNvPicPr>
+            <a:picLocks noChangeAspect="1"/>
+          </p:cNvPicPr>
           <p:nvPr/>
         </p:nvPicPr>
         <p:blipFill>
-          <a:blip r:embed="rId3">
-            <a:alphaModFix/>
-          </a:blip>
+          <a:blip r:embed="rId3"/>
           <a:stretch>
             <a:fillRect/>
           </a:stretch>
         </p:blipFill>
         <p:spPr>
           <a:xfrm>
-            <a:off x="2494125" y="2527075"/>
-            <a:ext cx="4017244" cy="2482200"/>
+            <a:off x="4312291" y="789351"/>
+            <a:ext cx="4602312" cy="3564797"/>
           </a:xfrm>
           <a:prstGeom prst="rect">
             <a:avLst/>
           </a:prstGeom>
-          <a:noFill/>
-          <a:ln>
-            <a:noFill/>
-          </a:ln>
         </p:spPr>
       </p:pic>
     </p:spTree>
@@ -11414,7 +12629,7 @@
   <p:cSld>
     <p:spTree>
       <p:nvGrpSpPr>
-        <p:cNvPr id="1" name="Shape 72"/>
+        <p:cNvPr id="1" name="Shape 65"/>
         <p:cNvGrpSpPr/>
         <p:nvPr/>
       </p:nvGrpSpPr>
@@ -11428,7 +12643,7 @@
       </p:grpSpPr>
       <p:sp>
         <p:nvSpPr>
-          <p:cNvPr id="73" name="Google Shape;73;p4"/>
+          <p:cNvPr id="66" name="Google Shape;66;p3"/>
           <p:cNvSpPr txBox="1">
             <a:spLocks noGrp="1"/>
           </p:cNvSpPr>
@@ -11438,7 +12653,7 @@
         </p:nvSpPr>
         <p:spPr>
           <a:xfrm>
-            <a:off x="288800" y="158778"/>
+            <a:off x="242447" y="134225"/>
             <a:ext cx="8520600" cy="572700"/>
           </a:xfrm>
           <a:prstGeom prst="rect">
@@ -11470,6 +12685,327 @@
             </a:pPr>
             <a:r>
               <a:rPr lang="en" dirty="0"/>
+              <a:t>Contributory Factors- Social Factors</a:t>
+            </a:r>
+            <a:endParaRPr dirty="0"/>
+          </a:p>
+        </p:txBody>
+      </p:sp>
+      <p:sp>
+        <p:nvSpPr>
+          <p:cNvPr id="67" name="Google Shape;67;p3"/>
+          <p:cNvSpPr txBox="1"/>
+          <p:nvPr/>
+        </p:nvSpPr>
+        <p:spPr>
+          <a:xfrm>
+            <a:off x="432797" y="638334"/>
+            <a:ext cx="8139900" cy="1344569"/>
+          </a:xfrm>
+          <a:prstGeom prst="rect">
+            <a:avLst/>
+          </a:prstGeom>
+          <a:noFill/>
+          <a:ln>
+            <a:noFill/>
+          </a:ln>
+        </p:spPr>
+        <p:txBody>
+          <a:bodyPr spcFirstLastPara="1" wrap="square" lIns="91425" tIns="91425" rIns="91425" bIns="91425" anchor="t" anchorCtr="0">
+            <a:spAutoFit/>
+          </a:bodyPr>
+          <a:lstStyle/>
+          <a:p>
+            <a:pPr marL="0" lvl="0" indent="0" algn="l" rtl="0">
+              <a:lnSpc>
+                <a:spcPct val="115000"/>
+              </a:lnSpc>
+              <a:spcBef>
+                <a:spcPts val="0"/>
+              </a:spcBef>
+              <a:spcAft>
+                <a:spcPts val="0"/>
+              </a:spcAft>
+              <a:buClr>
+                <a:schemeClr val="dk1"/>
+              </a:buClr>
+              <a:buSzPts val="1100"/>
+              <a:buFont typeface="Arial"/>
+              <a:buNone/>
+            </a:pPr>
+            <a:r>
+              <a:rPr lang="en" sz="1050" b="1" dirty="0">
+                <a:solidFill>
+                  <a:schemeClr val="dk1"/>
+                </a:solidFill>
+              </a:rPr>
+              <a:t>Generic Crime</a:t>
+            </a:r>
+            <a:r>
+              <a:rPr lang="en" sz="1050" dirty="0">
+                <a:solidFill>
+                  <a:schemeClr val="dk1"/>
+                </a:solidFill>
+              </a:rPr>
+              <a:t>: The disease outbreak could be the result of a crime, i.e., someone polluting the water with a chemical</a:t>
+            </a:r>
+            <a:endParaRPr sz="1050" dirty="0">
+              <a:solidFill>
+                <a:schemeClr val="dk1"/>
+              </a:solidFill>
+            </a:endParaRPr>
+          </a:p>
+          <a:p>
+            <a:pPr>
+              <a:lnSpc>
+                <a:spcPct val="115000"/>
+              </a:lnSpc>
+              <a:spcBef>
+                <a:spcPts val="600"/>
+              </a:spcBef>
+              <a:buClr>
+                <a:schemeClr val="dk1"/>
+              </a:buClr>
+              <a:buSzPts val="1100"/>
+            </a:pPr>
+            <a:r>
+              <a:rPr lang="en" sz="1050" b="1" dirty="0">
+                <a:solidFill>
+                  <a:schemeClr val="dk1"/>
+                </a:solidFill>
+              </a:rPr>
+              <a:t>Create Artifact: </a:t>
+            </a:r>
+            <a:r>
+              <a:rPr lang="en-US" sz="1050" dirty="0">
+                <a:solidFill>
+                  <a:schemeClr val="dk1"/>
+                </a:solidFill>
+              </a:rPr>
+              <a:t>Creation of a disease by laboratories or organizations</a:t>
+            </a:r>
+            <a:endParaRPr lang="en" sz="1050" b="1" dirty="0">
+              <a:solidFill>
+                <a:schemeClr val="dk1"/>
+              </a:solidFill>
+            </a:endParaRPr>
+          </a:p>
+          <a:p>
+            <a:pPr marL="0" lvl="0" indent="0" algn="l" rtl="0">
+              <a:lnSpc>
+                <a:spcPct val="115000"/>
+              </a:lnSpc>
+              <a:spcBef>
+                <a:spcPts val="600"/>
+              </a:spcBef>
+              <a:spcAft>
+                <a:spcPts val="0"/>
+              </a:spcAft>
+              <a:buClr>
+                <a:schemeClr val="dk1"/>
+              </a:buClr>
+              <a:buSzPts val="1100"/>
+              <a:buFont typeface="Arial"/>
+              <a:buNone/>
+            </a:pPr>
+            <a:r>
+              <a:rPr lang="en" sz="1050" b="1" dirty="0">
+                <a:solidFill>
+                  <a:schemeClr val="dk1"/>
+                </a:solidFill>
+              </a:rPr>
+              <a:t>Compliance[negated]</a:t>
+            </a:r>
+            <a:r>
+              <a:rPr lang="en" sz="1050" dirty="0">
+                <a:solidFill>
+                  <a:schemeClr val="dk1"/>
+                </a:solidFill>
+              </a:rPr>
+              <a:t>: Compliance to a rule or regulation. Often negated, for example violating health regulations.</a:t>
+            </a:r>
+            <a:endParaRPr sz="1050" dirty="0">
+              <a:solidFill>
+                <a:schemeClr val="dk1"/>
+              </a:solidFill>
+            </a:endParaRPr>
+          </a:p>
+          <a:p>
+            <a:pPr marL="0" lvl="0" indent="0" algn="l" rtl="0">
+              <a:lnSpc>
+                <a:spcPct val="115000"/>
+              </a:lnSpc>
+              <a:spcBef>
+                <a:spcPts val="600"/>
+              </a:spcBef>
+              <a:spcAft>
+                <a:spcPts val="0"/>
+              </a:spcAft>
+              <a:buClr>
+                <a:schemeClr val="dk1"/>
+              </a:buClr>
+              <a:buSzPts val="1100"/>
+              <a:buFont typeface="Arial"/>
+              <a:buNone/>
+            </a:pPr>
+            <a:r>
+              <a:rPr lang="en" sz="1050" b="1" dirty="0">
+                <a:solidFill>
+                  <a:schemeClr val="dk1"/>
+                </a:solidFill>
+              </a:rPr>
+              <a:t>Biological Warfare</a:t>
+            </a:r>
+            <a:r>
+              <a:rPr lang="en" sz="1050" dirty="0">
+                <a:solidFill>
+                  <a:schemeClr val="dk1"/>
+                </a:solidFill>
+              </a:rPr>
+              <a:t>: The disease outbreak may result from the use of biological toxins or infectious agents such as bacteria, viruses, insects, and fungi with the intent to kill, harm or incapacitate humans, animals or plants as an act of war</a:t>
+            </a:r>
+            <a:endParaRPr sz="1050" dirty="0">
+              <a:solidFill>
+                <a:schemeClr val="dk1"/>
+              </a:solidFill>
+            </a:endParaRPr>
+          </a:p>
+        </p:txBody>
+      </p:sp>
+      <p:pic>
+        <p:nvPicPr>
+          <p:cNvPr id="3" name="Picture 2">
+            <a:extLst>
+              <a:ext uri="{FF2B5EF4-FFF2-40B4-BE49-F238E27FC236}">
+                <a16:creationId xmlns:a16="http://schemas.microsoft.com/office/drawing/2014/main" id="{A6C54C36-D7CF-9C7A-A21F-F5CC3A9E77C0}"/>
+              </a:ext>
+            </a:extLst>
+          </p:cNvPr>
+          <p:cNvPicPr>
+            <a:picLocks noChangeAspect="1"/>
+          </p:cNvPicPr>
+          <p:nvPr/>
+        </p:nvPicPr>
+        <p:blipFill>
+          <a:blip r:embed="rId3"/>
+          <a:stretch>
+            <a:fillRect/>
+          </a:stretch>
+        </p:blipFill>
+        <p:spPr>
+          <a:xfrm>
+            <a:off x="1169444" y="3307742"/>
+            <a:ext cx="6551271" cy="1274796"/>
+          </a:xfrm>
+          <a:prstGeom prst="rect">
+            <a:avLst/>
+          </a:prstGeom>
+        </p:spPr>
+      </p:pic>
+    </p:spTree>
+    <p:extLst>
+      <p:ext uri="{BB962C8B-B14F-4D97-AF65-F5344CB8AC3E}">
+        <p14:creationId xmlns:p14="http://schemas.microsoft.com/office/powerpoint/2010/main" val="3145100048"/>
+      </p:ext>
+    </p:extLst>
+  </p:cSld>
+  <p:clrMapOvr>
+    <a:masterClrMapping/>
+  </p:clrMapOvr>
+</p:sld>
+</file>
+
+<file path=ppt/slides/slide5.xml><?xml version="1.0" encoding="utf-8"?>
+<p:sld xmlns:a="http://schemas.openxmlformats.org/drawingml/2006/main" xmlns:r="http://schemas.openxmlformats.org/officeDocument/2006/relationships" xmlns:p="http://schemas.openxmlformats.org/presentationml/2006/main">
+  <p:cSld>
+    <p:spTree>
+      <p:nvGrpSpPr>
+        <p:cNvPr id="1" name="Shape 72"/>
+        <p:cNvGrpSpPr/>
+        <p:nvPr/>
+      </p:nvGrpSpPr>
+      <p:grpSpPr>
+        <a:xfrm>
+          <a:off x="0" y="0"/>
+          <a:ext cx="0" cy="0"/>
+          <a:chOff x="0" y="0"/>
+          <a:chExt cx="0" cy="0"/>
+        </a:xfrm>
+      </p:grpSpPr>
+      <p:pic>
+        <p:nvPicPr>
+          <p:cNvPr id="5" name="Picture 4">
+            <a:extLst>
+              <a:ext uri="{FF2B5EF4-FFF2-40B4-BE49-F238E27FC236}">
+                <a16:creationId xmlns:a16="http://schemas.microsoft.com/office/drawing/2014/main" id="{D178A332-6A09-60E1-8FD8-8BD65905FDAB}"/>
+              </a:ext>
+            </a:extLst>
+          </p:cNvPr>
+          <p:cNvPicPr>
+            <a:picLocks noChangeAspect="1"/>
+          </p:cNvPicPr>
+          <p:nvPr/>
+        </p:nvPicPr>
+        <p:blipFill>
+          <a:blip r:embed="rId3"/>
+          <a:stretch>
+            <a:fillRect/>
+          </a:stretch>
+        </p:blipFill>
+        <p:spPr>
+          <a:xfrm>
+            <a:off x="1041129" y="2754827"/>
+            <a:ext cx="7015942" cy="2358913"/>
+          </a:xfrm>
+          <a:prstGeom prst="rect">
+            <a:avLst/>
+          </a:prstGeom>
+        </p:spPr>
+      </p:pic>
+      <p:sp>
+        <p:nvSpPr>
+          <p:cNvPr id="73" name="Google Shape;73;p4"/>
+          <p:cNvSpPr txBox="1">
+            <a:spLocks noGrp="1"/>
+          </p:cNvSpPr>
+          <p:nvPr>
+            <p:ph type="title"/>
+          </p:nvPr>
+        </p:nvSpPr>
+        <p:spPr>
+          <a:xfrm>
+            <a:off x="6167" y="-40733"/>
+            <a:ext cx="8520600" cy="572700"/>
+          </a:xfrm>
+          <a:prstGeom prst="rect">
+            <a:avLst/>
+          </a:prstGeom>
+          <a:noFill/>
+          <a:ln>
+            <a:noFill/>
+          </a:ln>
+        </p:spPr>
+        <p:txBody>
+          <a:bodyPr spcFirstLastPara="1" wrap="square" lIns="91425" tIns="91425" rIns="91425" bIns="91425" anchor="t" anchorCtr="0">
+            <a:normAutofit fontScale="90000"/>
+          </a:bodyPr>
+          <a:lstStyle/>
+          <a:p>
+            <a:pPr marL="0" lvl="0" indent="0" algn="l" rtl="0">
+              <a:lnSpc>
+                <a:spcPct val="100000"/>
+              </a:lnSpc>
+              <a:spcBef>
+                <a:spcPts val="0"/>
+              </a:spcBef>
+              <a:spcAft>
+                <a:spcPts val="0"/>
+              </a:spcAft>
+              <a:buSzPct val="111111"/>
+              <a:buNone/>
+            </a:pPr>
+            <a:r>
+              <a:rPr lang="en" dirty="0"/>
               <a:t>Onset</a:t>
             </a:r>
             <a:endParaRPr dirty="0"/>
@@ -11484,8 +13020,8 @@
         </p:nvSpPr>
         <p:spPr>
           <a:xfrm>
-            <a:off x="334600" y="577917"/>
-            <a:ext cx="8294400" cy="1716209"/>
+            <a:off x="175574" y="346606"/>
+            <a:ext cx="8294400" cy="2616070"/>
           </a:xfrm>
           <a:prstGeom prst="rect">
             <a:avLst/>
@@ -11511,22 +13047,49 @@
               <a:buSzPts val="1100"/>
             </a:pPr>
             <a:r>
-              <a:rPr lang="en" sz="1050" b="1" dirty="0">
-                <a:solidFill>
-                  <a:schemeClr val="dk1"/>
-                </a:solidFill>
-              </a:rPr>
-              <a:t>Consume: </a:t>
-            </a:r>
-            <a:r>
-              <a:rPr lang="en-US" sz="1050" dirty="0">
-                <a:solidFill>
-                  <a:schemeClr val="dk1"/>
-                </a:solidFill>
-              </a:rPr>
-              <a:t>Consumption of a substance by an organism.</a:t>
-            </a:r>
-            <a:endParaRPr lang="en" sz="1050" dirty="0">
+              <a:rPr lang="en" sz="1000" b="1" dirty="0">
+                <a:solidFill>
+                  <a:schemeClr val="dk1"/>
+                </a:solidFill>
+              </a:rPr>
+              <a:t>Contaminate Substance: </a:t>
+            </a:r>
+            <a:r>
+              <a:rPr lang="en-US" sz="1000" dirty="0">
+                <a:solidFill>
+                  <a:schemeClr val="dk1"/>
+                </a:solidFill>
+              </a:rPr>
+              <a:t>Presence of an unwanted constituent, harmful substance or impurity in a material, physical body, or environment. Contaminated object could be food, liquid or air.</a:t>
+            </a:r>
+          </a:p>
+          <a:p>
+            <a:pPr>
+              <a:lnSpc>
+                <a:spcPct val="115000"/>
+              </a:lnSpc>
+              <a:buClr>
+                <a:schemeClr val="dk1"/>
+              </a:buClr>
+              <a:buSzPts val="1100"/>
+            </a:pPr>
+            <a:r>
+              <a:rPr lang="en-US" sz="1000" b="1" dirty="0">
+                <a:solidFill>
+                  <a:schemeClr val="dk1"/>
+                </a:solidFill>
+              </a:rPr>
+              <a:t>Purchase Contaminated Object: </a:t>
+            </a:r>
+            <a:r>
+              <a:rPr lang="en-US" sz="1000" dirty="0">
+                <a:solidFill>
+                  <a:schemeClr val="dk1"/>
+                </a:solidFill>
+              </a:rPr>
+              <a:t>Optionally, the victim purchases the contaminated food or liquid. </a:t>
+            </a:r>
+            <a:endParaRPr lang="en" sz="1000" dirty="0">
               <a:solidFill>
                 <a:schemeClr val="dk1"/>
               </a:solidFill>
@@ -11543,22 +13106,76 @@
               <a:buSzPts val="1100"/>
             </a:pPr>
             <a:r>
-              <a:rPr lang="en" sz="1050" b="1" dirty="0">
-                <a:solidFill>
-                  <a:schemeClr val="dk1"/>
-                </a:solidFill>
-              </a:rPr>
-              <a:t>Contamination: </a:t>
-            </a:r>
-            <a:r>
-              <a:rPr lang="en-US" sz="1050" dirty="0">
-                <a:solidFill>
-                  <a:schemeClr val="dk1"/>
-                </a:solidFill>
-              </a:rPr>
-              <a:t>Presence of an unwanted constituent, harmful substance or impurity in a material, physical body, or environment</a:t>
-            </a:r>
-            <a:endParaRPr lang="en" sz="1050" b="1" dirty="0">
+              <a:rPr lang="en" sz="1000" b="1" dirty="0">
+                <a:solidFill>
+                  <a:schemeClr val="dk1"/>
+                </a:solidFill>
+              </a:rPr>
+              <a:t>Consume: </a:t>
+            </a:r>
+            <a:r>
+              <a:rPr lang="en-US" sz="1000" dirty="0">
+                <a:solidFill>
+                  <a:schemeClr val="dk1"/>
+                </a:solidFill>
+              </a:rPr>
+              <a:t>Consumption of a substance by an organism.</a:t>
+            </a:r>
+          </a:p>
+          <a:p>
+            <a:pPr>
+              <a:lnSpc>
+                <a:spcPct val="115000"/>
+              </a:lnSpc>
+              <a:buClr>
+                <a:schemeClr val="dk1"/>
+              </a:buClr>
+              <a:buSzPts val="1100"/>
+            </a:pPr>
+            <a:r>
+              <a:rPr lang="en-US" sz="1000" b="1" dirty="0">
+                <a:solidFill>
+                  <a:schemeClr val="dk1"/>
+                </a:solidFill>
+              </a:rPr>
+              <a:t>Transmission:</a:t>
+            </a:r>
+            <a:r>
+              <a:rPr lang="en-US" sz="1000" dirty="0">
+                <a:solidFill>
+                  <a:schemeClr val="dk1"/>
+                </a:solidFill>
+              </a:rPr>
+              <a:t> passing of a pathogen causing communicable disease from an infected host individual or group to other individual or group, regardless of whether the other individual was previously infected </a:t>
+            </a:r>
+          </a:p>
+          <a:p>
+            <a:pPr>
+              <a:lnSpc>
+                <a:spcPct val="115000"/>
+              </a:lnSpc>
+              <a:buClr>
+                <a:schemeClr val="dk1"/>
+              </a:buClr>
+              <a:buSzPts val="1100"/>
+            </a:pPr>
+            <a:r>
+              <a:rPr lang="en" sz="1000" b="1" dirty="0">
+                <a:solidFill>
+                  <a:schemeClr val="dk1"/>
+                </a:solidFill>
+              </a:rPr>
+              <a:t>Infections</a:t>
+            </a:r>
+            <a:r>
+              <a:rPr lang="en" sz="1000" dirty="0">
+                <a:solidFill>
+                  <a:schemeClr val="dk1"/>
+                </a:solidFill>
+              </a:rPr>
+              <a:t>: Invasion of an organism's body tissues by the virus. People can be infected by the virus in the disease outbreak</a:t>
+            </a:r>
+            <a:endParaRPr sz="1000" dirty="0">
               <a:solidFill>
                 <a:schemeClr val="dk1"/>
               </a:solidFill>
@@ -11570,7 +13187,7 @@
                 <a:spcPct val="115000"/>
               </a:lnSpc>
               <a:spcBef>
-                <a:spcPts val="0"/>
+                <a:spcPts val="600"/>
               </a:spcBef>
               <a:spcAft>
                 <a:spcPts val="0"/>
@@ -11583,12 +13200,256 @@
               <a:buNone/>
             </a:pPr>
             <a:r>
+              <a:rPr lang="en" sz="1000" b="1" dirty="0">
+                <a:solidFill>
+                  <a:schemeClr val="dk1"/>
+                </a:solidFill>
+              </a:rPr>
+              <a:t>Early Illness</a:t>
+            </a:r>
+            <a:r>
+              <a:rPr lang="en" sz="1000" dirty="0">
+                <a:solidFill>
+                  <a:schemeClr val="dk1"/>
+                </a:solidFill>
+              </a:rPr>
+              <a:t>: Abnormal condition that negatively affects the structure or function of all or part of an organism due to the virus in the disease outbreak</a:t>
+            </a:r>
+          </a:p>
+          <a:p>
+            <a:pPr marL="0" lvl="0" indent="0" algn="l" rtl="0">
+              <a:lnSpc>
+                <a:spcPct val="115000"/>
+              </a:lnSpc>
+              <a:spcBef>
+                <a:spcPts val="600"/>
+              </a:spcBef>
+              <a:spcAft>
+                <a:spcPts val="0"/>
+              </a:spcAft>
+              <a:buClr>
+                <a:schemeClr val="dk1"/>
+              </a:buClr>
+              <a:buSzPts val="1100"/>
+              <a:buFont typeface="Arial"/>
+              <a:buNone/>
+            </a:pPr>
+            <a:r>
+              <a:rPr lang="en" sz="1000" b="1" dirty="0">
+                <a:solidFill>
+                  <a:schemeClr val="dk1"/>
+                </a:solidFill>
+              </a:rPr>
+              <a:t>Medical Response: [See next page]</a:t>
+            </a:r>
+            <a:endParaRPr sz="1000" b="1" dirty="0">
+              <a:solidFill>
+                <a:schemeClr val="dk1"/>
+              </a:solidFill>
+            </a:endParaRPr>
+          </a:p>
+          <a:p>
+            <a:pPr marL="0" lvl="0" indent="0" algn="l" rtl="0">
+              <a:lnSpc>
+                <a:spcPct val="115000"/>
+              </a:lnSpc>
+              <a:spcBef>
+                <a:spcPts val="600"/>
+              </a:spcBef>
+              <a:spcAft>
+                <a:spcPts val="0"/>
+              </a:spcAft>
+              <a:buClr>
+                <a:schemeClr val="dk1"/>
+              </a:buClr>
+              <a:buSzPts val="1100"/>
+              <a:buFont typeface="Arial"/>
+              <a:buNone/>
+            </a:pPr>
+            <a:r>
+              <a:rPr lang="en" sz="1000" b="1" dirty="0">
+                <a:solidFill>
+                  <a:schemeClr val="dk1"/>
+                </a:solidFill>
+              </a:rPr>
+              <a:t>Identify Outbreak</a:t>
+            </a:r>
+            <a:r>
+              <a:rPr lang="en" sz="1000" dirty="0">
+                <a:solidFill>
+                  <a:schemeClr val="dk1"/>
+                </a:solidFill>
+              </a:rPr>
+              <a:t>: Detecting a possible outbreak. Usually accompanied by an announcement.</a:t>
+            </a:r>
+            <a:endParaRPr sz="1000" dirty="0">
+              <a:solidFill>
+                <a:schemeClr val="dk1"/>
+              </a:solidFill>
+            </a:endParaRPr>
+          </a:p>
+          <a:p>
+            <a:pPr marL="0" lvl="0" indent="0" algn="l" rtl="0">
+              <a:lnSpc>
+                <a:spcPct val="115000"/>
+              </a:lnSpc>
+              <a:spcBef>
+                <a:spcPts val="600"/>
+              </a:spcBef>
+              <a:spcAft>
+                <a:spcPts val="0"/>
+              </a:spcAft>
+              <a:buNone/>
+            </a:pPr>
+            <a:r>
+              <a:rPr lang="en" sz="1000" b="1" dirty="0">
+                <a:solidFill>
+                  <a:schemeClr val="dk1"/>
+                </a:solidFill>
+              </a:rPr>
+              <a:t>Alert Authorities</a:t>
+            </a:r>
+            <a:r>
+              <a:rPr lang="en" sz="1000" dirty="0">
+                <a:solidFill>
+                  <a:schemeClr val="dk1"/>
+                </a:solidFill>
+              </a:rPr>
+              <a:t>: Alerting and reporting the detected outbreak to state and local public health authorities</a:t>
+            </a:r>
+            <a:endParaRPr sz="1200" dirty="0"/>
+          </a:p>
+        </p:txBody>
+      </p:sp>
+    </p:spTree>
+    <p:extLst>
+      <p:ext uri="{BB962C8B-B14F-4D97-AF65-F5344CB8AC3E}">
+        <p14:creationId xmlns:p14="http://schemas.microsoft.com/office/powerpoint/2010/main" val="1041167862"/>
+      </p:ext>
+    </p:extLst>
+  </p:cSld>
+  <p:clrMapOvr>
+    <a:masterClrMapping/>
+  </p:clrMapOvr>
+</p:sld>
+</file>
+
+<file path=ppt/slides/slide6.xml><?xml version="1.0" encoding="utf-8"?>
+<p:sld xmlns:a="http://schemas.openxmlformats.org/drawingml/2006/main" xmlns:r="http://schemas.openxmlformats.org/officeDocument/2006/relationships" xmlns:p="http://schemas.openxmlformats.org/presentationml/2006/main">
+  <p:cSld>
+    <p:spTree>
+      <p:nvGrpSpPr>
+        <p:cNvPr id="1" name="Shape 86"/>
+        <p:cNvGrpSpPr/>
+        <p:nvPr/>
+      </p:nvGrpSpPr>
+      <p:grpSpPr>
+        <a:xfrm>
+          <a:off x="0" y="0"/>
+          <a:ext cx="0" cy="0"/>
+          <a:chOff x="0" y="0"/>
+          <a:chExt cx="0" cy="0"/>
+        </a:xfrm>
+      </p:grpSpPr>
+      <p:sp>
+        <p:nvSpPr>
+          <p:cNvPr id="87" name="Google Shape;87;p6"/>
+          <p:cNvSpPr txBox="1">
+            <a:spLocks noGrp="1"/>
+          </p:cNvSpPr>
+          <p:nvPr>
+            <p:ph type="title"/>
+          </p:nvPr>
+        </p:nvSpPr>
+        <p:spPr>
+          <a:xfrm>
+            <a:off x="198120" y="84870"/>
+            <a:ext cx="8520600" cy="572700"/>
+          </a:xfrm>
+          <a:prstGeom prst="rect">
+            <a:avLst/>
+          </a:prstGeom>
+          <a:noFill/>
+          <a:ln>
+            <a:noFill/>
+          </a:ln>
+        </p:spPr>
+        <p:txBody>
+          <a:bodyPr spcFirstLastPara="1" wrap="square" lIns="91425" tIns="91425" rIns="91425" bIns="91425" anchor="t" anchorCtr="0">
+            <a:normAutofit fontScale="90000"/>
+          </a:bodyPr>
+          <a:lstStyle/>
+          <a:p>
+            <a:pPr marL="0" lvl="0" indent="0" algn="l" rtl="0">
+              <a:lnSpc>
+                <a:spcPct val="100000"/>
+              </a:lnSpc>
+              <a:spcBef>
+                <a:spcPts val="0"/>
+              </a:spcBef>
+              <a:spcAft>
+                <a:spcPts val="0"/>
+              </a:spcAft>
+              <a:buSzPct val="111111"/>
+              <a:buNone/>
+            </a:pPr>
+            <a:r>
+              <a:rPr lang="en" dirty="0"/>
+              <a:t>Medical Response</a:t>
+            </a:r>
+            <a:endParaRPr dirty="0"/>
+          </a:p>
+        </p:txBody>
+      </p:sp>
+      <p:sp>
+        <p:nvSpPr>
+          <p:cNvPr id="88" name="Google Shape;88;p6"/>
+          <p:cNvSpPr txBox="1"/>
+          <p:nvPr/>
+        </p:nvSpPr>
+        <p:spPr>
+          <a:xfrm>
+            <a:off x="275980" y="499876"/>
+            <a:ext cx="8520600" cy="1235693"/>
+          </a:xfrm>
+          <a:prstGeom prst="rect">
+            <a:avLst/>
+          </a:prstGeom>
+          <a:noFill/>
+          <a:ln>
+            <a:noFill/>
+          </a:ln>
+        </p:spPr>
+        <p:txBody>
+          <a:bodyPr spcFirstLastPara="1" wrap="square" lIns="91425" tIns="91425" rIns="91425" bIns="91425" anchor="t" anchorCtr="0">
+            <a:spAutoFit/>
+          </a:bodyPr>
+          <a:lstStyle/>
+          <a:p>
+            <a:pPr marL="0" lvl="0" indent="0" algn="l" rtl="0">
+              <a:lnSpc>
+                <a:spcPct val="115000"/>
+              </a:lnSpc>
+              <a:spcBef>
+                <a:spcPts val="0"/>
+              </a:spcBef>
+              <a:spcAft>
+                <a:spcPts val="0"/>
+              </a:spcAft>
+              <a:buClr>
+                <a:schemeClr val="dk1"/>
+              </a:buClr>
+              <a:buSzPts val="1100"/>
+              <a:buFont typeface="Arial"/>
+              <a:buNone/>
+            </a:pPr>
+            <a:r>
               <a:rPr lang="en" sz="1050" b="1" dirty="0">
                 <a:solidFill>
                   <a:schemeClr val="dk1"/>
                 </a:solidFill>
               </a:rPr>
-              <a:t>Infections</a:t>
+              <a:t>Testing</a:t>
             </a:r>
             <a:r>
               <a:rPr lang="en" sz="1050" dirty="0">
@@ -11596,7 +13457,7 @@
                   <a:schemeClr val="dk1"/>
                 </a:solidFill>
               </a:rPr>
-              <a:t>: Invasion of an organism's body tissues by the virus. People can be infected by the virus in the disease outbreak</a:t>
+              <a:t>: A viral test checks specimens from your nose or your mouth to find out if you are currently infected with the virus</a:t>
             </a:r>
             <a:endParaRPr sz="1050" dirty="0">
               <a:solidFill>
@@ -11628,7 +13489,7 @@
                   <a:schemeClr val="dk1"/>
                 </a:solidFill>
               </a:rPr>
-              <a:t>Early Illness</a:t>
+              <a:t>Diagnosis</a:t>
             </a:r>
             <a:r>
               <a:rPr lang="en" sz="1050" dirty="0">
@@ -11636,7 +13497,168 @@
                   <a:schemeClr val="dk1"/>
                 </a:solidFill>
               </a:rPr>
-              <a:t>: Abnormal condition that negatively affects the structure or function of all or part of an organism due to the virus in the disease outbreak</a:t>
+              <a:t>: Medical diagnosis on infection of the virus in the disease outbreak</a:t>
+            </a:r>
+          </a:p>
+          <a:p>
+            <a:pPr marL="0" lvl="0" indent="0" algn="l" rtl="0">
+              <a:lnSpc>
+                <a:spcPct val="115000"/>
+              </a:lnSpc>
+              <a:spcBef>
+                <a:spcPts val="600"/>
+              </a:spcBef>
+              <a:spcAft>
+                <a:spcPts val="0"/>
+              </a:spcAft>
+              <a:buClr>
+                <a:schemeClr val="dk1"/>
+              </a:buClr>
+              <a:buSzPts val="1100"/>
+              <a:buFont typeface="Arial"/>
+              <a:buNone/>
+            </a:pPr>
+            <a:r>
+              <a:rPr lang="en" sz="1050" b="1" dirty="0">
+                <a:solidFill>
+                  <a:schemeClr val="dk1"/>
+                </a:solidFill>
+              </a:rPr>
+              <a:t>Disinfect: </a:t>
+            </a:r>
+            <a:r>
+              <a:rPr lang="en" sz="1050" dirty="0">
+                <a:solidFill>
+                  <a:schemeClr val="dk1"/>
+                </a:solidFill>
+              </a:rPr>
+              <a:t>Cleaning surfaces and substances that are within contact of the pathogen</a:t>
+            </a:r>
+          </a:p>
+          <a:p>
+            <a:pPr marL="0" lvl="0" indent="0" algn="l" rtl="0">
+              <a:lnSpc>
+                <a:spcPct val="115000"/>
+              </a:lnSpc>
+              <a:spcBef>
+                <a:spcPts val="600"/>
+              </a:spcBef>
+              <a:spcAft>
+                <a:spcPts val="600"/>
+              </a:spcAft>
+              <a:buNone/>
+            </a:pPr>
+            <a:r>
+              <a:rPr lang="en" sz="1050" b="1" dirty="0">
+                <a:solidFill>
+                  <a:schemeClr val="dk1"/>
+                </a:solidFill>
+              </a:rPr>
+              <a:t>Treatment</a:t>
+            </a:r>
+            <a:r>
+              <a:rPr lang="en" sz="1050" dirty="0">
+                <a:solidFill>
+                  <a:schemeClr val="dk1"/>
+                </a:solidFill>
+              </a:rPr>
+              <a:t>: Attempted remediation of a health problem due to infection of the virus in the disease outbreak</a:t>
+            </a:r>
+          </a:p>
+        </p:txBody>
+      </p:sp>
+      <p:sp>
+        <p:nvSpPr>
+          <p:cNvPr id="90" name="Google Shape;90;p6"/>
+          <p:cNvSpPr txBox="1"/>
+          <p:nvPr/>
+        </p:nvSpPr>
+        <p:spPr>
+          <a:xfrm>
+            <a:off x="254910" y="1401346"/>
+            <a:ext cx="8634180" cy="1498457"/>
+          </a:xfrm>
+          <a:prstGeom prst="rect">
+            <a:avLst/>
+          </a:prstGeom>
+          <a:noFill/>
+          <a:ln>
+            <a:noFill/>
+          </a:ln>
+        </p:spPr>
+        <p:txBody>
+          <a:bodyPr spcFirstLastPara="1" wrap="square" lIns="91425" tIns="91425" rIns="91425" bIns="91425" anchor="t" anchorCtr="0">
+            <a:spAutoFit/>
+          </a:bodyPr>
+          <a:lstStyle/>
+          <a:p>
+            <a:pPr>
+              <a:lnSpc>
+                <a:spcPct val="115000"/>
+              </a:lnSpc>
+              <a:spcBef>
+                <a:spcPts val="600"/>
+              </a:spcBef>
+              <a:buClr>
+                <a:schemeClr val="dk1"/>
+              </a:buClr>
+              <a:buSzPts val="1100"/>
+            </a:pPr>
+            <a:r>
+              <a:rPr lang="en" sz="1050" b="1" dirty="0">
+                <a:solidFill>
+                  <a:schemeClr val="dk1"/>
+                </a:solidFill>
+              </a:rPr>
+              <a:t>Tracing: </a:t>
+            </a:r>
+            <a:r>
+              <a:rPr lang="en-US" sz="1050" dirty="0">
+                <a:solidFill>
+                  <a:schemeClr val="dk1"/>
+                </a:solidFill>
+              </a:rPr>
+              <a:t>Contact tracing identifies persons who may have come into contact with an infected person during the disease outbreak</a:t>
+            </a:r>
+            <a:endParaRPr lang="en" sz="1050" dirty="0">
+              <a:solidFill>
+                <a:schemeClr val="dk1"/>
+              </a:solidFill>
+            </a:endParaRPr>
+          </a:p>
+          <a:p>
+            <a:pPr marL="0" lvl="0" indent="0" algn="l" rtl="0">
+              <a:lnSpc>
+                <a:spcPct val="115000"/>
+              </a:lnSpc>
+              <a:spcBef>
+                <a:spcPts val="600"/>
+              </a:spcBef>
+              <a:spcAft>
+                <a:spcPts val="0"/>
+              </a:spcAft>
+              <a:buClr>
+                <a:schemeClr val="dk1"/>
+              </a:buClr>
+              <a:buSzPts val="1100"/>
+              <a:buFont typeface="Arial"/>
+              <a:buNone/>
+            </a:pPr>
+            <a:r>
+              <a:rPr lang="en" sz="1050" b="1" dirty="0">
+                <a:solidFill>
+                  <a:schemeClr val="dk1"/>
+                </a:solidFill>
+              </a:rPr>
+              <a:t>Quarantine</a:t>
+            </a:r>
+            <a:r>
+              <a:rPr lang="en" sz="1050" dirty="0">
+                <a:solidFill>
+                  <a:schemeClr val="dk1"/>
+                </a:solidFill>
+              </a:rPr>
+              <a:t>: Restriction on the movement of people, animals and goods which is intended to prevent the spread of the disease</a:t>
             </a:r>
             <a:endParaRPr sz="1050" dirty="0">
               <a:solidFill>
@@ -11668,7 +13690,7 @@
                   <a:schemeClr val="dk1"/>
                 </a:solidFill>
               </a:rPr>
-              <a:t>Identify Outbreak</a:t>
+              <a:t>Illness Outcome: </a:t>
             </a:r>
             <a:r>
               <a:rPr lang="en" sz="1050" dirty="0">
@@ -11676,7 +13698,43 @@
                   <a:schemeClr val="dk1"/>
                 </a:solidFill>
               </a:rPr>
-              <a:t>: Detecting a possible outbreak. Usually accompanied by an announcement.</a:t>
+              <a:t>an XOR gate connecting the following two outcomes</a:t>
+            </a:r>
+          </a:p>
+          <a:p>
+            <a:pPr marL="0" lvl="0" indent="0" algn="l" rtl="0">
+              <a:lnSpc>
+                <a:spcPct val="115000"/>
+              </a:lnSpc>
+              <a:spcBef>
+                <a:spcPts val="600"/>
+              </a:spcBef>
+              <a:spcAft>
+                <a:spcPts val="0"/>
+              </a:spcAft>
+              <a:buClr>
+                <a:schemeClr val="dk1"/>
+              </a:buClr>
+              <a:buSzPts val="1100"/>
+              <a:buFont typeface="Arial"/>
+              <a:buNone/>
+            </a:pPr>
+            <a:r>
+              <a:rPr lang="en" sz="1050" b="1" dirty="0">
+                <a:solidFill>
+                  <a:schemeClr val="dk1"/>
+                </a:solidFill>
+              </a:rPr>
+              <a:t>- Die </a:t>
+            </a:r>
+            <a:r>
+              <a:rPr lang="en" sz="1050" b="1" dirty="0">
+                <a:solidFill>
+                  <a:schemeClr val="dk1"/>
+                </a:solidFill>
+                <a:sym typeface="Wingdings" pitchFamily="2" charset="2"/>
+              </a:rPr>
+              <a:t> Funeral</a:t>
             </a:r>
             <a:endParaRPr sz="1050" dirty="0">
               <a:solidFill>
@@ -11695,6 +13753,11 @@
               <a:spcAft>
                 <a:spcPts val="0"/>
               </a:spcAft>
+              <a:buClr>
+                <a:schemeClr val="dk1"/>
+              </a:buClr>
+              <a:buSzPts val="1100"/>
+              <a:buFont typeface="Arial"/>
               <a:buNone/>
             </a:pPr>
             <a:r>
@@ -11703,15 +13766,7 @@
                   <a:schemeClr val="dk1"/>
                 </a:solidFill>
               </a:rPr>
-              <a:t>Alert Authorities</a:t>
-            </a:r>
-            <a:r>
-              <a:rPr lang="en" sz="1050" dirty="0">
-                <a:solidFill>
-                  <a:schemeClr val="dk1"/>
-                </a:solidFill>
-              </a:rPr>
-              <a:t>: Alerting and reporting the detected outbreak to state and local public health authorities</a:t>
+              <a:t>- Recover</a:t>
             </a:r>
             <a:endParaRPr dirty="0"/>
           </a:p>
@@ -11719,10 +13774,10 @@
       </p:sp>
       <p:pic>
         <p:nvPicPr>
-          <p:cNvPr id="2" name="Picture 1">
+          <p:cNvPr id="3" name="Picture 2">
             <a:extLst>
               <a:ext uri="{FF2B5EF4-FFF2-40B4-BE49-F238E27FC236}">
-                <a16:creationId xmlns:a16="http://schemas.microsoft.com/office/drawing/2014/main" id="{75E2495C-E65A-794B-99B8-5F7CDCE3FD5D}"/>
+                <a16:creationId xmlns:a16="http://schemas.microsoft.com/office/drawing/2014/main" id="{50BC770D-5893-2869-C131-A19592698F48}"/>
               </a:ext>
             </a:extLst>
           </p:cNvPr>
@@ -11739,8 +13794,216 @@
         </p:blipFill>
         <p:spPr>
           <a:xfrm>
-            <a:off x="1256305" y="2434441"/>
-            <a:ext cx="6249726" cy="2629795"/>
+            <a:off x="249416" y="2581064"/>
+            <a:ext cx="8547164" cy="2236434"/>
+          </a:xfrm>
+          <a:prstGeom prst="rect">
+            <a:avLst/>
+          </a:prstGeom>
+        </p:spPr>
+      </p:pic>
+    </p:spTree>
+  </p:cSld>
+  <p:clrMapOvr>
+    <a:masterClrMapping/>
+  </p:clrMapOvr>
+</p:sld>
+</file>
+
+<file path=ppt/slides/slide7.xml><?xml version="1.0" encoding="utf-8"?>
+<p:sld xmlns:a="http://schemas.openxmlformats.org/drawingml/2006/main" xmlns:r="http://schemas.openxmlformats.org/officeDocument/2006/relationships" xmlns:p="http://schemas.openxmlformats.org/presentationml/2006/main">
+  <p:cSld>
+    <p:spTree>
+      <p:nvGrpSpPr>
+        <p:cNvPr id="1" name=""/>
+        <p:cNvGrpSpPr/>
+        <p:nvPr/>
+      </p:nvGrpSpPr>
+      <p:grpSpPr>
+        <a:xfrm>
+          <a:off x="0" y="0"/>
+          <a:ext cx="0" cy="0"/>
+          <a:chOff x="0" y="0"/>
+          <a:chExt cx="0" cy="0"/>
+        </a:xfrm>
+      </p:grpSpPr>
+      <p:sp>
+        <p:nvSpPr>
+          <p:cNvPr id="2" name="Title 1">
+            <a:extLst>
+              <a:ext uri="{FF2B5EF4-FFF2-40B4-BE49-F238E27FC236}">
+                <a16:creationId xmlns:a16="http://schemas.microsoft.com/office/drawing/2014/main" id="{3339F325-F804-8561-4476-52A9C1C3F21A}"/>
+              </a:ext>
+            </a:extLst>
+          </p:cNvPr>
+          <p:cNvSpPr>
+            <a:spLocks noGrp="1"/>
+          </p:cNvSpPr>
+          <p:nvPr>
+            <p:ph type="title"/>
+          </p:nvPr>
+        </p:nvSpPr>
+        <p:spPr/>
+        <p:txBody>
+          <a:bodyPr>
+            <a:normAutofit fontScale="90000"/>
+          </a:bodyPr>
+          <a:lstStyle/>
+          <a:p>
+            <a:r>
+              <a:rPr lang="en-US" dirty="0"/>
+              <a:t>Medical Response cont.</a:t>
+            </a:r>
+          </a:p>
+        </p:txBody>
+      </p:sp>
+      <p:sp>
+        <p:nvSpPr>
+          <p:cNvPr id="3" name="Text Placeholder 2">
+            <a:extLst>
+              <a:ext uri="{FF2B5EF4-FFF2-40B4-BE49-F238E27FC236}">
+                <a16:creationId xmlns:a16="http://schemas.microsoft.com/office/drawing/2014/main" id="{78853270-2CDD-67A5-F642-F5DDEE1D23B8}"/>
+              </a:ext>
+            </a:extLst>
+          </p:cNvPr>
+          <p:cNvSpPr>
+            <a:spLocks noGrp="1"/>
+          </p:cNvSpPr>
+          <p:nvPr>
+            <p:ph type="body" idx="1"/>
+          </p:nvPr>
+        </p:nvSpPr>
+        <p:spPr>
+          <a:xfrm>
+            <a:off x="311700" y="1017725"/>
+            <a:ext cx="8355222" cy="3416400"/>
+          </a:xfrm>
+        </p:spPr>
+        <p:txBody>
+          <a:bodyPr>
+            <a:normAutofit/>
+          </a:bodyPr>
+          <a:lstStyle/>
+          <a:p>
+            <a:r>
+              <a:rPr lang="en-US" sz="1200" dirty="0">
+                <a:latin typeface="+mn-lt"/>
+              </a:rPr>
+              <a:t>After </a:t>
+            </a:r>
+            <a:r>
+              <a:rPr lang="en-US" sz="1200" b="1" dirty="0">
+                <a:latin typeface="+mn-lt"/>
+              </a:rPr>
+              <a:t>tracing</a:t>
+            </a:r>
+            <a:r>
+              <a:rPr lang="en-US" sz="1200" dirty="0">
+                <a:latin typeface="+mn-lt"/>
+              </a:rPr>
+              <a:t>, an extra group of exposed people could be </a:t>
+            </a:r>
+            <a:r>
+              <a:rPr lang="en-US" sz="1200" b="1" dirty="0">
+                <a:latin typeface="+mn-lt"/>
+              </a:rPr>
+              <a:t>identified </a:t>
+            </a:r>
+            <a:r>
+              <a:rPr lang="en-US" sz="1200" dirty="0">
+                <a:latin typeface="+mn-lt"/>
+              </a:rPr>
+              <a:t>and </a:t>
+            </a:r>
+            <a:r>
+              <a:rPr lang="en-US" sz="1200" b="1" dirty="0">
+                <a:latin typeface="+mn-lt"/>
+              </a:rPr>
+              <a:t>quarantined.</a:t>
+            </a:r>
+          </a:p>
+          <a:p>
+            <a:r>
+              <a:rPr lang="en-US" sz="1200" dirty="0">
+                <a:latin typeface="+mn-lt"/>
+              </a:rPr>
+              <a:t>After </a:t>
+            </a:r>
+            <a:r>
+              <a:rPr lang="en-US" sz="1200" b="1" dirty="0">
+                <a:latin typeface="+mn-lt"/>
+              </a:rPr>
+              <a:t>tracing </a:t>
+            </a:r>
+            <a:r>
+              <a:rPr lang="en-US" sz="1200" dirty="0">
+                <a:latin typeface="+mn-lt"/>
+              </a:rPr>
+              <a:t>the pathogen, </a:t>
+            </a:r>
+            <a:r>
+              <a:rPr lang="en-US" sz="1200" b="1" dirty="0">
+                <a:latin typeface="+mn-lt"/>
+              </a:rPr>
+              <a:t>collecting lab samples</a:t>
+            </a:r>
+            <a:r>
+              <a:rPr lang="en-US" sz="1200" dirty="0">
+                <a:latin typeface="+mn-lt"/>
+              </a:rPr>
+              <a:t> (and performing lab tests), </a:t>
+            </a:r>
+            <a:r>
+              <a:rPr lang="en-US" sz="1200" b="1" dirty="0">
+                <a:latin typeface="+mn-lt"/>
+              </a:rPr>
+              <a:t>gathering and analyzing </a:t>
+            </a:r>
+            <a:r>
+              <a:rPr lang="en-US" sz="1200" dirty="0">
+                <a:latin typeface="+mn-lt"/>
+              </a:rPr>
+              <a:t>data, the disease is </a:t>
+            </a:r>
+            <a:r>
+              <a:rPr lang="en-US" sz="1200" b="1" dirty="0">
+                <a:latin typeface="+mn-lt"/>
+              </a:rPr>
+              <a:t>identified </a:t>
+            </a:r>
+            <a:r>
+              <a:rPr lang="en-US" sz="1200" dirty="0">
+                <a:latin typeface="+mn-lt"/>
+              </a:rPr>
+              <a:t>and announced. </a:t>
+            </a:r>
+          </a:p>
+        </p:txBody>
+      </p:sp>
+      <p:pic>
+        <p:nvPicPr>
+          <p:cNvPr id="5" name="Picture 4">
+            <a:extLst>
+              <a:ext uri="{FF2B5EF4-FFF2-40B4-BE49-F238E27FC236}">
+                <a16:creationId xmlns:a16="http://schemas.microsoft.com/office/drawing/2014/main" id="{91DB2C77-1747-2BEB-070D-3A54EE8B7011}"/>
+              </a:ext>
+            </a:extLst>
+          </p:cNvPr>
+          <p:cNvPicPr>
+            <a:picLocks noChangeAspect="1"/>
+          </p:cNvPicPr>
+          <p:nvPr/>
+        </p:nvPicPr>
+        <p:blipFill>
+          <a:blip r:embed="rId2"/>
+          <a:stretch>
+            <a:fillRect/>
+          </a:stretch>
+        </p:blipFill>
+        <p:spPr>
+          <a:xfrm>
+            <a:off x="1558456" y="2004610"/>
+            <a:ext cx="6027087" cy="3138890"/>
           </a:xfrm>
           <a:prstGeom prst="rect">
             <a:avLst/>
@@ -11750,7 +14013,7 @@
     </p:spTree>
     <p:extLst>
       <p:ext uri="{BB962C8B-B14F-4D97-AF65-F5344CB8AC3E}">
-        <p14:creationId xmlns:p14="http://schemas.microsoft.com/office/powerpoint/2010/main" val="1041167862"/>
+        <p14:creationId xmlns:p14="http://schemas.microsoft.com/office/powerpoint/2010/main" val="1544613773"/>
       </p:ext>
     </p:extLst>
   </p:cSld>
@@ -11760,7 +14023,7 @@
 </p:sld>
 </file>
 
-<file path=ppt/slides/slide5.xml><?xml version="1.0" encoding="utf-8"?>
+<file path=ppt/slides/slide8.xml><?xml version="1.0" encoding="utf-8"?>
 <p:sld xmlns:a="http://schemas.openxmlformats.org/drawingml/2006/main" xmlns:r="http://schemas.openxmlformats.org/officeDocument/2006/relationships" xmlns:p="http://schemas.openxmlformats.org/presentationml/2006/main">
   <p:cSld>
     <p:spTree>
@@ -12063,509 +14326,7 @@
 </p:sld>
 </file>
 
-<file path=ppt/slides/slide6.xml><?xml version="1.0" encoding="utf-8"?>
-<p:sld xmlns:a="http://schemas.openxmlformats.org/drawingml/2006/main" xmlns:r="http://schemas.openxmlformats.org/officeDocument/2006/relationships" xmlns:p="http://schemas.openxmlformats.org/presentationml/2006/main">
-  <p:cSld>
-    <p:spTree>
-      <p:nvGrpSpPr>
-        <p:cNvPr id="1" name="Shape 86"/>
-        <p:cNvGrpSpPr/>
-        <p:nvPr/>
-      </p:nvGrpSpPr>
-      <p:grpSpPr>
-        <a:xfrm>
-          <a:off x="0" y="0"/>
-          <a:ext cx="0" cy="0"/>
-          <a:chOff x="0" y="0"/>
-          <a:chExt cx="0" cy="0"/>
-        </a:xfrm>
-      </p:grpSpPr>
-      <p:sp>
-        <p:nvSpPr>
-          <p:cNvPr id="87" name="Google Shape;87;p6"/>
-          <p:cNvSpPr txBox="1">
-            <a:spLocks noGrp="1"/>
-          </p:cNvSpPr>
-          <p:nvPr>
-            <p:ph type="title"/>
-          </p:nvPr>
-        </p:nvSpPr>
-        <p:spPr>
-          <a:xfrm>
-            <a:off x="311700" y="150826"/>
-            <a:ext cx="8520600" cy="572700"/>
-          </a:xfrm>
-          <a:prstGeom prst="rect">
-            <a:avLst/>
-          </a:prstGeom>
-          <a:noFill/>
-          <a:ln>
-            <a:noFill/>
-          </a:ln>
-        </p:spPr>
-        <p:txBody>
-          <a:bodyPr spcFirstLastPara="1" wrap="square" lIns="91425" tIns="91425" rIns="91425" bIns="91425" anchor="t" anchorCtr="0">
-            <a:normAutofit fontScale="90000"/>
-          </a:bodyPr>
-          <a:lstStyle/>
-          <a:p>
-            <a:pPr marL="0" lvl="0" indent="0" algn="l" rtl="0">
-              <a:lnSpc>
-                <a:spcPct val="100000"/>
-              </a:lnSpc>
-              <a:spcBef>
-                <a:spcPts val="0"/>
-              </a:spcBef>
-              <a:spcAft>
-                <a:spcPts val="0"/>
-              </a:spcAft>
-              <a:buSzPct val="111111"/>
-              <a:buNone/>
-            </a:pPr>
-            <a:r>
-              <a:rPr lang="en" dirty="0"/>
-              <a:t>Medical Response</a:t>
-            </a:r>
-            <a:endParaRPr dirty="0"/>
-          </a:p>
-        </p:txBody>
-      </p:sp>
-      <p:sp>
-        <p:nvSpPr>
-          <p:cNvPr id="88" name="Google Shape;88;p6"/>
-          <p:cNvSpPr txBox="1"/>
-          <p:nvPr/>
-        </p:nvSpPr>
-        <p:spPr>
-          <a:xfrm>
-            <a:off x="311700" y="686844"/>
-            <a:ext cx="8520600" cy="871800"/>
-          </a:xfrm>
-          <a:prstGeom prst="rect">
-            <a:avLst/>
-          </a:prstGeom>
-          <a:noFill/>
-          <a:ln>
-            <a:noFill/>
-          </a:ln>
-        </p:spPr>
-        <p:txBody>
-          <a:bodyPr spcFirstLastPara="1" wrap="square" lIns="91425" tIns="91425" rIns="91425" bIns="91425" anchor="t" anchorCtr="0">
-            <a:spAutoFit/>
-          </a:bodyPr>
-          <a:lstStyle/>
-          <a:p>
-            <a:pPr marL="0" lvl="0" indent="0" algn="l" rtl="0">
-              <a:lnSpc>
-                <a:spcPct val="115000"/>
-              </a:lnSpc>
-              <a:spcBef>
-                <a:spcPts val="0"/>
-              </a:spcBef>
-              <a:spcAft>
-                <a:spcPts val="0"/>
-              </a:spcAft>
-              <a:buClr>
-                <a:schemeClr val="dk1"/>
-              </a:buClr>
-              <a:buSzPts val="1100"/>
-              <a:buFont typeface="Arial"/>
-              <a:buNone/>
-            </a:pPr>
-            <a:r>
-              <a:rPr lang="en" sz="1050" b="1" dirty="0">
-                <a:solidFill>
-                  <a:schemeClr val="dk1"/>
-                </a:solidFill>
-              </a:rPr>
-              <a:t>Testing</a:t>
-            </a:r>
-            <a:r>
-              <a:rPr lang="en" sz="1050" dirty="0">
-                <a:solidFill>
-                  <a:schemeClr val="dk1"/>
-                </a:solidFill>
-              </a:rPr>
-              <a:t>: A viral test checks specimens from your nose or your mouth to find out if you are currently infected with the virus</a:t>
-            </a:r>
-            <a:endParaRPr sz="1050" dirty="0">
-              <a:solidFill>
-                <a:schemeClr val="dk1"/>
-              </a:solidFill>
-            </a:endParaRPr>
-          </a:p>
-          <a:p>
-            <a:pPr marL="0" lvl="0" indent="0" algn="l" rtl="0">
-              <a:lnSpc>
-                <a:spcPct val="115000"/>
-              </a:lnSpc>
-              <a:spcBef>
-                <a:spcPts val="600"/>
-              </a:spcBef>
-              <a:spcAft>
-                <a:spcPts val="0"/>
-              </a:spcAft>
-              <a:buClr>
-                <a:schemeClr val="dk1"/>
-              </a:buClr>
-              <a:buSzPts val="1100"/>
-              <a:buFont typeface="Arial"/>
-              <a:buNone/>
-            </a:pPr>
-            <a:r>
-              <a:rPr lang="en" sz="1050" b="1" dirty="0">
-                <a:solidFill>
-                  <a:schemeClr val="dk1"/>
-                </a:solidFill>
-              </a:rPr>
-              <a:t>Diagnosis</a:t>
-            </a:r>
-            <a:r>
-              <a:rPr lang="en" sz="1050" dirty="0">
-                <a:solidFill>
-                  <a:schemeClr val="dk1"/>
-                </a:solidFill>
-              </a:rPr>
-              <a:t>: Medical diagnosis on infection of the virus in the disease outbreak</a:t>
-            </a:r>
-            <a:endParaRPr sz="1050" dirty="0">
-              <a:solidFill>
-                <a:schemeClr val="dk1"/>
-              </a:solidFill>
-            </a:endParaRPr>
-          </a:p>
-          <a:p>
-            <a:pPr marL="0" lvl="0" indent="0" algn="l" rtl="0">
-              <a:lnSpc>
-                <a:spcPct val="115000"/>
-              </a:lnSpc>
-              <a:spcBef>
-                <a:spcPts val="600"/>
-              </a:spcBef>
-              <a:spcAft>
-                <a:spcPts val="600"/>
-              </a:spcAft>
-              <a:buNone/>
-            </a:pPr>
-            <a:r>
-              <a:rPr lang="en" sz="1050" b="1" dirty="0">
-                <a:solidFill>
-                  <a:schemeClr val="dk1"/>
-                </a:solidFill>
-              </a:rPr>
-              <a:t>Treatment</a:t>
-            </a:r>
-            <a:r>
-              <a:rPr lang="en" sz="1050" dirty="0">
-                <a:solidFill>
-                  <a:schemeClr val="dk1"/>
-                </a:solidFill>
-              </a:rPr>
-              <a:t>: Attempted remediation of a health problem due to infection of the virus in the disease outbreak</a:t>
-            </a:r>
-            <a:endParaRPr dirty="0"/>
-          </a:p>
-        </p:txBody>
-      </p:sp>
-      <p:pic>
-        <p:nvPicPr>
-          <p:cNvPr id="89" name="Google Shape;89;p6"/>
-          <p:cNvPicPr preferRelativeResize="0"/>
-          <p:nvPr/>
-        </p:nvPicPr>
-        <p:blipFill>
-          <a:blip r:embed="rId3">
-            <a:alphaModFix/>
-          </a:blip>
-          <a:stretch>
-            <a:fillRect/>
-          </a:stretch>
-        </p:blipFill>
-        <p:spPr>
-          <a:xfrm>
-            <a:off x="3092350" y="1869975"/>
-            <a:ext cx="5947401" cy="3187800"/>
-          </a:xfrm>
-          <a:prstGeom prst="rect">
-            <a:avLst/>
-          </a:prstGeom>
-          <a:noFill/>
-          <a:ln>
-            <a:noFill/>
-          </a:ln>
-        </p:spPr>
-      </p:pic>
-      <p:sp>
-        <p:nvSpPr>
-          <p:cNvPr id="90" name="Google Shape;90;p6"/>
-          <p:cNvSpPr txBox="1"/>
-          <p:nvPr/>
-        </p:nvSpPr>
-        <p:spPr>
-          <a:xfrm>
-            <a:off x="311700" y="1558644"/>
-            <a:ext cx="2736900" cy="3333300"/>
-          </a:xfrm>
-          <a:prstGeom prst="rect">
-            <a:avLst/>
-          </a:prstGeom>
-          <a:noFill/>
-          <a:ln>
-            <a:noFill/>
-          </a:ln>
-        </p:spPr>
-        <p:txBody>
-          <a:bodyPr spcFirstLastPara="1" wrap="square" lIns="91425" tIns="91425" rIns="91425" bIns="91425" anchor="t" anchorCtr="0">
-            <a:spAutoFit/>
-          </a:bodyPr>
-          <a:lstStyle/>
-          <a:p>
-            <a:pPr marL="0" lvl="0" indent="0" algn="l" rtl="0">
-              <a:lnSpc>
-                <a:spcPct val="115000"/>
-              </a:lnSpc>
-              <a:spcBef>
-                <a:spcPts val="0"/>
-              </a:spcBef>
-              <a:spcAft>
-                <a:spcPts val="0"/>
-              </a:spcAft>
-              <a:buClr>
-                <a:schemeClr val="dk1"/>
-              </a:buClr>
-              <a:buSzPts val="1100"/>
-              <a:buFont typeface="Arial"/>
-              <a:buNone/>
-            </a:pPr>
-            <a:r>
-              <a:rPr lang="en" sz="1050" b="1" dirty="0">
-                <a:solidFill>
-                  <a:schemeClr val="dk1"/>
-                </a:solidFill>
-              </a:rPr>
-              <a:t>Tracing</a:t>
-            </a:r>
-            <a:r>
-              <a:rPr lang="en" sz="1050" dirty="0">
-                <a:solidFill>
-                  <a:schemeClr val="dk1"/>
-                </a:solidFill>
-              </a:rPr>
-              <a:t>: Contact tracing identifies persons who may have come into contact with an infected person during the disease outbreak</a:t>
-            </a:r>
-            <a:endParaRPr sz="1050" dirty="0">
-              <a:solidFill>
-                <a:schemeClr val="dk1"/>
-              </a:solidFill>
-            </a:endParaRPr>
-          </a:p>
-          <a:p>
-            <a:pPr marL="0" lvl="0" indent="0" algn="l" rtl="0">
-              <a:lnSpc>
-                <a:spcPct val="115000"/>
-              </a:lnSpc>
-              <a:spcBef>
-                <a:spcPts val="600"/>
-              </a:spcBef>
-              <a:spcAft>
-                <a:spcPts val="0"/>
-              </a:spcAft>
-              <a:buClr>
-                <a:schemeClr val="dk1"/>
-              </a:buClr>
-              <a:buSzPts val="1100"/>
-              <a:buFont typeface="Arial"/>
-              <a:buNone/>
-            </a:pPr>
-            <a:r>
-              <a:rPr lang="en" sz="1050" b="1" dirty="0">
-                <a:solidFill>
-                  <a:schemeClr val="dk1"/>
-                </a:solidFill>
-              </a:rPr>
-              <a:t>Quarantine</a:t>
-            </a:r>
-            <a:r>
-              <a:rPr lang="en" sz="1050" dirty="0">
-                <a:solidFill>
-                  <a:schemeClr val="dk1"/>
-                </a:solidFill>
-              </a:rPr>
-              <a:t>: Restriction on the movement of people, animals and goods which is intended to prevent the spread of the disease</a:t>
-            </a:r>
-            <a:endParaRPr sz="1050" dirty="0">
-              <a:solidFill>
-                <a:schemeClr val="dk1"/>
-              </a:solidFill>
-            </a:endParaRPr>
-          </a:p>
-          <a:p>
-            <a:pPr marL="0" lvl="0" indent="0" algn="l" rtl="0">
-              <a:lnSpc>
-                <a:spcPct val="115000"/>
-              </a:lnSpc>
-              <a:spcBef>
-                <a:spcPts val="600"/>
-              </a:spcBef>
-              <a:spcAft>
-                <a:spcPts val="0"/>
-              </a:spcAft>
-              <a:buClr>
-                <a:schemeClr val="dk1"/>
-              </a:buClr>
-              <a:buSzPts val="1100"/>
-              <a:buFont typeface="Arial"/>
-              <a:buNone/>
-            </a:pPr>
-            <a:r>
-              <a:rPr lang="en" sz="1050" b="1" dirty="0">
-                <a:solidFill>
-                  <a:schemeClr val="dk1"/>
-                </a:solidFill>
-              </a:rPr>
-              <a:t>Gather Data</a:t>
-            </a:r>
-            <a:r>
-              <a:rPr lang="en" sz="1050" dirty="0">
-                <a:solidFill>
-                  <a:schemeClr val="dk1"/>
-                </a:solidFill>
-              </a:rPr>
-              <a:t>: Epidemiologic data collection</a:t>
-            </a:r>
-            <a:endParaRPr sz="1050" dirty="0">
-              <a:solidFill>
-                <a:schemeClr val="dk1"/>
-              </a:solidFill>
-            </a:endParaRPr>
-          </a:p>
-          <a:p>
-            <a:pPr marL="0" lvl="0" indent="0" algn="l" rtl="0">
-              <a:lnSpc>
-                <a:spcPct val="115000"/>
-              </a:lnSpc>
-              <a:spcBef>
-                <a:spcPts val="600"/>
-              </a:spcBef>
-              <a:spcAft>
-                <a:spcPts val="0"/>
-              </a:spcAft>
-              <a:buClr>
-                <a:schemeClr val="dk1"/>
-              </a:buClr>
-              <a:buSzPts val="1100"/>
-              <a:buFont typeface="Arial"/>
-              <a:buNone/>
-            </a:pPr>
-            <a:r>
-              <a:rPr lang="en" sz="1050" b="1" dirty="0">
-                <a:solidFill>
-                  <a:schemeClr val="dk1"/>
-                </a:solidFill>
-              </a:rPr>
-              <a:t>Die</a:t>
-            </a:r>
-            <a:r>
-              <a:rPr lang="en" sz="1050" dirty="0">
-                <a:solidFill>
-                  <a:schemeClr val="dk1"/>
-                </a:solidFill>
-              </a:rPr>
-              <a:t>: Patients may die from the infection of the virus</a:t>
-            </a:r>
-            <a:endParaRPr sz="1050" dirty="0">
-              <a:solidFill>
-                <a:schemeClr val="dk1"/>
-              </a:solidFill>
-            </a:endParaRPr>
-          </a:p>
-          <a:p>
-            <a:pPr marL="0" lvl="0" indent="0" algn="l" rtl="0">
-              <a:lnSpc>
-                <a:spcPct val="115000"/>
-              </a:lnSpc>
-              <a:spcBef>
-                <a:spcPts val="600"/>
-              </a:spcBef>
-              <a:spcAft>
-                <a:spcPts val="0"/>
-              </a:spcAft>
-              <a:buClr>
-                <a:schemeClr val="dk1"/>
-              </a:buClr>
-              <a:buSzPts val="1100"/>
-              <a:buFont typeface="Arial"/>
-              <a:buNone/>
-            </a:pPr>
-            <a:r>
-              <a:rPr lang="en" sz="1050" b="1" dirty="0">
-                <a:solidFill>
-                  <a:schemeClr val="dk1"/>
-                </a:solidFill>
-              </a:rPr>
-              <a:t>Recover</a:t>
-            </a:r>
-            <a:r>
-              <a:rPr lang="en" sz="1050" dirty="0">
-                <a:solidFill>
-                  <a:schemeClr val="dk1"/>
-                </a:solidFill>
-              </a:rPr>
-              <a:t>: Patients may recover from the infection of the virus</a:t>
-            </a:r>
-            <a:endParaRPr sz="1050" dirty="0">
-              <a:solidFill>
-                <a:schemeClr val="dk1"/>
-              </a:solidFill>
-            </a:endParaRPr>
-          </a:p>
-          <a:p>
-            <a:pPr marL="0" lvl="0" indent="0" algn="l" rtl="0">
-              <a:lnSpc>
-                <a:spcPct val="115000"/>
-              </a:lnSpc>
-              <a:spcBef>
-                <a:spcPts val="600"/>
-              </a:spcBef>
-              <a:spcAft>
-                <a:spcPts val="0"/>
-              </a:spcAft>
-              <a:buClr>
-                <a:schemeClr val="dk1"/>
-              </a:buClr>
-              <a:buSzPts val="1100"/>
-              <a:buFont typeface="Arial"/>
-              <a:buNone/>
-            </a:pPr>
-            <a:r>
-              <a:rPr lang="en" sz="1050" b="1" dirty="0">
-                <a:solidFill>
-                  <a:schemeClr val="dk1"/>
-                </a:solidFill>
-              </a:rPr>
-              <a:t>Funeral</a:t>
-            </a:r>
-            <a:r>
-              <a:rPr lang="en" sz="1050" dirty="0">
-                <a:solidFill>
-                  <a:schemeClr val="dk1"/>
-                </a:solidFill>
-              </a:rPr>
-              <a:t>: A ceremony for patients died in the disease outbreak</a:t>
-            </a:r>
-            <a:endParaRPr dirty="0"/>
-          </a:p>
-        </p:txBody>
-      </p:sp>
-    </p:spTree>
-  </p:cSld>
-  <p:clrMapOvr>
-    <a:masterClrMapping/>
-  </p:clrMapOvr>
-</p:sld>
-</file>
-
-<file path=ppt/slides/slide7.xml><?xml version="1.0" encoding="utf-8"?>
+<file path=ppt/slides/slide9.xml><?xml version="1.0" encoding="utf-8"?>
 <p:sld xmlns:a="http://schemas.openxmlformats.org/drawingml/2006/main" xmlns:r="http://schemas.openxmlformats.org/officeDocument/2006/relationships" xmlns:p="http://schemas.openxmlformats.org/presentationml/2006/main">
   <p:cSld>
     <p:spTree>
@@ -12594,7 +14355,7 @@
         </p:nvSpPr>
         <p:spPr>
           <a:xfrm>
-            <a:off x="311700" y="445025"/>
+            <a:off x="273600" y="155465"/>
             <a:ext cx="8520600" cy="572700"/>
           </a:xfrm>
           <a:prstGeom prst="rect">
@@ -12625,10 +14386,10 @@
               <a:buNone/>
             </a:pPr>
             <a:r>
-              <a:rPr lang="en"/>
+              <a:rPr lang="en" dirty="0"/>
               <a:t>Research Response</a:t>
             </a:r>
-            <a:endParaRPr/>
+            <a:endParaRPr dirty="0"/>
           </a:p>
         </p:txBody>
       </p:sp>
@@ -12641,7 +14402,7 @@
         <p:spPr>
           <a:xfrm>
             <a:off x="324675" y="989550"/>
-            <a:ext cx="8520600" cy="1397700"/>
+            <a:ext cx="8520600" cy="1607333"/>
           </a:xfrm>
           <a:prstGeom prst="rect">
             <a:avLst/>
@@ -12675,7 +14436,7 @@
               <a:buNone/>
             </a:pPr>
             <a:r>
-              <a:rPr lang="en" sz="1050" b="1">
+              <a:rPr lang="en" sz="1050" b="1" dirty="0">
                 <a:solidFill>
                   <a:schemeClr val="dk1"/>
                 </a:solidFill>
@@ -12683,332 +14444,12 @@
               <a:t>Meeting</a:t>
             </a:r>
             <a:r>
-              <a:rPr lang="en" sz="1050">
+              <a:rPr lang="en" sz="1050" dirty="0">
                 <a:solidFill>
                   <a:schemeClr val="dk1"/>
                 </a:solidFill>
               </a:rPr>
               <a:t>: Academic conference or scientific conference for conducting research on fighting the virus</a:t>
-            </a:r>
-            <a:endParaRPr sz="1050">
-              <a:solidFill>
-                <a:schemeClr val="dk1"/>
-              </a:solidFill>
-            </a:endParaRPr>
-          </a:p>
-          <a:p>
-            <a:pPr marL="0" lvl="0" indent="0" algn="l" rtl="0">
-              <a:lnSpc>
-                <a:spcPct val="115000"/>
-              </a:lnSpc>
-              <a:spcBef>
-                <a:spcPts val="600"/>
-              </a:spcBef>
-              <a:spcAft>
-                <a:spcPts val="0"/>
-              </a:spcAft>
-              <a:buClr>
-                <a:schemeClr val="dk1"/>
-              </a:buClr>
-              <a:buSzPts val="1100"/>
-              <a:buFont typeface="Arial"/>
-              <a:buNone/>
-            </a:pPr>
-            <a:r>
-              <a:rPr lang="en" sz="1050" b="1">
-                <a:solidFill>
-                  <a:schemeClr val="dk1"/>
-                </a:solidFill>
-              </a:rPr>
-              <a:t>Collaborate</a:t>
-            </a:r>
-            <a:r>
-              <a:rPr lang="en" sz="1050">
-                <a:solidFill>
-                  <a:schemeClr val="dk1"/>
-                </a:solidFill>
-              </a:rPr>
-              <a:t>: Research collaboration on finding treatment for the virus</a:t>
-            </a:r>
-            <a:endParaRPr sz="1050">
-              <a:solidFill>
-                <a:schemeClr val="dk1"/>
-              </a:solidFill>
-            </a:endParaRPr>
-          </a:p>
-          <a:p>
-            <a:pPr marL="0" lvl="0" indent="0" algn="l" rtl="0">
-              <a:lnSpc>
-                <a:spcPct val="115000"/>
-              </a:lnSpc>
-              <a:spcBef>
-                <a:spcPts val="600"/>
-              </a:spcBef>
-              <a:spcAft>
-                <a:spcPts val="0"/>
-              </a:spcAft>
-              <a:buClr>
-                <a:schemeClr val="dk1"/>
-              </a:buClr>
-              <a:buSzPts val="1100"/>
-              <a:buFont typeface="Arial"/>
-              <a:buNone/>
-            </a:pPr>
-            <a:r>
-              <a:rPr lang="en" sz="1050" b="1">
-                <a:solidFill>
-                  <a:schemeClr val="dk1"/>
-                </a:solidFill>
-              </a:rPr>
-              <a:t>Research</a:t>
-            </a:r>
-            <a:r>
-              <a:rPr lang="en" sz="1050">
-                <a:solidFill>
-                  <a:schemeClr val="dk1"/>
-                </a:solidFill>
-              </a:rPr>
-              <a:t>: Conducting research fighting the disease outbreak</a:t>
-            </a:r>
-            <a:endParaRPr sz="1050">
-              <a:solidFill>
-                <a:schemeClr val="dk1"/>
-              </a:solidFill>
-            </a:endParaRPr>
-          </a:p>
-          <a:p>
-            <a:pPr marL="0" lvl="0" indent="0" algn="l" rtl="0">
-              <a:lnSpc>
-                <a:spcPct val="115000"/>
-              </a:lnSpc>
-              <a:spcBef>
-                <a:spcPts val="600"/>
-              </a:spcBef>
-              <a:spcAft>
-                <a:spcPts val="0"/>
-              </a:spcAft>
-              <a:buClr>
-                <a:schemeClr val="dk1"/>
-              </a:buClr>
-              <a:buSzPts val="1100"/>
-              <a:buFont typeface="Arial"/>
-              <a:buNone/>
-            </a:pPr>
-            <a:r>
-              <a:rPr lang="en" sz="1050" b="1">
-                <a:solidFill>
-                  <a:schemeClr val="dk1"/>
-                </a:solidFill>
-              </a:rPr>
-              <a:t>New Treatments</a:t>
-            </a:r>
-            <a:r>
-              <a:rPr lang="en" sz="1050">
-                <a:solidFill>
-                  <a:schemeClr val="dk1"/>
-                </a:solidFill>
-              </a:rPr>
-              <a:t>: Developing effective treatment or cure for the disease</a:t>
-            </a:r>
-            <a:endParaRPr sz="1050">
-              <a:solidFill>
-                <a:schemeClr val="dk1"/>
-              </a:solidFill>
-            </a:endParaRPr>
-          </a:p>
-          <a:p>
-            <a:pPr marL="0" lvl="0" indent="0" algn="l" rtl="0">
-              <a:lnSpc>
-                <a:spcPct val="115000"/>
-              </a:lnSpc>
-              <a:spcBef>
-                <a:spcPts val="600"/>
-              </a:spcBef>
-              <a:spcAft>
-                <a:spcPts val="0"/>
-              </a:spcAft>
-              <a:buNone/>
-            </a:pPr>
-            <a:r>
-              <a:rPr lang="en" sz="1050" b="1">
-                <a:solidFill>
-                  <a:schemeClr val="dk1"/>
-                </a:solidFill>
-              </a:rPr>
-              <a:t>Discussion</a:t>
-            </a:r>
-            <a:r>
-              <a:rPr lang="en" sz="1050">
-                <a:solidFill>
-                  <a:schemeClr val="dk1"/>
-                </a:solidFill>
-              </a:rPr>
-              <a:t>: conversation between two or more people on responding to the disease outbreak</a:t>
-            </a:r>
-            <a:endParaRPr/>
-          </a:p>
-        </p:txBody>
-      </p:sp>
-      <p:pic>
-        <p:nvPicPr>
-          <p:cNvPr id="97" name="Google Shape;97;p7"/>
-          <p:cNvPicPr preferRelativeResize="0"/>
-          <p:nvPr/>
-        </p:nvPicPr>
-        <p:blipFill>
-          <a:blip r:embed="rId3">
-            <a:alphaModFix/>
-          </a:blip>
-          <a:stretch>
-            <a:fillRect/>
-          </a:stretch>
-        </p:blipFill>
-        <p:spPr>
-          <a:xfrm>
-            <a:off x="1789063" y="2419350"/>
-            <a:ext cx="5565871" cy="2451450"/>
-          </a:xfrm>
-          <a:prstGeom prst="rect">
-            <a:avLst/>
-          </a:prstGeom>
-          <a:noFill/>
-          <a:ln>
-            <a:noFill/>
-          </a:ln>
-        </p:spPr>
-      </p:pic>
-    </p:spTree>
-  </p:cSld>
-  <p:clrMapOvr>
-    <a:masterClrMapping/>
-  </p:clrMapOvr>
-</p:sld>
-</file>
-
-<file path=ppt/slides/slide8.xml><?xml version="1.0" encoding="utf-8"?>
-<p:sld xmlns:a="http://schemas.openxmlformats.org/drawingml/2006/main" xmlns:r="http://schemas.openxmlformats.org/officeDocument/2006/relationships" xmlns:p="http://schemas.openxmlformats.org/presentationml/2006/main">
-  <p:cSld>
-    <p:spTree>
-      <p:nvGrpSpPr>
-        <p:cNvPr id="1" name="Shape 101"/>
-        <p:cNvGrpSpPr/>
-        <p:nvPr/>
-      </p:nvGrpSpPr>
-      <p:grpSpPr>
-        <a:xfrm>
-          <a:off x="0" y="0"/>
-          <a:ext cx="0" cy="0"/>
-          <a:chOff x="0" y="0"/>
-          <a:chExt cx="0" cy="0"/>
-        </a:xfrm>
-      </p:grpSpPr>
-      <p:sp>
-        <p:nvSpPr>
-          <p:cNvPr id="102" name="Google Shape;102;p8"/>
-          <p:cNvSpPr txBox="1">
-            <a:spLocks noGrp="1"/>
-          </p:cNvSpPr>
-          <p:nvPr>
-            <p:ph type="title"/>
-          </p:nvPr>
-        </p:nvSpPr>
-        <p:spPr>
-          <a:xfrm>
-            <a:off x="311700" y="445025"/>
-            <a:ext cx="8520600" cy="572700"/>
-          </a:xfrm>
-          <a:prstGeom prst="rect">
-            <a:avLst/>
-          </a:prstGeom>
-          <a:noFill/>
-          <a:ln>
-            <a:noFill/>
-          </a:ln>
-        </p:spPr>
-        <p:txBody>
-          <a:bodyPr spcFirstLastPara="1" wrap="square" lIns="91425" tIns="91425" rIns="91425" bIns="91425" anchor="t" anchorCtr="0">
-            <a:normAutofit fontScale="90000"/>
-          </a:bodyPr>
-          <a:lstStyle/>
-          <a:p>
-            <a:pPr marL="0" lvl="0" indent="0" algn="l" rtl="0">
-              <a:lnSpc>
-                <a:spcPct val="100000"/>
-              </a:lnSpc>
-              <a:spcBef>
-                <a:spcPts val="0"/>
-              </a:spcBef>
-              <a:spcAft>
-                <a:spcPts val="0"/>
-              </a:spcAft>
-              <a:buSzPct val="111111"/>
-              <a:buNone/>
-            </a:pPr>
-            <a:r>
-              <a:rPr lang="en"/>
-              <a:t>Authority Response</a:t>
-            </a:r>
-            <a:endParaRPr/>
-          </a:p>
-        </p:txBody>
-      </p:sp>
-      <p:sp>
-        <p:nvSpPr>
-          <p:cNvPr id="104" name="Google Shape;104;p8"/>
-          <p:cNvSpPr txBox="1"/>
-          <p:nvPr/>
-        </p:nvSpPr>
-        <p:spPr>
-          <a:xfrm>
-            <a:off x="139325" y="1357175"/>
-            <a:ext cx="4432675" cy="3510546"/>
-          </a:xfrm>
-          <a:prstGeom prst="rect">
-            <a:avLst/>
-          </a:prstGeom>
-          <a:noFill/>
-          <a:ln>
-            <a:noFill/>
-          </a:ln>
-        </p:spPr>
-        <p:txBody>
-          <a:bodyPr spcFirstLastPara="1" wrap="square" lIns="91425" tIns="91425" rIns="91425" bIns="91425" anchor="t" anchorCtr="0">
-            <a:spAutoFit/>
-          </a:bodyPr>
-          <a:lstStyle/>
-          <a:p>
-            <a:pPr marL="0" lvl="0" indent="0" algn="l" rtl="0">
-              <a:lnSpc>
-                <a:spcPct val="115000"/>
-              </a:lnSpc>
-              <a:spcBef>
-                <a:spcPts val="0"/>
-              </a:spcBef>
-              <a:spcAft>
-                <a:spcPts val="0"/>
-              </a:spcAft>
-              <a:buClr>
-                <a:schemeClr val="dk1"/>
-              </a:buClr>
-              <a:buSzPts val="1100"/>
-              <a:buFont typeface="Arial"/>
-              <a:buNone/>
-            </a:pPr>
-            <a:r>
-              <a:rPr lang="en" sz="1050" b="1" dirty="0" err="1">
-                <a:solidFill>
-                  <a:schemeClr val="dk1"/>
-                </a:solidFill>
-              </a:rPr>
-              <a:t>StartPosition</a:t>
-            </a:r>
-            <a:r>
-              <a:rPr lang="en" sz="1050" dirty="0">
-                <a:solidFill>
-                  <a:schemeClr val="dk1"/>
-                </a:solidFill>
-              </a:rPr>
-              <a:t>: Officials are assigned to monitor, prevent, contain, and mitigate the disease outbreak</a:t>
             </a:r>
           </a:p>
           <a:p>
@@ -13022,20 +14463,12 @@
               <a:buSzPts val="1100"/>
             </a:pPr>
             <a:r>
-              <a:rPr lang="en" sz="1050" b="1" dirty="0">
-                <a:solidFill>
-                  <a:schemeClr val="dk1"/>
-                </a:solidFill>
-              </a:rPr>
-              <a:t>Destruction</a:t>
-            </a:r>
-            <a:r>
-              <a:rPr lang="en" sz="1050" dirty="0">
-                <a:solidFill>
-                  <a:schemeClr val="dk1"/>
-                </a:solidFill>
-              </a:rPr>
-              <a:t>: </a:t>
+              <a:rPr lang="en-US" sz="1050" b="1" dirty="0">
+                <a:solidFill>
+                  <a:schemeClr val="dk1"/>
+                </a:solidFill>
+              </a:rPr>
+              <a:t>Discussion</a:t>
             </a:r>
             <a:r>
               <a:rPr lang="en-US" sz="1050" dirty="0">
@@ -13043,7 +14476,7 @@
                   <a:schemeClr val="dk1"/>
                 </a:solidFill>
               </a:rPr>
-              <a:t>The government destroys the source of the disease, for example, Haiti demolished the fishing nuts where the Cholera epidemic started.</a:t>
+              <a:t>: conversation between two or more people on responding to the disease outbreak</a:t>
             </a:r>
             <a:endParaRPr sz="1050" dirty="0">
               <a:solidFill>
@@ -13075,7 +14508,7 @@
                   <a:schemeClr val="dk1"/>
                 </a:solidFill>
               </a:rPr>
-              <a:t>Gov Health Decree</a:t>
+              <a:t>Collaborate</a:t>
             </a:r>
             <a:r>
               <a:rPr lang="en" sz="1050" dirty="0">
@@ -13083,7 +14516,7 @@
                   <a:schemeClr val="dk1"/>
                 </a:solidFill>
               </a:rPr>
-              <a:t>: Legislations were issued fighting the disease outbreak by government</a:t>
+              <a:t>: Research collaboration on finding treatment for the virus</a:t>
             </a:r>
             <a:endParaRPr sz="1050" dirty="0">
               <a:solidFill>
@@ -13115,7 +14548,7 @@
                   <a:schemeClr val="dk1"/>
                 </a:solidFill>
               </a:rPr>
-              <a:t>Debunk Misinformation</a:t>
+              <a:t>Research</a:t>
             </a:r>
             <a:r>
               <a:rPr lang="en" sz="1050" dirty="0">
@@ -13123,7 +14556,7 @@
                   <a:schemeClr val="dk1"/>
                 </a:solidFill>
               </a:rPr>
-              <a:t>: Debunking misinformation of related to the disease outbreak</a:t>
+              <a:t>: Conducting research fighting the disease outbreak</a:t>
             </a:r>
             <a:endParaRPr sz="1050" dirty="0">
               <a:solidFill>
@@ -13155,7 +14588,7 @@
                   <a:schemeClr val="dk1"/>
                 </a:solidFill>
               </a:rPr>
-              <a:t>Close Border</a:t>
+              <a:t>New Treatments</a:t>
             </a:r>
             <a:r>
               <a:rPr lang="en" sz="1050" dirty="0">
@@ -13163,164 +14596,51 @@
                   <a:schemeClr val="dk1"/>
                 </a:solidFill>
               </a:rPr>
-              <a:t>: Border were closed to slow the spread of the virus</a:t>
+              <a:t>: Developing effective treatment or cure for the disease</a:t>
+            </a:r>
+          </a:p>
+          <a:p>
+            <a:pPr>
+              <a:lnSpc>
+                <a:spcPct val="115000"/>
+              </a:lnSpc>
+              <a:spcBef>
+                <a:spcPts val="600"/>
+              </a:spcBef>
+              <a:buClr>
+                <a:schemeClr val="dk1"/>
+              </a:buClr>
+              <a:buSzPts val="1100"/>
+            </a:pPr>
+            <a:r>
+              <a:rPr lang="en" sz="1050" b="1" dirty="0">
+                <a:solidFill>
+                  <a:schemeClr val="dk1"/>
+                </a:solidFill>
+              </a:rPr>
+              <a:t>Disease Prevention</a:t>
+            </a:r>
+            <a:r>
+              <a:rPr lang="en" sz="1050" dirty="0">
+                <a:solidFill>
+                  <a:schemeClr val="dk1"/>
+                </a:solidFill>
+              </a:rPr>
+              <a:t>: </a:t>
+            </a:r>
+            <a:r>
+              <a:rPr lang="en-US" sz="1050" dirty="0">
+                <a:solidFill>
+                  <a:schemeClr val="dk1"/>
+                </a:solidFill>
+              </a:rPr>
+              <a:t>acting to avoid the occurrence of certain diseases in an organism or a population</a:t>
             </a:r>
             <a:endParaRPr sz="1050" dirty="0">
               <a:solidFill>
                 <a:schemeClr val="dk1"/>
               </a:solidFill>
             </a:endParaRPr>
-          </a:p>
-          <a:p>
-            <a:pPr marL="0" lvl="0" indent="0" algn="l" rtl="0">
-              <a:lnSpc>
-                <a:spcPct val="115000"/>
-              </a:lnSpc>
-              <a:spcBef>
-                <a:spcPts val="600"/>
-              </a:spcBef>
-              <a:spcAft>
-                <a:spcPts val="0"/>
-              </a:spcAft>
-              <a:buClr>
-                <a:schemeClr val="dk1"/>
-              </a:buClr>
-              <a:buSzPts val="1100"/>
-              <a:buFont typeface="Arial"/>
-              <a:buNone/>
-            </a:pPr>
-            <a:r>
-              <a:rPr lang="en" sz="1050" b="1" dirty="0">
-                <a:solidFill>
-                  <a:schemeClr val="dk1"/>
-                </a:solidFill>
-              </a:rPr>
-              <a:t>Distribute</a:t>
-            </a:r>
-            <a:r>
-              <a:rPr lang="en" sz="1050" dirty="0">
-                <a:solidFill>
-                  <a:schemeClr val="dk1"/>
-                </a:solidFill>
-              </a:rPr>
-              <a:t>: Distributing the vaccines of the virus</a:t>
-            </a:r>
-            <a:endParaRPr sz="1050" dirty="0">
-              <a:solidFill>
-                <a:schemeClr val="dk1"/>
-              </a:solidFill>
-            </a:endParaRPr>
-          </a:p>
-          <a:p>
-            <a:pPr marL="0" lvl="0" indent="0" algn="l" rtl="0">
-              <a:lnSpc>
-                <a:spcPct val="115000"/>
-              </a:lnSpc>
-              <a:spcBef>
-                <a:spcPts val="600"/>
-              </a:spcBef>
-              <a:spcAft>
-                <a:spcPts val="0"/>
-              </a:spcAft>
-              <a:buClr>
-                <a:schemeClr val="dk1"/>
-              </a:buClr>
-              <a:buSzPts val="1100"/>
-              <a:buFont typeface="Arial"/>
-              <a:buNone/>
-            </a:pPr>
-            <a:r>
-              <a:rPr lang="en" sz="1050" b="1" dirty="0">
-                <a:solidFill>
-                  <a:schemeClr val="dk1"/>
-                </a:solidFill>
-              </a:rPr>
-              <a:t>Financial Aid</a:t>
-            </a:r>
-            <a:r>
-              <a:rPr lang="en" sz="1050" dirty="0">
-                <a:solidFill>
-                  <a:schemeClr val="dk1"/>
-                </a:solidFill>
-              </a:rPr>
-              <a:t>: Financial assistance with food, housing and bills</a:t>
-            </a:r>
-            <a:endParaRPr sz="1050" dirty="0">
-              <a:solidFill>
-                <a:schemeClr val="dk1"/>
-              </a:solidFill>
-            </a:endParaRPr>
-          </a:p>
-          <a:p>
-            <a:pPr marL="0" lvl="0" indent="0" algn="l" rtl="0">
-              <a:lnSpc>
-                <a:spcPct val="115000"/>
-              </a:lnSpc>
-              <a:spcBef>
-                <a:spcPts val="600"/>
-              </a:spcBef>
-              <a:spcAft>
-                <a:spcPts val="0"/>
-              </a:spcAft>
-              <a:buClr>
-                <a:schemeClr val="dk1"/>
-              </a:buClr>
-              <a:buSzPts val="1100"/>
-              <a:buFont typeface="Arial"/>
-              <a:buNone/>
-            </a:pPr>
-            <a:r>
-              <a:rPr lang="en" sz="1050" b="1" dirty="0" err="1">
-                <a:solidFill>
-                  <a:schemeClr val="dk1"/>
-                </a:solidFill>
-              </a:rPr>
-              <a:t>ExchangeBuySell</a:t>
-            </a:r>
-            <a:r>
-              <a:rPr lang="en" sz="1050" dirty="0">
-                <a:solidFill>
-                  <a:schemeClr val="dk1"/>
-                </a:solidFill>
-              </a:rPr>
-              <a:t>: Buying, selling or exchanging goods related to the disease outbreak</a:t>
-            </a:r>
-            <a:endParaRPr sz="1050" dirty="0">
-              <a:solidFill>
-                <a:schemeClr val="dk1"/>
-              </a:solidFill>
-            </a:endParaRPr>
-          </a:p>
-          <a:p>
-            <a:pPr marL="0" lvl="0" indent="0" algn="l" rtl="0">
-              <a:lnSpc>
-                <a:spcPct val="115000"/>
-              </a:lnSpc>
-              <a:spcBef>
-                <a:spcPts val="600"/>
-              </a:spcBef>
-              <a:spcAft>
-                <a:spcPts val="0"/>
-              </a:spcAft>
-              <a:buNone/>
-            </a:pPr>
-            <a:r>
-              <a:rPr lang="en" sz="1050" b="1" dirty="0">
-                <a:solidFill>
-                  <a:schemeClr val="dk1"/>
-                </a:solidFill>
-              </a:rPr>
-              <a:t>Donate</a:t>
-            </a:r>
-            <a:r>
-              <a:rPr lang="en" sz="1050" dirty="0">
-                <a:solidFill>
-                  <a:schemeClr val="dk1"/>
-                </a:solidFill>
-              </a:rPr>
-              <a:t>: Charitable activities related to the disease outbreak</a:t>
-            </a:r>
-            <a:endParaRPr dirty="0"/>
           </a:p>
         </p:txBody>
       </p:sp>
@@ -13329,7 +14649,7 @@
           <p:cNvPr id="2" name="Picture 1">
             <a:extLst>
               <a:ext uri="{FF2B5EF4-FFF2-40B4-BE49-F238E27FC236}">
-                <a16:creationId xmlns:a16="http://schemas.microsoft.com/office/drawing/2014/main" id="{22B186CA-184F-0741-B4F9-BA2412ED1035}"/>
+                <a16:creationId xmlns:a16="http://schemas.microsoft.com/office/drawing/2014/main" id="{82DB83AF-612A-D06D-14D5-6326322F74B6}"/>
               </a:ext>
             </a:extLst>
           </p:cNvPr>
@@ -13346,697 +14666,14 @@
         </p:blipFill>
         <p:spPr>
           <a:xfrm>
-            <a:off x="4674186" y="518751"/>
-            <a:ext cx="4330489" cy="3871291"/>
+            <a:off x="1665210" y="2723846"/>
+            <a:ext cx="5159769" cy="2115820"/>
           </a:xfrm>
           <a:prstGeom prst="rect">
             <a:avLst/>
           </a:prstGeom>
         </p:spPr>
       </p:pic>
-    </p:spTree>
-  </p:cSld>
-  <p:clrMapOvr>
-    <a:masterClrMapping/>
-  </p:clrMapOvr>
-</p:sld>
-</file>
-
-<file path=ppt/slides/slide9.xml><?xml version="1.0" encoding="utf-8"?>
-<p:sld xmlns:a="http://schemas.openxmlformats.org/drawingml/2006/main" xmlns:r="http://schemas.openxmlformats.org/officeDocument/2006/relationships" xmlns:p="http://schemas.openxmlformats.org/presentationml/2006/main">
-  <p:cSld>
-    <p:spTree>
-      <p:nvGrpSpPr>
-        <p:cNvPr id="1" name="Shape 108"/>
-        <p:cNvGrpSpPr/>
-        <p:nvPr/>
-      </p:nvGrpSpPr>
-      <p:grpSpPr>
-        <a:xfrm>
-          <a:off x="0" y="0"/>
-          <a:ext cx="0" cy="0"/>
-          <a:chOff x="0" y="0"/>
-          <a:chExt cx="0" cy="0"/>
-        </a:xfrm>
-      </p:grpSpPr>
-      <p:sp>
-        <p:nvSpPr>
-          <p:cNvPr id="109" name="Google Shape;109;p9"/>
-          <p:cNvSpPr txBox="1">
-            <a:spLocks noGrp="1"/>
-          </p:cNvSpPr>
-          <p:nvPr>
-            <p:ph type="title"/>
-          </p:nvPr>
-        </p:nvSpPr>
-        <p:spPr>
-          <a:xfrm>
-            <a:off x="311700" y="140225"/>
-            <a:ext cx="8520600" cy="572700"/>
-          </a:xfrm>
-          <a:prstGeom prst="rect">
-            <a:avLst/>
-          </a:prstGeom>
-          <a:noFill/>
-          <a:ln>
-            <a:noFill/>
-          </a:ln>
-        </p:spPr>
-        <p:txBody>
-          <a:bodyPr spcFirstLastPara="1" wrap="square" lIns="91425" tIns="91425" rIns="91425" bIns="91425" anchor="t" anchorCtr="0">
-            <a:normAutofit fontScale="90000"/>
-          </a:bodyPr>
-          <a:lstStyle/>
-          <a:p>
-            <a:pPr marL="0" lvl="0" indent="0" algn="l" rtl="0">
-              <a:lnSpc>
-                <a:spcPct val="100000"/>
-              </a:lnSpc>
-              <a:spcBef>
-                <a:spcPts val="0"/>
-              </a:spcBef>
-              <a:spcAft>
-                <a:spcPts val="0"/>
-              </a:spcAft>
-              <a:buSzPct val="111111"/>
-              <a:buNone/>
-            </a:pPr>
-            <a:r>
-              <a:rPr lang="en"/>
-              <a:t>Society Response</a:t>
-            </a:r>
-            <a:endParaRPr/>
-          </a:p>
-        </p:txBody>
-      </p:sp>
-      <p:pic>
-        <p:nvPicPr>
-          <p:cNvPr id="110" name="Google Shape;110;p9"/>
-          <p:cNvPicPr preferRelativeResize="0"/>
-          <p:nvPr/>
-        </p:nvPicPr>
-        <p:blipFill>
-          <a:blip r:embed="rId3">
-            <a:alphaModFix/>
-          </a:blip>
-          <a:stretch>
-            <a:fillRect/>
-          </a:stretch>
-        </p:blipFill>
-        <p:spPr>
-          <a:xfrm>
-            <a:off x="3827500" y="1231900"/>
-            <a:ext cx="5327737" cy="3820975"/>
-          </a:xfrm>
-          <a:prstGeom prst="rect">
-            <a:avLst/>
-          </a:prstGeom>
-          <a:noFill/>
-          <a:ln>
-            <a:noFill/>
-          </a:ln>
-        </p:spPr>
-      </p:pic>
-      <p:sp>
-        <p:nvSpPr>
-          <p:cNvPr id="111" name="Google Shape;111;p9"/>
-          <p:cNvSpPr txBox="1"/>
-          <p:nvPr/>
-        </p:nvSpPr>
-        <p:spPr>
-          <a:xfrm>
-            <a:off x="108425" y="793900"/>
-            <a:ext cx="5205300" cy="4320600"/>
-          </a:xfrm>
-          <a:prstGeom prst="rect">
-            <a:avLst/>
-          </a:prstGeom>
-          <a:noFill/>
-          <a:ln>
-            <a:noFill/>
-          </a:ln>
-        </p:spPr>
-        <p:txBody>
-          <a:bodyPr spcFirstLastPara="1" wrap="square" lIns="91425" tIns="91425" rIns="91425" bIns="91425" anchor="t" anchorCtr="0">
-            <a:spAutoFit/>
-          </a:bodyPr>
-          <a:lstStyle/>
-          <a:p>
-            <a:pPr marL="0" lvl="0" indent="0" algn="l" rtl="0">
-              <a:lnSpc>
-                <a:spcPct val="115000"/>
-              </a:lnSpc>
-              <a:spcBef>
-                <a:spcPts val="0"/>
-              </a:spcBef>
-              <a:spcAft>
-                <a:spcPts val="0"/>
-              </a:spcAft>
-              <a:buClr>
-                <a:schemeClr val="dk1"/>
-              </a:buClr>
-              <a:buSzPts val="1100"/>
-              <a:buFont typeface="Arial"/>
-              <a:buNone/>
-            </a:pPr>
-            <a:r>
-              <a:rPr lang="en" sz="1050" b="1">
-                <a:solidFill>
-                  <a:schemeClr val="dk1"/>
-                </a:solidFill>
-              </a:rPr>
-              <a:t>Alert Population</a:t>
-            </a:r>
-            <a:r>
-              <a:rPr lang="en" sz="1050">
-                <a:solidFill>
-                  <a:schemeClr val="dk1"/>
-                </a:solidFill>
-              </a:rPr>
-              <a:t>: Alerting population of the exposure of the virus</a:t>
-            </a:r>
-            <a:endParaRPr sz="1050">
-              <a:solidFill>
-                <a:schemeClr val="dk1"/>
-              </a:solidFill>
-            </a:endParaRPr>
-          </a:p>
-          <a:p>
-            <a:pPr marL="0" lvl="0" indent="0" algn="l" rtl="0">
-              <a:lnSpc>
-                <a:spcPct val="115000"/>
-              </a:lnSpc>
-              <a:spcBef>
-                <a:spcPts val="600"/>
-              </a:spcBef>
-              <a:spcAft>
-                <a:spcPts val="0"/>
-              </a:spcAft>
-              <a:buClr>
-                <a:schemeClr val="dk1"/>
-              </a:buClr>
-              <a:buSzPts val="1100"/>
-              <a:buFont typeface="Arial"/>
-              <a:buNone/>
-            </a:pPr>
-            <a:r>
-              <a:rPr lang="en" sz="1050" b="1">
-                <a:solidFill>
-                  <a:schemeClr val="dk1"/>
-                </a:solidFill>
-              </a:rPr>
-              <a:t>Educate</a:t>
-            </a:r>
-            <a:r>
-              <a:rPr lang="en" sz="1050">
-                <a:solidFill>
-                  <a:schemeClr val="dk1"/>
-                </a:solidFill>
-              </a:rPr>
-              <a:t>: Sharing and educating related knowledge for fighting the disease outbreak</a:t>
-            </a:r>
-            <a:endParaRPr sz="1050">
-              <a:solidFill>
-                <a:schemeClr val="dk1"/>
-              </a:solidFill>
-            </a:endParaRPr>
-          </a:p>
-          <a:p>
-            <a:pPr marL="0" lvl="0" indent="0" algn="l" rtl="0">
-              <a:lnSpc>
-                <a:spcPct val="115000"/>
-              </a:lnSpc>
-              <a:spcBef>
-                <a:spcPts val="600"/>
-              </a:spcBef>
-              <a:spcAft>
-                <a:spcPts val="0"/>
-              </a:spcAft>
-              <a:buClr>
-                <a:schemeClr val="dk1"/>
-              </a:buClr>
-              <a:buSzPts val="1100"/>
-              <a:buFont typeface="Arial"/>
-              <a:buNone/>
-            </a:pPr>
-            <a:r>
-              <a:rPr lang="en" sz="1050" b="1">
-                <a:solidFill>
-                  <a:schemeClr val="dk1"/>
-                </a:solidFill>
-              </a:rPr>
-              <a:t>BuySellExchange</a:t>
-            </a:r>
-            <a:r>
-              <a:rPr lang="en" sz="1050">
-                <a:solidFill>
-                  <a:schemeClr val="dk1"/>
-                </a:solidFill>
-              </a:rPr>
-              <a:t>: Buying, selling or exchanging goods related to the disease outbreak</a:t>
-            </a:r>
-            <a:endParaRPr sz="1050">
-              <a:solidFill>
-                <a:schemeClr val="dk1"/>
-              </a:solidFill>
-            </a:endParaRPr>
-          </a:p>
-          <a:p>
-            <a:pPr marL="0" lvl="0" indent="0" algn="l" rtl="0">
-              <a:lnSpc>
-                <a:spcPct val="115000"/>
-              </a:lnSpc>
-              <a:spcBef>
-                <a:spcPts val="600"/>
-              </a:spcBef>
-              <a:spcAft>
-                <a:spcPts val="0"/>
-              </a:spcAft>
-              <a:buClr>
-                <a:schemeClr val="dk1"/>
-              </a:buClr>
-              <a:buSzPts val="1100"/>
-              <a:buFont typeface="Arial"/>
-              <a:buNone/>
-            </a:pPr>
-            <a:r>
-              <a:rPr lang="en" sz="1050" b="1">
-                <a:solidFill>
-                  <a:schemeClr val="dk1"/>
-                </a:solidFill>
-              </a:rPr>
-              <a:t>Demonstrate</a:t>
-            </a:r>
-            <a:r>
-              <a:rPr lang="en" sz="1050">
-                <a:solidFill>
-                  <a:schemeClr val="dk1"/>
-                </a:solidFill>
-              </a:rPr>
-              <a:t>: Protests over responses to the disease outbreak</a:t>
-            </a:r>
-            <a:endParaRPr sz="1050">
-              <a:solidFill>
-                <a:schemeClr val="dk1"/>
-              </a:solidFill>
-            </a:endParaRPr>
-          </a:p>
-          <a:p>
-            <a:pPr marL="0" lvl="0" indent="0" algn="l" rtl="0">
-              <a:lnSpc>
-                <a:spcPct val="115000"/>
-              </a:lnSpc>
-              <a:spcBef>
-                <a:spcPts val="600"/>
-              </a:spcBef>
-              <a:spcAft>
-                <a:spcPts val="0"/>
-              </a:spcAft>
-              <a:buClr>
-                <a:schemeClr val="dk1"/>
-              </a:buClr>
-              <a:buSzPts val="1100"/>
-              <a:buFont typeface="Arial"/>
-              <a:buNone/>
-            </a:pPr>
-            <a:r>
-              <a:rPr lang="en" sz="1050" b="1">
-                <a:solidFill>
-                  <a:schemeClr val="dk1"/>
-                </a:solidFill>
-              </a:rPr>
-              <a:t>BusinessClose</a:t>
-            </a:r>
-            <a:r>
-              <a:rPr lang="en" sz="1050">
-                <a:solidFill>
-                  <a:schemeClr val="dk1"/>
-                </a:solidFill>
-              </a:rPr>
-              <a:t>: Business close due to the disease outbreak</a:t>
-            </a:r>
-            <a:endParaRPr sz="1050">
-              <a:solidFill>
-                <a:schemeClr val="dk1"/>
-              </a:solidFill>
-            </a:endParaRPr>
-          </a:p>
-          <a:p>
-            <a:pPr marL="0" lvl="0" indent="0" algn="l" rtl="0">
-              <a:lnSpc>
-                <a:spcPct val="115000"/>
-              </a:lnSpc>
-              <a:spcBef>
-                <a:spcPts val="600"/>
-              </a:spcBef>
-              <a:spcAft>
-                <a:spcPts val="0"/>
-              </a:spcAft>
-              <a:buClr>
-                <a:schemeClr val="dk1"/>
-              </a:buClr>
-              <a:buSzPts val="1100"/>
-              <a:buFont typeface="Arial"/>
-              <a:buNone/>
-            </a:pPr>
-            <a:r>
-              <a:rPr lang="en" sz="1050" b="1">
-                <a:solidFill>
-                  <a:schemeClr val="dk1"/>
-                </a:solidFill>
-              </a:rPr>
-              <a:t>BusinessReopen</a:t>
-            </a:r>
-            <a:r>
-              <a:rPr lang="en" sz="1050">
-                <a:solidFill>
-                  <a:schemeClr val="dk1"/>
-                </a:solidFill>
-              </a:rPr>
-              <a:t>: Business reopen due to the disease outbreak</a:t>
-            </a:r>
-            <a:endParaRPr sz="1050">
-              <a:solidFill>
-                <a:schemeClr val="dk1"/>
-              </a:solidFill>
-            </a:endParaRPr>
-          </a:p>
-          <a:p>
-            <a:pPr marL="0" lvl="0" indent="0" algn="l" rtl="0">
-              <a:lnSpc>
-                <a:spcPct val="115000"/>
-              </a:lnSpc>
-              <a:spcBef>
-                <a:spcPts val="600"/>
-              </a:spcBef>
-              <a:spcAft>
-                <a:spcPts val="0"/>
-              </a:spcAft>
-              <a:buNone/>
-            </a:pPr>
-            <a:r>
-              <a:rPr lang="en" sz="1050" b="1">
-                <a:solidFill>
-                  <a:schemeClr val="dk1"/>
-                </a:solidFill>
-              </a:rPr>
-              <a:t>Comply</a:t>
-            </a:r>
-            <a:r>
-              <a:rPr lang="en" sz="1050">
-                <a:solidFill>
-                  <a:schemeClr val="dk1"/>
-                </a:solidFill>
-              </a:rPr>
-              <a:t>: Complying to the government legislations</a:t>
-            </a:r>
-            <a:endParaRPr sz="1050">
-              <a:solidFill>
-                <a:schemeClr val="dk1"/>
-              </a:solidFill>
-            </a:endParaRPr>
-          </a:p>
-          <a:p>
-            <a:pPr marL="0" lvl="0" indent="0" algn="l" rtl="0">
-              <a:lnSpc>
-                <a:spcPct val="115000"/>
-              </a:lnSpc>
-              <a:spcBef>
-                <a:spcPts val="600"/>
-              </a:spcBef>
-              <a:spcAft>
-                <a:spcPts val="0"/>
-              </a:spcAft>
-              <a:buClr>
-                <a:schemeClr val="dk1"/>
-              </a:buClr>
-              <a:buSzPts val="1100"/>
-              <a:buFont typeface="Arial"/>
-              <a:buNone/>
-            </a:pPr>
-            <a:endParaRPr sz="1050">
-              <a:solidFill>
-                <a:schemeClr val="dk1"/>
-              </a:solidFill>
-            </a:endParaRPr>
-          </a:p>
-          <a:p>
-            <a:pPr marL="0" lvl="0" indent="0" algn="l" rtl="0">
-              <a:lnSpc>
-                <a:spcPct val="115000"/>
-              </a:lnSpc>
-              <a:spcBef>
-                <a:spcPts val="600"/>
-              </a:spcBef>
-              <a:spcAft>
-                <a:spcPts val="0"/>
-              </a:spcAft>
-              <a:buClr>
-                <a:schemeClr val="dk1"/>
-              </a:buClr>
-              <a:buSzPts val="1100"/>
-              <a:buFont typeface="Arial"/>
-              <a:buNone/>
-            </a:pPr>
-            <a:r>
-              <a:rPr lang="en" sz="1050" b="1">
-                <a:solidFill>
-                  <a:schemeClr val="dk1"/>
-                </a:solidFill>
-              </a:rPr>
-              <a:t>Limit Travel</a:t>
-            </a:r>
-            <a:r>
-              <a:rPr lang="en" sz="1050">
-                <a:solidFill>
-                  <a:schemeClr val="dk1"/>
-                </a:solidFill>
-              </a:rPr>
-              <a:t>: Restrictions on traveling to slow down the spread of the virus</a:t>
-            </a:r>
-            <a:endParaRPr sz="1050">
-              <a:solidFill>
-                <a:schemeClr val="dk1"/>
-              </a:solidFill>
-            </a:endParaRPr>
-          </a:p>
-          <a:p>
-            <a:pPr marL="0" lvl="0" indent="0" algn="l" rtl="0">
-              <a:lnSpc>
-                <a:spcPct val="115000"/>
-              </a:lnSpc>
-              <a:spcBef>
-                <a:spcPts val="600"/>
-              </a:spcBef>
-              <a:spcAft>
-                <a:spcPts val="0"/>
-              </a:spcAft>
-              <a:buNone/>
-            </a:pPr>
-            <a:r>
-              <a:rPr lang="en" sz="1050" b="1">
-                <a:solidFill>
-                  <a:schemeClr val="dk1"/>
-                </a:solidFill>
-              </a:rPr>
-              <a:t>Social Distancing</a:t>
-            </a:r>
-            <a:r>
-              <a:rPr lang="en" sz="1050">
-                <a:solidFill>
-                  <a:schemeClr val="dk1"/>
-                </a:solidFill>
-              </a:rPr>
-              <a:t>: Keep physical distance to prevent the spread of the disease</a:t>
-            </a:r>
-            <a:endParaRPr sz="1050">
-              <a:solidFill>
-                <a:schemeClr val="dk1"/>
-              </a:solidFill>
-            </a:endParaRPr>
-          </a:p>
-          <a:p>
-            <a:pPr marL="0" lvl="0" indent="0" algn="l" rtl="0">
-              <a:lnSpc>
-                <a:spcPct val="115000"/>
-              </a:lnSpc>
-              <a:spcBef>
-                <a:spcPts val="0"/>
-              </a:spcBef>
-              <a:spcAft>
-                <a:spcPts val="0"/>
-              </a:spcAft>
-              <a:buNone/>
-            </a:pPr>
-            <a:r>
-              <a:rPr lang="en" sz="1050" b="1">
-                <a:solidFill>
-                  <a:schemeClr val="dk1"/>
-                </a:solidFill>
-              </a:rPr>
-              <a:t>Sanitize: </a:t>
-            </a:r>
-            <a:r>
-              <a:rPr lang="en" sz="1050">
-                <a:solidFill>
-                  <a:schemeClr val="dk1"/>
-                </a:solidFill>
-              </a:rPr>
-              <a:t>Disinfection to prevent infection of the virus</a:t>
-            </a:r>
-            <a:endParaRPr sz="1050">
-              <a:solidFill>
-                <a:schemeClr val="dk1"/>
-              </a:solidFill>
-            </a:endParaRPr>
-          </a:p>
-          <a:p>
-            <a:pPr marL="0" lvl="0" indent="0" algn="l" rtl="0">
-              <a:lnSpc>
-                <a:spcPct val="115000"/>
-              </a:lnSpc>
-              <a:spcBef>
-                <a:spcPts val="600"/>
-              </a:spcBef>
-              <a:spcAft>
-                <a:spcPts val="0"/>
-              </a:spcAft>
-              <a:buNone/>
-            </a:pPr>
-            <a:r>
-              <a:rPr lang="en" sz="1050" b="1">
-                <a:solidFill>
-                  <a:schemeClr val="dk1"/>
-                </a:solidFill>
-              </a:rPr>
-              <a:t>Wear Mask</a:t>
-            </a:r>
-            <a:r>
-              <a:rPr lang="en" sz="1050">
-                <a:solidFill>
-                  <a:schemeClr val="dk1"/>
-                </a:solidFill>
-              </a:rPr>
-              <a:t>: Wearing masks to prevent the spread of virus</a:t>
-            </a:r>
-            <a:endParaRPr sz="1050">
-              <a:solidFill>
-                <a:schemeClr val="dk1"/>
-              </a:solidFill>
-            </a:endParaRPr>
-          </a:p>
-          <a:p>
-            <a:pPr marL="0" lvl="0" indent="0" algn="l" rtl="0">
-              <a:lnSpc>
-                <a:spcPct val="115000"/>
-              </a:lnSpc>
-              <a:spcBef>
-                <a:spcPts val="600"/>
-              </a:spcBef>
-              <a:spcAft>
-                <a:spcPts val="0"/>
-              </a:spcAft>
-              <a:buNone/>
-            </a:pPr>
-            <a:r>
-              <a:rPr lang="en" sz="1050" b="1">
-                <a:solidFill>
-                  <a:schemeClr val="dk1"/>
-                </a:solidFill>
-              </a:rPr>
-              <a:t>Wash</a:t>
-            </a:r>
-            <a:r>
-              <a:rPr lang="en" sz="1050">
-                <a:solidFill>
-                  <a:schemeClr val="dk1"/>
-                </a:solidFill>
-              </a:rPr>
-              <a:t>: Washing hands to prevent infection</a:t>
-            </a:r>
-            <a:endParaRPr sz="1050">
-              <a:solidFill>
-                <a:schemeClr val="dk1"/>
-              </a:solidFill>
-            </a:endParaRPr>
-          </a:p>
-          <a:p>
-            <a:pPr marL="0" lvl="0" indent="0" algn="l" rtl="0">
-              <a:lnSpc>
-                <a:spcPct val="115000"/>
-              </a:lnSpc>
-              <a:spcBef>
-                <a:spcPts val="600"/>
-              </a:spcBef>
-              <a:spcAft>
-                <a:spcPts val="0"/>
-              </a:spcAft>
-              <a:buNone/>
-            </a:pPr>
-            <a:r>
-              <a:rPr lang="en" sz="1050" b="1">
-                <a:solidFill>
-                  <a:schemeClr val="dk1"/>
-                </a:solidFill>
-              </a:rPr>
-              <a:t>Vaccinate</a:t>
-            </a:r>
-            <a:r>
-              <a:rPr lang="en" sz="1050">
-                <a:solidFill>
-                  <a:schemeClr val="dk1"/>
-                </a:solidFill>
-              </a:rPr>
-              <a:t>: Vaccine intended to provide acquired immunity against the virus</a:t>
-            </a:r>
-            <a:endParaRPr sz="1050">
-              <a:solidFill>
-                <a:schemeClr val="dk1"/>
-              </a:solidFill>
-            </a:endParaRPr>
-          </a:p>
-          <a:p>
-            <a:pPr marL="0" lvl="0" indent="0" algn="l" rtl="0">
-              <a:lnSpc>
-                <a:spcPct val="115000"/>
-              </a:lnSpc>
-              <a:spcBef>
-                <a:spcPts val="600"/>
-              </a:spcBef>
-              <a:spcAft>
-                <a:spcPts val="0"/>
-              </a:spcAft>
-              <a:buClr>
-                <a:schemeClr val="dk1"/>
-              </a:buClr>
-              <a:buSzPts val="1100"/>
-              <a:buFont typeface="Arial"/>
-              <a:buNone/>
-            </a:pPr>
-            <a:r>
-              <a:rPr lang="en" sz="1050" b="1">
-                <a:solidFill>
-                  <a:schemeClr val="dk1"/>
-                </a:solidFill>
-              </a:rPr>
-              <a:t>Inject</a:t>
-            </a:r>
-            <a:r>
-              <a:rPr lang="en" sz="1050">
-                <a:solidFill>
-                  <a:schemeClr val="dk1"/>
-                </a:solidFill>
-              </a:rPr>
-              <a:t>: The act of administering a liquid, especially a drug, into a patient infected by the virus using a needle and a syringe</a:t>
-            </a:r>
-            <a:endParaRPr sz="1050">
-              <a:solidFill>
-                <a:schemeClr val="dk1"/>
-              </a:solidFill>
-            </a:endParaRPr>
-          </a:p>
-        </p:txBody>
-      </p:sp>
     </p:spTree>
   </p:cSld>
   <p:clrMapOvr>

--- a/hrf/disease_outbreak.pptx
+++ b/hrf/disease_outbreak.pptx
@@ -5,7 +5,7 @@
     <p:sldMasterId id="2147483648" r:id="rId1"/>
   </p:sldMasterIdLst>
   <p:notesMasterIdLst>
-    <p:notesMasterId r:id="rId15"/>
+    <p:notesMasterId r:id="rId14"/>
   </p:notesMasterIdLst>
   <p:sldIdLst>
     <p:sldId id="256" r:id="rId2"/>
@@ -13,14 +13,13 @@
     <p:sldId id="258" r:id="rId4"/>
     <p:sldId id="270" r:id="rId5"/>
     <p:sldId id="268" r:id="rId6"/>
-    <p:sldId id="261" r:id="rId7"/>
-    <p:sldId id="271" r:id="rId8"/>
-    <p:sldId id="260" r:id="rId9"/>
-    <p:sldId id="262" r:id="rId10"/>
-    <p:sldId id="263" r:id="rId11"/>
-    <p:sldId id="264" r:id="rId12"/>
-    <p:sldId id="265" r:id="rId13"/>
-    <p:sldId id="269" r:id="rId14"/>
+    <p:sldId id="272" r:id="rId7"/>
+    <p:sldId id="261" r:id="rId8"/>
+    <p:sldId id="262" r:id="rId9"/>
+    <p:sldId id="263" r:id="rId10"/>
+    <p:sldId id="264" r:id="rId11"/>
+    <p:sldId id="265" r:id="rId12"/>
+    <p:sldId id="269" r:id="rId13"/>
   </p:sldIdLst>
   <p:sldSz cx="9144000" cy="5143500" type="screen16x9"/>
   <p:notesSz cx="6858000" cy="9144000"/>
@@ -269,7 +268,7 @@
       </p15:sldGuideLst>
     </p:ext>
     <p:ext uri="http://customooxmlschemas.google.com/">
-      <go:slidesCustomData xmlns:go="http://customooxmlschemas.google.com/" xmlns:ahyp="http://schemas.microsoft.com/office/drawing/2018/hyperlinkcolor" xmlns:p15="http://schemas.microsoft.com/office/powerpoint/2012/main" xmlns:p14="http://schemas.microsoft.com/office/powerpoint/2010/main" xmlns:com="http://schemas.openxmlformats.org/drawingml/2006/compatibility" xmlns:pvml="urn:schemas-microsoft-com:office:powerpoint" xmlns:v="urn:schemas-microsoft-com:vml" xmlns:o="urn:schemas-microsoft-com:office:office" xmlns:dgm="http://schemas.openxmlformats.org/drawingml/2006/diagram" xmlns:c="http://schemas.openxmlformats.org/drawingml/2006/chart" xmlns:mv="urn:schemas-microsoft-com:mac:vml" xmlns:mc="http://schemas.openxmlformats.org/markup-compatibility/2006" xmlns="" r:id="rId17" roundtripDataSignature="AMtx7mh6cvCcE10IumkqE4PQr4/dElO6RA=="/>
+      <go:slidesCustomData xmlns="" xmlns:mc="http://schemas.openxmlformats.org/markup-compatibility/2006" xmlns:mv="urn:schemas-microsoft-com:mac:vml" xmlns:c="http://schemas.openxmlformats.org/drawingml/2006/chart" xmlns:dgm="http://schemas.openxmlformats.org/drawingml/2006/diagram" xmlns:o="urn:schemas-microsoft-com:office:office" xmlns:v="urn:schemas-microsoft-com:vml" xmlns:pvml="urn:schemas-microsoft-com:office:powerpoint" xmlns:com="http://schemas.openxmlformats.org/drawingml/2006/compatibility" xmlns:p14="http://schemas.microsoft.com/office/powerpoint/2010/main" xmlns:p15="http://schemas.microsoft.com/office/powerpoint/2012/main" xmlns:ahyp="http://schemas.microsoft.com/office/drawing/2018/hyperlinkcolor" xmlns:go="http://customooxmlschemas.google.com/" r:id="rId17" roundtripDataSignature="AMtx7mh6cvCcE10IumkqE4PQr4/dElO6RA=="/>
     </p:ext>
   </p:extLst>
 </p:presentation>
@@ -981,128 +980,6 @@
   <p:cSld>
     <p:spTree>
       <p:nvGrpSpPr>
-        <p:cNvPr id="1" name="Shape 105"/>
-        <p:cNvGrpSpPr/>
-        <p:nvPr/>
-      </p:nvGrpSpPr>
-      <p:grpSpPr>
-        <a:xfrm>
-          <a:off x="0" y="0"/>
-          <a:ext cx="0" cy="0"/>
-          <a:chOff x="0" y="0"/>
-          <a:chExt cx="0" cy="0"/>
-        </a:xfrm>
-      </p:grpSpPr>
-      <p:sp>
-        <p:nvSpPr>
-          <p:cNvPr id="106" name="Google Shape;106;p9:notes"/>
-          <p:cNvSpPr>
-            <a:spLocks noGrp="1" noRot="1" noChangeAspect="1"/>
-          </p:cNvSpPr>
-          <p:nvPr>
-            <p:ph type="sldImg" idx="2"/>
-          </p:nvPr>
-        </p:nvSpPr>
-        <p:spPr>
-          <a:xfrm>
-            <a:off x="381300" y="685800"/>
-            <a:ext cx="6096000" cy="3429000"/>
-          </a:xfrm>
-          <a:custGeom>
-            <a:avLst/>
-            <a:gdLst/>
-            <a:ahLst/>
-            <a:cxnLst/>
-            <a:rect l="l" t="t" r="r" b="b"/>
-            <a:pathLst>
-              <a:path w="120000" h="120000" extrusionOk="0">
-                <a:moveTo>
-                  <a:pt x="0" y="0"/>
-                </a:moveTo>
-                <a:lnTo>
-                  <a:pt x="120000" y="0"/>
-                </a:lnTo>
-                <a:lnTo>
-                  <a:pt x="120000" y="120000"/>
-                </a:lnTo>
-                <a:lnTo>
-                  <a:pt x="0" y="120000"/>
-                </a:lnTo>
-                <a:close/>
-              </a:path>
-            </a:pathLst>
-          </a:custGeom>
-          <a:noFill/>
-          <a:ln w="9525" cap="flat" cmpd="sng">
-            <a:solidFill>
-              <a:srgbClr val="000000"/>
-            </a:solidFill>
-            <a:prstDash val="solid"/>
-            <a:round/>
-            <a:headEnd type="none" w="sm" len="sm"/>
-            <a:tailEnd type="none" w="sm" len="sm"/>
-          </a:ln>
-        </p:spPr>
-      </p:sp>
-      <p:sp>
-        <p:nvSpPr>
-          <p:cNvPr id="107" name="Google Shape;107;p9:notes"/>
-          <p:cNvSpPr txBox="1">
-            <a:spLocks noGrp="1"/>
-          </p:cNvSpPr>
-          <p:nvPr>
-            <p:ph type="body" idx="1"/>
-          </p:nvPr>
-        </p:nvSpPr>
-        <p:spPr>
-          <a:xfrm>
-            <a:off x="685800" y="4343400"/>
-            <a:ext cx="5486400" cy="4114800"/>
-          </a:xfrm>
-          <a:prstGeom prst="rect">
-            <a:avLst/>
-          </a:prstGeom>
-          <a:noFill/>
-          <a:ln>
-            <a:noFill/>
-          </a:ln>
-        </p:spPr>
-        <p:txBody>
-          <a:bodyPr spcFirstLastPara="1" wrap="square" lIns="91425" tIns="91425" rIns="91425" bIns="91425" anchor="t" anchorCtr="0">
-            <a:noAutofit/>
-          </a:bodyPr>
-          <a:lstStyle/>
-          <a:p>
-            <a:pPr marL="0" lvl="0" indent="0" algn="l" rtl="0">
-              <a:lnSpc>
-                <a:spcPct val="100000"/>
-              </a:lnSpc>
-              <a:spcBef>
-                <a:spcPts val="0"/>
-              </a:spcBef>
-              <a:spcAft>
-                <a:spcPts val="0"/>
-              </a:spcAft>
-              <a:buSzPts val="1100"/>
-              <a:buNone/>
-            </a:pPr>
-            <a:endParaRPr/>
-          </a:p>
-        </p:txBody>
-      </p:sp>
-    </p:spTree>
-  </p:cSld>
-  <p:clrMapOvr>
-    <a:masterClrMapping/>
-  </p:clrMapOvr>
-</p:notes>
-</file>
-
-<file path=ppt/notesSlides/notesSlide11.xml><?xml version="1.0" encoding="utf-8"?>
-<p:notes xmlns:a="http://schemas.openxmlformats.org/drawingml/2006/main" xmlns:r="http://schemas.openxmlformats.org/officeDocument/2006/relationships" xmlns:p="http://schemas.openxmlformats.org/presentationml/2006/main" showMasterSp="0" showMasterPhAnim="0">
-  <p:cSld>
-    <p:spTree>
-      <p:nvGrpSpPr>
         <p:cNvPr id="1" name="Shape 112"/>
         <p:cNvGrpSpPr/>
         <p:nvPr/>
@@ -1220,7 +1097,7 @@
 </p:notes>
 </file>
 
-<file path=ppt/notesSlides/notesSlide12.xml><?xml version="1.0" encoding="utf-8"?>
+<file path=ppt/notesSlides/notesSlide11.xml><?xml version="1.0" encoding="utf-8"?>
 <p:notes xmlns:a="http://schemas.openxmlformats.org/drawingml/2006/main" xmlns:r="http://schemas.openxmlformats.org/officeDocument/2006/relationships" xmlns:p="http://schemas.openxmlformats.org/presentationml/2006/main" showMasterSp="0" showMasterPhAnim="0">
   <p:cSld>
     <p:spTree>
@@ -1972,128 +1849,6 @@
   <p:cSld>
     <p:spTree>
       <p:nvGrpSpPr>
-        <p:cNvPr id="1" name="Shape 76"/>
-        <p:cNvGrpSpPr/>
-        <p:nvPr/>
-      </p:nvGrpSpPr>
-      <p:grpSpPr>
-        <a:xfrm>
-          <a:off x="0" y="0"/>
-          <a:ext cx="0" cy="0"/>
-          <a:chOff x="0" y="0"/>
-          <a:chExt cx="0" cy="0"/>
-        </a:xfrm>
-      </p:grpSpPr>
-      <p:sp>
-        <p:nvSpPr>
-          <p:cNvPr id="77" name="Google Shape;77;p5:notes"/>
-          <p:cNvSpPr>
-            <a:spLocks noGrp="1" noRot="1" noChangeAspect="1"/>
-          </p:cNvSpPr>
-          <p:nvPr>
-            <p:ph type="sldImg" idx="2"/>
-          </p:nvPr>
-        </p:nvSpPr>
-        <p:spPr>
-          <a:xfrm>
-            <a:off x="381000" y="685800"/>
-            <a:ext cx="6096000" cy="3429000"/>
-          </a:xfrm>
-          <a:custGeom>
-            <a:avLst/>
-            <a:gdLst/>
-            <a:ahLst/>
-            <a:cxnLst/>
-            <a:rect l="l" t="t" r="r" b="b"/>
-            <a:pathLst>
-              <a:path w="120000" h="120000" extrusionOk="0">
-                <a:moveTo>
-                  <a:pt x="0" y="0"/>
-                </a:moveTo>
-                <a:lnTo>
-                  <a:pt x="120000" y="0"/>
-                </a:lnTo>
-                <a:lnTo>
-                  <a:pt x="120000" y="120000"/>
-                </a:lnTo>
-                <a:lnTo>
-                  <a:pt x="0" y="120000"/>
-                </a:lnTo>
-                <a:close/>
-              </a:path>
-            </a:pathLst>
-          </a:custGeom>
-          <a:noFill/>
-          <a:ln w="9525" cap="flat" cmpd="sng">
-            <a:solidFill>
-              <a:srgbClr val="000000"/>
-            </a:solidFill>
-            <a:prstDash val="solid"/>
-            <a:round/>
-            <a:headEnd type="none" w="sm" len="sm"/>
-            <a:tailEnd type="none" w="sm" len="sm"/>
-          </a:ln>
-        </p:spPr>
-      </p:sp>
-      <p:sp>
-        <p:nvSpPr>
-          <p:cNvPr id="78" name="Google Shape;78;p5:notes"/>
-          <p:cNvSpPr txBox="1">
-            <a:spLocks noGrp="1"/>
-          </p:cNvSpPr>
-          <p:nvPr>
-            <p:ph type="body" idx="1"/>
-          </p:nvPr>
-        </p:nvSpPr>
-        <p:spPr>
-          <a:xfrm>
-            <a:off x="685800" y="4343400"/>
-            <a:ext cx="5486400" cy="4114800"/>
-          </a:xfrm>
-          <a:prstGeom prst="rect">
-            <a:avLst/>
-          </a:prstGeom>
-          <a:noFill/>
-          <a:ln>
-            <a:noFill/>
-          </a:ln>
-        </p:spPr>
-        <p:txBody>
-          <a:bodyPr spcFirstLastPara="1" wrap="square" lIns="91425" tIns="91425" rIns="91425" bIns="91425" anchor="t" anchorCtr="0">
-            <a:noAutofit/>
-          </a:bodyPr>
-          <a:lstStyle/>
-          <a:p>
-            <a:pPr marL="0" lvl="0" indent="0" algn="l" rtl="0">
-              <a:lnSpc>
-                <a:spcPct val="100000"/>
-              </a:lnSpc>
-              <a:spcBef>
-                <a:spcPts val="0"/>
-              </a:spcBef>
-              <a:spcAft>
-                <a:spcPts val="0"/>
-              </a:spcAft>
-              <a:buSzPts val="1100"/>
-              <a:buNone/>
-            </a:pPr>
-            <a:endParaRPr/>
-          </a:p>
-        </p:txBody>
-      </p:sp>
-    </p:spTree>
-  </p:cSld>
-  <p:clrMapOvr>
-    <a:masterClrMapping/>
-  </p:clrMapOvr>
-</p:notes>
-</file>
-
-<file path=ppt/notesSlides/notesSlide8.xml><?xml version="1.0" encoding="utf-8"?>
-<p:notes xmlns:a="http://schemas.openxmlformats.org/drawingml/2006/main" xmlns:r="http://schemas.openxmlformats.org/officeDocument/2006/relationships" xmlns:p="http://schemas.openxmlformats.org/presentationml/2006/main" showMasterSp="0" showMasterPhAnim="0">
-  <p:cSld>
-    <p:spTree>
-      <p:nvGrpSpPr>
         <p:cNvPr id="1" name="Shape 91"/>
         <p:cNvGrpSpPr/>
         <p:nvPr/>
@@ -2211,7 +1966,7 @@
 </p:notes>
 </file>
 
-<file path=ppt/notesSlides/notesSlide9.xml><?xml version="1.0" encoding="utf-8"?>
+<file path=ppt/notesSlides/notesSlide8.xml><?xml version="1.0" encoding="utf-8"?>
 <p:notes xmlns:a="http://schemas.openxmlformats.org/drawingml/2006/main" xmlns:r="http://schemas.openxmlformats.org/officeDocument/2006/relationships" xmlns:p="http://schemas.openxmlformats.org/presentationml/2006/main" showMasterSp="0" showMasterPhAnim="0">
   <p:cSld>
     <p:spTree>
@@ -2282,6 +2037,128 @@
       <p:sp>
         <p:nvSpPr>
           <p:cNvPr id="100" name="Google Shape;100;p8:notes"/>
+          <p:cNvSpPr txBox="1">
+            <a:spLocks noGrp="1"/>
+          </p:cNvSpPr>
+          <p:nvPr>
+            <p:ph type="body" idx="1"/>
+          </p:nvPr>
+        </p:nvSpPr>
+        <p:spPr>
+          <a:xfrm>
+            <a:off x="685800" y="4343400"/>
+            <a:ext cx="5486400" cy="4114800"/>
+          </a:xfrm>
+          <a:prstGeom prst="rect">
+            <a:avLst/>
+          </a:prstGeom>
+          <a:noFill/>
+          <a:ln>
+            <a:noFill/>
+          </a:ln>
+        </p:spPr>
+        <p:txBody>
+          <a:bodyPr spcFirstLastPara="1" wrap="square" lIns="91425" tIns="91425" rIns="91425" bIns="91425" anchor="t" anchorCtr="0">
+            <a:noAutofit/>
+          </a:bodyPr>
+          <a:lstStyle/>
+          <a:p>
+            <a:pPr marL="0" lvl="0" indent="0" algn="l" rtl="0">
+              <a:lnSpc>
+                <a:spcPct val="100000"/>
+              </a:lnSpc>
+              <a:spcBef>
+                <a:spcPts val="0"/>
+              </a:spcBef>
+              <a:spcAft>
+                <a:spcPts val="0"/>
+              </a:spcAft>
+              <a:buSzPts val="1100"/>
+              <a:buNone/>
+            </a:pPr>
+            <a:endParaRPr/>
+          </a:p>
+        </p:txBody>
+      </p:sp>
+    </p:spTree>
+  </p:cSld>
+  <p:clrMapOvr>
+    <a:masterClrMapping/>
+  </p:clrMapOvr>
+</p:notes>
+</file>
+
+<file path=ppt/notesSlides/notesSlide9.xml><?xml version="1.0" encoding="utf-8"?>
+<p:notes xmlns:a="http://schemas.openxmlformats.org/drawingml/2006/main" xmlns:r="http://schemas.openxmlformats.org/officeDocument/2006/relationships" xmlns:p="http://schemas.openxmlformats.org/presentationml/2006/main" showMasterSp="0" showMasterPhAnim="0">
+  <p:cSld>
+    <p:spTree>
+      <p:nvGrpSpPr>
+        <p:cNvPr id="1" name="Shape 105"/>
+        <p:cNvGrpSpPr/>
+        <p:nvPr/>
+      </p:nvGrpSpPr>
+      <p:grpSpPr>
+        <a:xfrm>
+          <a:off x="0" y="0"/>
+          <a:ext cx="0" cy="0"/>
+          <a:chOff x="0" y="0"/>
+          <a:chExt cx="0" cy="0"/>
+        </a:xfrm>
+      </p:grpSpPr>
+      <p:sp>
+        <p:nvSpPr>
+          <p:cNvPr id="106" name="Google Shape;106;p9:notes"/>
+          <p:cNvSpPr>
+            <a:spLocks noGrp="1" noRot="1" noChangeAspect="1"/>
+          </p:cNvSpPr>
+          <p:nvPr>
+            <p:ph type="sldImg" idx="2"/>
+          </p:nvPr>
+        </p:nvSpPr>
+        <p:spPr>
+          <a:xfrm>
+            <a:off x="381300" y="685800"/>
+            <a:ext cx="6096000" cy="3429000"/>
+          </a:xfrm>
+          <a:custGeom>
+            <a:avLst/>
+            <a:gdLst/>
+            <a:ahLst/>
+            <a:cxnLst/>
+            <a:rect l="l" t="t" r="r" b="b"/>
+            <a:pathLst>
+              <a:path w="120000" h="120000" extrusionOk="0">
+                <a:moveTo>
+                  <a:pt x="0" y="0"/>
+                </a:moveTo>
+                <a:lnTo>
+                  <a:pt x="120000" y="0"/>
+                </a:lnTo>
+                <a:lnTo>
+                  <a:pt x="120000" y="120000"/>
+                </a:lnTo>
+                <a:lnTo>
+                  <a:pt x="0" y="120000"/>
+                </a:lnTo>
+                <a:close/>
+              </a:path>
+            </a:pathLst>
+          </a:custGeom>
+          <a:noFill/>
+          <a:ln w="9525" cap="flat" cmpd="sng">
+            <a:solidFill>
+              <a:srgbClr val="000000"/>
+            </a:solidFill>
+            <a:prstDash val="solid"/>
+            <a:round/>
+            <a:headEnd type="none" w="sm" len="sm"/>
+            <a:tailEnd type="none" w="sm" len="sm"/>
+          </a:ln>
+        </p:spPr>
+      </p:sp>
+      <p:sp>
+        <p:nvSpPr>
+          <p:cNvPr id="107" name="Google Shape;107;p9:notes"/>
           <p:cNvSpPr txBox="1">
             <a:spLocks noGrp="1"/>
           </p:cNvSpPr>
@@ -10271,426 +10148,6 @@
   <p:cSld>
     <p:spTree>
       <p:nvGrpSpPr>
-        <p:cNvPr id="1" name="Shape 101"/>
-        <p:cNvGrpSpPr/>
-        <p:nvPr/>
-      </p:nvGrpSpPr>
-      <p:grpSpPr>
-        <a:xfrm>
-          <a:off x="0" y="0"/>
-          <a:ext cx="0" cy="0"/>
-          <a:chOff x="0" y="0"/>
-          <a:chExt cx="0" cy="0"/>
-        </a:xfrm>
-      </p:grpSpPr>
-      <p:pic>
-        <p:nvPicPr>
-          <p:cNvPr id="3" name="Picture 2">
-            <a:extLst>
-              <a:ext uri="{FF2B5EF4-FFF2-40B4-BE49-F238E27FC236}">
-                <a16:creationId xmlns:a16="http://schemas.microsoft.com/office/drawing/2014/main" id="{DC14A976-3EA1-ACB4-AF03-82A9A1F5770E}"/>
-              </a:ext>
-            </a:extLst>
-          </p:cNvPr>
-          <p:cNvPicPr>
-            <a:picLocks noChangeAspect="1"/>
-          </p:cNvPicPr>
-          <p:nvPr/>
-        </p:nvPicPr>
-        <p:blipFill>
-          <a:blip r:embed="rId3"/>
-          <a:stretch>
-            <a:fillRect/>
-          </a:stretch>
-        </p:blipFill>
-        <p:spPr>
-          <a:xfrm>
-            <a:off x="694365" y="2339270"/>
-            <a:ext cx="7755270" cy="2738402"/>
-          </a:xfrm>
-          <a:prstGeom prst="rect">
-            <a:avLst/>
-          </a:prstGeom>
-        </p:spPr>
-      </p:pic>
-      <p:sp>
-        <p:nvSpPr>
-          <p:cNvPr id="102" name="Google Shape;102;p8"/>
-          <p:cNvSpPr txBox="1">
-            <a:spLocks noGrp="1"/>
-          </p:cNvSpPr>
-          <p:nvPr>
-            <p:ph type="title"/>
-          </p:nvPr>
-        </p:nvSpPr>
-        <p:spPr>
-          <a:xfrm>
-            <a:off x="139325" y="0"/>
-            <a:ext cx="8520600" cy="572700"/>
-          </a:xfrm>
-          <a:prstGeom prst="rect">
-            <a:avLst/>
-          </a:prstGeom>
-          <a:noFill/>
-          <a:ln>
-            <a:noFill/>
-          </a:ln>
-        </p:spPr>
-        <p:txBody>
-          <a:bodyPr spcFirstLastPara="1" wrap="square" lIns="91425" tIns="91425" rIns="91425" bIns="91425" anchor="t" anchorCtr="0">
-            <a:normAutofit fontScale="90000"/>
-          </a:bodyPr>
-          <a:lstStyle/>
-          <a:p>
-            <a:pPr marL="0" lvl="0" indent="0" algn="l" rtl="0">
-              <a:lnSpc>
-                <a:spcPct val="100000"/>
-              </a:lnSpc>
-              <a:spcBef>
-                <a:spcPts val="0"/>
-              </a:spcBef>
-              <a:spcAft>
-                <a:spcPts val="0"/>
-              </a:spcAft>
-              <a:buSzPct val="111111"/>
-              <a:buNone/>
-            </a:pPr>
-            <a:r>
-              <a:rPr lang="en" dirty="0"/>
-              <a:t>Authority Response</a:t>
-            </a:r>
-            <a:endParaRPr dirty="0"/>
-          </a:p>
-        </p:txBody>
-      </p:sp>
-      <p:sp>
-        <p:nvSpPr>
-          <p:cNvPr id="104" name="Google Shape;104;p8"/>
-          <p:cNvSpPr txBox="1"/>
-          <p:nvPr/>
-        </p:nvSpPr>
-        <p:spPr>
-          <a:xfrm>
-            <a:off x="139325" y="465635"/>
-            <a:ext cx="8774185" cy="1962045"/>
-          </a:xfrm>
-          <a:prstGeom prst="rect">
-            <a:avLst/>
-          </a:prstGeom>
-          <a:noFill/>
-          <a:ln>
-            <a:noFill/>
-          </a:ln>
-        </p:spPr>
-        <p:txBody>
-          <a:bodyPr spcFirstLastPara="1" wrap="square" lIns="91425" tIns="91425" rIns="91425" bIns="91425" anchor="t" anchorCtr="0">
-            <a:spAutoFit/>
-          </a:bodyPr>
-          <a:lstStyle/>
-          <a:p>
-            <a:pPr marL="0" lvl="0" indent="0" algn="l" rtl="0">
-              <a:spcBef>
-                <a:spcPts val="0"/>
-              </a:spcBef>
-              <a:spcAft>
-                <a:spcPts val="0"/>
-              </a:spcAft>
-              <a:buClr>
-                <a:schemeClr val="dk1"/>
-              </a:buClr>
-              <a:buSzPts val="1100"/>
-              <a:buFont typeface="Arial"/>
-              <a:buNone/>
-            </a:pPr>
-            <a:r>
-              <a:rPr lang="en" sz="1050" b="1" dirty="0">
-                <a:solidFill>
-                  <a:schemeClr val="dk1"/>
-                </a:solidFill>
-              </a:rPr>
-              <a:t>Assignment</a:t>
-            </a:r>
-            <a:r>
-              <a:rPr lang="en" sz="1050" dirty="0">
-                <a:solidFill>
-                  <a:schemeClr val="dk1"/>
-                </a:solidFill>
-              </a:rPr>
-              <a:t>: Officials are assigned to monitor, prevent, contain, and mitigate the disease outbreak</a:t>
-            </a:r>
-          </a:p>
-          <a:p>
-            <a:pPr marL="0" lvl="0" indent="0" algn="l" rtl="0">
-              <a:spcBef>
-                <a:spcPts val="0"/>
-              </a:spcBef>
-              <a:spcAft>
-                <a:spcPts val="0"/>
-              </a:spcAft>
-              <a:buClr>
-                <a:schemeClr val="dk1"/>
-              </a:buClr>
-              <a:buSzPts val="1100"/>
-              <a:buFont typeface="Arial"/>
-              <a:buNone/>
-            </a:pPr>
-            <a:r>
-              <a:rPr lang="en" sz="1050" b="1" dirty="0">
-                <a:solidFill>
-                  <a:schemeClr val="dk1"/>
-                </a:solidFill>
-              </a:rPr>
-              <a:t>Inspection: </a:t>
-            </a:r>
-            <a:r>
-              <a:rPr lang="en" sz="1050" dirty="0">
-                <a:solidFill>
-                  <a:schemeClr val="dk1"/>
-                </a:solidFill>
-              </a:rPr>
-              <a:t>Officials inspect the source of the disease to devise countermeasures</a:t>
-            </a:r>
-          </a:p>
-          <a:p>
-            <a:pPr>
-              <a:buClr>
-                <a:schemeClr val="dk1"/>
-              </a:buClr>
-              <a:buSzPts val="1100"/>
-            </a:pPr>
-            <a:r>
-              <a:rPr lang="en" sz="1050" b="1" dirty="0">
-                <a:solidFill>
-                  <a:schemeClr val="dk1"/>
-                </a:solidFill>
-              </a:rPr>
-              <a:t>Destruction</a:t>
-            </a:r>
-            <a:r>
-              <a:rPr lang="en" sz="1050" dirty="0">
-                <a:solidFill>
-                  <a:schemeClr val="dk1"/>
-                </a:solidFill>
-              </a:rPr>
-              <a:t>: </a:t>
-            </a:r>
-            <a:r>
-              <a:rPr lang="en-US" sz="1050" dirty="0">
-                <a:solidFill>
-                  <a:schemeClr val="dk1"/>
-                </a:solidFill>
-              </a:rPr>
-              <a:t>Government destroys the source of the disease, for example, Haiti demolished the fishing nuts where the Cholera epidemic started.</a:t>
-            </a:r>
-          </a:p>
-          <a:p>
-            <a:pPr>
-              <a:buClr>
-                <a:schemeClr val="dk1"/>
-              </a:buClr>
-              <a:buSzPts val="1100"/>
-            </a:pPr>
-            <a:r>
-              <a:rPr lang="en" sz="1050" b="1" dirty="0">
-                <a:solidFill>
-                  <a:schemeClr val="dk1"/>
-                </a:solidFill>
-              </a:rPr>
-              <a:t>Gov Health Decree</a:t>
-            </a:r>
-            <a:r>
-              <a:rPr lang="en" sz="1050" dirty="0">
-                <a:solidFill>
-                  <a:schemeClr val="dk1"/>
-                </a:solidFill>
-              </a:rPr>
-              <a:t>: Legislations were issued fighting the disease outbreak by government</a:t>
-            </a:r>
-          </a:p>
-          <a:p>
-            <a:pPr>
-              <a:buClr>
-                <a:schemeClr val="dk1"/>
-              </a:buClr>
-              <a:buSzPts val="1100"/>
-            </a:pPr>
-            <a:r>
-              <a:rPr lang="en" sz="1050" b="1" dirty="0">
-                <a:solidFill>
-                  <a:schemeClr val="dk1"/>
-                </a:solidFill>
-              </a:rPr>
-              <a:t>Information Campaign</a:t>
-            </a:r>
-            <a:r>
-              <a:rPr lang="en" sz="1050" dirty="0">
-                <a:solidFill>
-                  <a:schemeClr val="dk1"/>
-                </a:solidFill>
-              </a:rPr>
-              <a:t>: Use of media to inform public about the disease</a:t>
-            </a:r>
-          </a:p>
-          <a:p>
-            <a:pPr>
-              <a:buClr>
-                <a:schemeClr val="dk1"/>
-              </a:buClr>
-              <a:buSzPts val="1100"/>
-            </a:pPr>
-            <a:r>
-              <a:rPr lang="en" sz="1050" b="1" dirty="0">
-                <a:solidFill>
-                  <a:schemeClr val="dk1"/>
-                </a:solidFill>
-              </a:rPr>
-              <a:t>Debunk Misinformation</a:t>
-            </a:r>
-            <a:r>
-              <a:rPr lang="en" sz="1050" dirty="0">
-                <a:solidFill>
-                  <a:schemeClr val="dk1"/>
-                </a:solidFill>
-              </a:rPr>
-              <a:t>: Debunking misinformation of related to the disease outbreak</a:t>
-            </a:r>
-          </a:p>
-          <a:p>
-            <a:pPr>
-              <a:buClr>
-                <a:schemeClr val="dk1"/>
-              </a:buClr>
-              <a:buSzPts val="1100"/>
-            </a:pPr>
-            <a:r>
-              <a:rPr lang="en" sz="1050" b="1" dirty="0">
-                <a:solidFill>
-                  <a:schemeClr val="dk1"/>
-                </a:solidFill>
-              </a:rPr>
-              <a:t>Close Border</a:t>
-            </a:r>
-            <a:r>
-              <a:rPr lang="en" sz="1050" dirty="0">
-                <a:solidFill>
-                  <a:schemeClr val="dk1"/>
-                </a:solidFill>
-              </a:rPr>
-              <a:t>: Border were closed to slow the spread of the virus</a:t>
-            </a:r>
-          </a:p>
-          <a:p>
-            <a:pPr>
-              <a:buClr>
-                <a:schemeClr val="dk1"/>
-              </a:buClr>
-              <a:buSzPts val="1100"/>
-            </a:pPr>
-            <a:r>
-              <a:rPr lang="en" sz="1050" b="1" dirty="0">
-                <a:solidFill>
-                  <a:schemeClr val="dk1"/>
-                </a:solidFill>
-              </a:rPr>
-              <a:t>Distribute</a:t>
-            </a:r>
-            <a:r>
-              <a:rPr lang="en" sz="1050" dirty="0">
-                <a:solidFill>
-                  <a:schemeClr val="dk1"/>
-                </a:solidFill>
-              </a:rPr>
-              <a:t>: Distributing the vaccines of the virus</a:t>
-            </a:r>
-          </a:p>
-          <a:p>
-            <a:pPr>
-              <a:buClr>
-                <a:schemeClr val="dk1"/>
-              </a:buClr>
-              <a:buSzPts val="1100"/>
-            </a:pPr>
-            <a:r>
-              <a:rPr lang="en" sz="1050" b="1" dirty="0">
-                <a:solidFill>
-                  <a:schemeClr val="dk1"/>
-                </a:solidFill>
-              </a:rPr>
-              <a:t>Financial Aid</a:t>
-            </a:r>
-            <a:r>
-              <a:rPr lang="en" sz="1050" dirty="0">
-                <a:solidFill>
-                  <a:schemeClr val="dk1"/>
-                </a:solidFill>
-              </a:rPr>
-              <a:t>: Financial assistance with food, housing and bills</a:t>
-            </a:r>
-          </a:p>
-          <a:p>
-            <a:pPr>
-              <a:buClr>
-                <a:schemeClr val="dk1"/>
-              </a:buClr>
-              <a:buSzPts val="1100"/>
-            </a:pPr>
-            <a:r>
-              <a:rPr lang="en" sz="1050" b="1" dirty="0" err="1">
-                <a:solidFill>
-                  <a:schemeClr val="dk1"/>
-                </a:solidFill>
-              </a:rPr>
-              <a:t>ExchangeBuySell</a:t>
-            </a:r>
-            <a:r>
-              <a:rPr lang="en" sz="1050" dirty="0">
-                <a:solidFill>
-                  <a:schemeClr val="dk1"/>
-                </a:solidFill>
-              </a:rPr>
-              <a:t>: Buying, selling or exchanging goods related to the disease outbreak</a:t>
-            </a:r>
-          </a:p>
-          <a:p>
-            <a:pPr>
-              <a:buClr>
-                <a:schemeClr val="dk1"/>
-              </a:buClr>
-              <a:buSzPts val="1100"/>
-            </a:pPr>
-            <a:r>
-              <a:rPr lang="en" sz="1050" b="1" dirty="0">
-                <a:solidFill>
-                  <a:schemeClr val="dk1"/>
-                </a:solidFill>
-              </a:rPr>
-              <a:t>Donate</a:t>
-            </a:r>
-            <a:r>
-              <a:rPr lang="en" sz="1050" dirty="0">
-                <a:solidFill>
-                  <a:schemeClr val="dk1"/>
-                </a:solidFill>
-              </a:rPr>
-              <a:t>: Charitable activities related to the disease outbreak</a:t>
-            </a:r>
-            <a:endParaRPr dirty="0"/>
-          </a:p>
-        </p:txBody>
-      </p:sp>
-    </p:spTree>
-  </p:cSld>
-  <p:clrMapOvr>
-    <a:masterClrMapping/>
-  </p:clrMapOvr>
-</p:sld>
-</file>
-
-<file path=ppt/slides/slide11.xml><?xml version="1.0" encoding="utf-8"?>
-<p:sld xmlns:a="http://schemas.openxmlformats.org/drawingml/2006/main" xmlns:r="http://schemas.openxmlformats.org/officeDocument/2006/relationships" xmlns:p="http://schemas.openxmlformats.org/presentationml/2006/main">
-  <p:cSld>
-    <p:spTree>
-      <p:nvGrpSpPr>
         <p:cNvPr id="1" name="Shape 108"/>
         <p:cNvGrpSpPr/>
         <p:nvPr/>
@@ -11369,7 +10826,7 @@
 </p:sld>
 </file>
 
-<file path=ppt/slides/slide12.xml><?xml version="1.0" encoding="utf-8"?>
+<file path=ppt/slides/slide11.xml><?xml version="1.0" encoding="utf-8"?>
 <p:sld xmlns:a="http://schemas.openxmlformats.org/drawingml/2006/main" xmlns:r="http://schemas.openxmlformats.org/officeDocument/2006/relationships" xmlns:p="http://schemas.openxmlformats.org/presentationml/2006/main">
   <p:cSld>
     <p:spTree>
@@ -11765,7 +11222,7 @@
 </p:sld>
 </file>
 
-<file path=ppt/slides/slide13.xml><?xml version="1.0" encoding="utf-8"?>
+<file path=ppt/slides/slide12.xml><?xml version="1.0" encoding="utf-8"?>
 <p:sld xmlns:a="http://schemas.openxmlformats.org/drawingml/2006/main" xmlns:r="http://schemas.openxmlformats.org/officeDocument/2006/relationships" xmlns:p="http://schemas.openxmlformats.org/presentationml/2006/main">
   <p:cSld>
     <p:spTree>
@@ -12293,30 +11750,32 @@
       </p:sp>
       <p:pic>
         <p:nvPicPr>
-          <p:cNvPr id="61" name="Google Shape;61;p2"/>
-          <p:cNvPicPr preferRelativeResize="0"/>
+          <p:cNvPr id="2" name="Picture 1">
+            <a:extLst>
+              <a:ext uri="{FF2B5EF4-FFF2-40B4-BE49-F238E27FC236}">
+                <a16:creationId xmlns:a16="http://schemas.microsoft.com/office/drawing/2014/main" id="{26AF9A11-EC8C-4DAD-3962-6412E24FC4C6}"/>
+              </a:ext>
+            </a:extLst>
+          </p:cNvPr>
+          <p:cNvPicPr>
+            <a:picLocks noChangeAspect="1"/>
+          </p:cNvPicPr>
           <p:nvPr/>
         </p:nvPicPr>
         <p:blipFill>
-          <a:blip r:embed="rId3">
-            <a:alphaModFix/>
-          </a:blip>
+          <a:blip r:embed="rId3"/>
           <a:stretch>
             <a:fillRect/>
           </a:stretch>
         </p:blipFill>
         <p:spPr>
           <a:xfrm>
-            <a:off x="482175" y="1017725"/>
-            <a:ext cx="8179656" cy="3820975"/>
+            <a:off x="311700" y="1059668"/>
+            <a:ext cx="8070574" cy="3638807"/>
           </a:xfrm>
           <a:prstGeom prst="rect">
             <a:avLst/>
           </a:prstGeom>
-          <a:noFill/>
-          <a:ln>
-            <a:noFill/>
-          </a:ln>
         </p:spPr>
       </p:pic>
     </p:spTree>
@@ -12932,36 +12391,6 @@
           <a:chExt cx="0" cy="0"/>
         </a:xfrm>
       </p:grpSpPr>
-      <p:pic>
-        <p:nvPicPr>
-          <p:cNvPr id="5" name="Picture 4">
-            <a:extLst>
-              <a:ext uri="{FF2B5EF4-FFF2-40B4-BE49-F238E27FC236}">
-                <a16:creationId xmlns:a16="http://schemas.microsoft.com/office/drawing/2014/main" id="{D178A332-6A09-60E1-8FD8-8BD65905FDAB}"/>
-              </a:ext>
-            </a:extLst>
-          </p:cNvPr>
-          <p:cNvPicPr>
-            <a:picLocks noChangeAspect="1"/>
-          </p:cNvPicPr>
-          <p:nvPr/>
-        </p:nvPicPr>
-        <p:blipFill>
-          <a:blip r:embed="rId3"/>
-          <a:stretch>
-            <a:fillRect/>
-          </a:stretch>
-        </p:blipFill>
-        <p:spPr>
-          <a:xfrm>
-            <a:off x="1041129" y="2754827"/>
-            <a:ext cx="7015942" cy="2358913"/>
-          </a:xfrm>
-          <a:prstGeom prst="rect">
-            <a:avLst/>
-          </a:prstGeom>
-        </p:spPr>
-      </p:pic>
       <p:sp>
         <p:nvSpPr>
           <p:cNvPr id="73" name="Google Shape;73;p4"/>
@@ -13006,7 +12435,7 @@
             </a:pPr>
             <a:r>
               <a:rPr lang="en" dirty="0"/>
-              <a:t>Onset</a:t>
+              <a:t>Outbreak</a:t>
             </a:r>
             <a:endParaRPr dirty="0"/>
           </a:p>
@@ -13021,7 +12450,7 @@
         <p:spPr>
           <a:xfrm>
             <a:off x="175574" y="346606"/>
-            <a:ext cx="8294400" cy="2616070"/>
+            <a:ext cx="8294400" cy="2728409"/>
           </a:xfrm>
           <a:prstGeom prst="rect">
             <a:avLst/>
@@ -13052,7 +12481,7 @@
                   <a:schemeClr val="dk1"/>
                 </a:solidFill>
               </a:rPr>
-              <a:t>Contaminate Substance: </a:t>
+              <a:t>Mutation: </a:t>
             </a:r>
             <a:r>
               <a:rPr lang="en-US" sz="1000" dirty="0">
@@ -13060,34 +12489,7 @@
                   <a:schemeClr val="dk1"/>
                 </a:solidFill>
               </a:rPr>
-              <a:t>Presence of an unwanted constituent, harmful substance or impurity in a material, physical body, or environment. Contaminated object could be food, liquid or air.</a:t>
-            </a:r>
-          </a:p>
-          <a:p>
-            <a:pPr>
-              <a:lnSpc>
-                <a:spcPct val="115000"/>
-              </a:lnSpc>
-              <a:buClr>
-                <a:schemeClr val="dk1"/>
-              </a:buClr>
-              <a:buSzPts val="1100"/>
-            </a:pPr>
-            <a:r>
-              <a:rPr lang="en-US" sz="1000" b="1" dirty="0">
-                <a:solidFill>
-                  <a:schemeClr val="dk1"/>
-                </a:solidFill>
-              </a:rPr>
-              <a:t>Purchase Contaminated Object: </a:t>
-            </a:r>
-            <a:r>
-              <a:rPr lang="en-US" sz="1000" dirty="0">
-                <a:solidFill>
-                  <a:schemeClr val="dk1"/>
-                </a:solidFill>
-              </a:rPr>
-              <a:t>Optionally, the victim purchases the contaminated food or liquid. </a:t>
+              <a:t>The virus may undergo an alteration in the nucleotide sequence of the genome during the disease outbreak</a:t>
             </a:r>
             <a:endParaRPr lang="en" sz="1000" dirty="0">
               <a:solidFill>
@@ -13111,7 +12513,7 @@
                   <a:schemeClr val="dk1"/>
                 </a:solidFill>
               </a:rPr>
-              <a:t>Consume: </a:t>
+              <a:t>Contaminate Substance: </a:t>
             </a:r>
             <a:r>
               <a:rPr lang="en-US" sz="1000" dirty="0">
@@ -13119,7 +12521,7 @@
                   <a:schemeClr val="dk1"/>
                 </a:solidFill>
               </a:rPr>
-              <a:t>Consumption of a substance by an organism.</a:t>
+              <a:t>Presence of an unwanted constituent, harmful substance or impurity in a material, physical body, or environment. Contaminated object could be food, liquid or air.</a:t>
             </a:r>
           </a:p>
           <a:p>
@@ -13138,6 +12540,65 @@
                   <a:schemeClr val="dk1"/>
                 </a:solidFill>
               </a:rPr>
+              <a:t>Purchase Contaminated Object: </a:t>
+            </a:r>
+            <a:r>
+              <a:rPr lang="en-US" sz="1000" dirty="0">
+                <a:solidFill>
+                  <a:schemeClr val="dk1"/>
+                </a:solidFill>
+              </a:rPr>
+              <a:t>Optionally, the victim purchases the contaminated food or liquid. </a:t>
+            </a:r>
+            <a:endParaRPr lang="en" sz="1000" dirty="0">
+              <a:solidFill>
+                <a:schemeClr val="dk1"/>
+              </a:solidFill>
+            </a:endParaRPr>
+          </a:p>
+          <a:p>
+            <a:pPr>
+              <a:lnSpc>
+                <a:spcPct val="115000"/>
+              </a:lnSpc>
+              <a:buClr>
+                <a:schemeClr val="dk1"/>
+              </a:buClr>
+              <a:buSzPts val="1100"/>
+            </a:pPr>
+            <a:r>
+              <a:rPr lang="en" sz="1000" b="1" dirty="0">
+                <a:solidFill>
+                  <a:schemeClr val="dk1"/>
+                </a:solidFill>
+              </a:rPr>
+              <a:t>Consume: </a:t>
+            </a:r>
+            <a:r>
+              <a:rPr lang="en-US" sz="1000" dirty="0">
+                <a:solidFill>
+                  <a:schemeClr val="dk1"/>
+                </a:solidFill>
+              </a:rPr>
+              <a:t>Consumption of a substance by an organism.</a:t>
+            </a:r>
+          </a:p>
+          <a:p>
+            <a:pPr>
+              <a:lnSpc>
+                <a:spcPct val="115000"/>
+              </a:lnSpc>
+              <a:buClr>
+                <a:schemeClr val="dk1"/>
+              </a:buClr>
+              <a:buSzPts val="1100"/>
+            </a:pPr>
+            <a:r>
+              <a:rPr lang="en-US" sz="1000" b="1" dirty="0">
+                <a:solidFill>
+                  <a:schemeClr val="dk1"/>
+                </a:solidFill>
+              </a:rPr>
               <a:t>Transmission:</a:t>
             </a:r>
             <a:r>
@@ -13146,7 +12607,7 @@
                   <a:schemeClr val="dk1"/>
                 </a:solidFill>
               </a:rPr>
-              <a:t> passing of a pathogen causing communicable disease from an infected host individual or group to other individual or group, regardless of whether the other individual was previously infected </a:t>
+              <a:t> passing of a pathogen causing communicable disease from an infected host individual or group to other individual or group</a:t>
             </a:r>
           </a:p>
           <a:p>
@@ -13205,7 +12666,7 @@
                   <a:schemeClr val="dk1"/>
                 </a:solidFill>
               </a:rPr>
-              <a:t>Early Illness</a:t>
+              <a:t>Illness</a:t>
             </a:r>
             <a:r>
               <a:rPr lang="en" sz="1000" dirty="0">
@@ -13317,10 +12778,74 @@
               </a:rPr>
               <a:t>: Alerting and reporting the detected outbreak to state and local public health authorities</a:t>
             </a:r>
-            <a:endParaRPr sz="1200" dirty="0"/>
+          </a:p>
+          <a:p>
+            <a:pPr marL="0" lvl="0" indent="0" algn="l" rtl="0">
+              <a:lnSpc>
+                <a:spcPct val="115000"/>
+              </a:lnSpc>
+              <a:spcBef>
+                <a:spcPts val="600"/>
+              </a:spcBef>
+              <a:spcAft>
+                <a:spcPts val="0"/>
+              </a:spcAft>
+              <a:buClr>
+                <a:schemeClr val="dk1"/>
+              </a:buClr>
+              <a:buSzPts val="1100"/>
+              <a:buFont typeface="Arial"/>
+              <a:buNone/>
+            </a:pPr>
+            <a:r>
+              <a:rPr lang="en-US" sz="1000" b="1" dirty="0">
+                <a:solidFill>
+                  <a:schemeClr val="dk1"/>
+                </a:solidFill>
+              </a:rPr>
+              <a:t>Construction</a:t>
+            </a:r>
+            <a:r>
+              <a:rPr lang="en-US" sz="1000" dirty="0">
+                <a:solidFill>
+                  <a:schemeClr val="dk1"/>
+                </a:solidFill>
+              </a:rPr>
+              <a:t>: Field hospitals may be constructed to accommodate patients during the outbreak</a:t>
+            </a:r>
           </a:p>
         </p:txBody>
       </p:sp>
+      <p:pic>
+        <p:nvPicPr>
+          <p:cNvPr id="3" name="Picture 2">
+            <a:extLst>
+              <a:ext uri="{FF2B5EF4-FFF2-40B4-BE49-F238E27FC236}">
+                <a16:creationId xmlns:a16="http://schemas.microsoft.com/office/drawing/2014/main" id="{682D208F-BD64-3083-3DCE-168DDB59A530}"/>
+              </a:ext>
+            </a:extLst>
+          </p:cNvPr>
+          <p:cNvPicPr>
+            <a:picLocks noChangeAspect="1"/>
+          </p:cNvPicPr>
+          <p:nvPr/>
+        </p:nvPicPr>
+        <p:blipFill>
+          <a:blip r:embed="rId3"/>
+          <a:stretch>
+            <a:fillRect/>
+          </a:stretch>
+        </p:blipFill>
+        <p:spPr>
+          <a:xfrm>
+            <a:off x="990581" y="3139648"/>
+            <a:ext cx="6664385" cy="1764932"/>
+          </a:xfrm>
+          <a:prstGeom prst="rect">
+            <a:avLst/>
+          </a:prstGeom>
+        </p:spPr>
+      </p:pic>
     </p:spTree>
     <p:extLst>
       <p:ext uri="{BB962C8B-B14F-4D97-AF65-F5344CB8AC3E}">
@@ -13335,6 +12860,451 @@
 </file>
 
 <file path=ppt/slides/slide6.xml><?xml version="1.0" encoding="utf-8"?>
+<p:sld xmlns:a="http://schemas.openxmlformats.org/drawingml/2006/main" xmlns:r="http://schemas.openxmlformats.org/officeDocument/2006/relationships" xmlns:p="http://schemas.openxmlformats.org/presentationml/2006/main">
+  <p:cSld>
+    <p:spTree>
+      <p:nvGrpSpPr>
+        <p:cNvPr id="1" name=""/>
+        <p:cNvGrpSpPr/>
+        <p:nvPr/>
+      </p:nvGrpSpPr>
+      <p:grpSpPr>
+        <a:xfrm>
+          <a:off x="0" y="0"/>
+          <a:ext cx="0" cy="0"/>
+          <a:chOff x="0" y="0"/>
+          <a:chExt cx="0" cy="0"/>
+        </a:xfrm>
+      </p:grpSpPr>
+      <p:pic>
+        <p:nvPicPr>
+          <p:cNvPr id="4" name="Picture 3">
+            <a:extLst>
+              <a:ext uri="{FF2B5EF4-FFF2-40B4-BE49-F238E27FC236}">
+                <a16:creationId xmlns:a16="http://schemas.microsoft.com/office/drawing/2014/main" id="{E3CF888B-217B-6E9F-8EEB-C2E8F53B18F4}"/>
+              </a:ext>
+            </a:extLst>
+          </p:cNvPr>
+          <p:cNvPicPr>
+            <a:picLocks noChangeAspect="1"/>
+          </p:cNvPicPr>
+          <p:nvPr/>
+        </p:nvPicPr>
+        <p:blipFill>
+          <a:blip r:embed="rId2"/>
+          <a:stretch>
+            <a:fillRect/>
+          </a:stretch>
+        </p:blipFill>
+        <p:spPr>
+          <a:xfrm>
+            <a:off x="2913233" y="0"/>
+            <a:ext cx="6116391" cy="5143500"/>
+          </a:xfrm>
+          <a:prstGeom prst="rect">
+            <a:avLst/>
+          </a:prstGeom>
+        </p:spPr>
+      </p:pic>
+      <p:sp>
+        <p:nvSpPr>
+          <p:cNvPr id="2" name="Title 1">
+            <a:extLst>
+              <a:ext uri="{FF2B5EF4-FFF2-40B4-BE49-F238E27FC236}">
+                <a16:creationId xmlns:a16="http://schemas.microsoft.com/office/drawing/2014/main" id="{31271C2A-38F7-A648-16BD-D9E45F5FAAAB}"/>
+              </a:ext>
+            </a:extLst>
+          </p:cNvPr>
+          <p:cNvSpPr>
+            <a:spLocks noGrp="1"/>
+          </p:cNvSpPr>
+          <p:nvPr>
+            <p:ph type="title"/>
+          </p:nvPr>
+        </p:nvSpPr>
+        <p:spPr>
+          <a:xfrm>
+            <a:off x="114376" y="63362"/>
+            <a:ext cx="2798857" cy="572700"/>
+          </a:xfrm>
+        </p:spPr>
+        <p:txBody>
+          <a:bodyPr>
+            <a:normAutofit fontScale="90000"/>
+          </a:bodyPr>
+          <a:lstStyle/>
+          <a:p>
+            <a:r>
+              <a:rPr lang="en-US" dirty="0"/>
+              <a:t>Medical Response</a:t>
+            </a:r>
+          </a:p>
+        </p:txBody>
+      </p:sp>
+      <p:sp>
+        <p:nvSpPr>
+          <p:cNvPr id="6" name="TextBox 5">
+            <a:extLst>
+              <a:ext uri="{FF2B5EF4-FFF2-40B4-BE49-F238E27FC236}">
+                <a16:creationId xmlns:a16="http://schemas.microsoft.com/office/drawing/2014/main" id="{20A07CB2-6F58-A739-DE8C-6C4FAC1E3765}"/>
+              </a:ext>
+            </a:extLst>
+          </p:cNvPr>
+          <p:cNvSpPr txBox="1"/>
+          <p:nvPr/>
+        </p:nvSpPr>
+        <p:spPr>
+          <a:xfrm>
+            <a:off x="0" y="636062"/>
+            <a:ext cx="2913233" cy="3624390"/>
+          </a:xfrm>
+          <a:prstGeom prst="rect">
+            <a:avLst/>
+          </a:prstGeom>
+          <a:noFill/>
+        </p:spPr>
+        <p:txBody>
+          <a:bodyPr wrap="square">
+            <a:spAutoFit/>
+          </a:bodyPr>
+          <a:lstStyle/>
+          <a:p>
+            <a:pPr marL="0" lvl="0" indent="0" algn="l" rtl="0">
+              <a:lnSpc>
+                <a:spcPct val="115000"/>
+              </a:lnSpc>
+              <a:spcBef>
+                <a:spcPts val="0"/>
+              </a:spcBef>
+              <a:spcAft>
+                <a:spcPts val="0"/>
+              </a:spcAft>
+              <a:buClr>
+                <a:schemeClr val="dk1"/>
+              </a:buClr>
+              <a:buSzPts val="1100"/>
+              <a:buFont typeface="Arial"/>
+              <a:buNone/>
+            </a:pPr>
+            <a:r>
+              <a:rPr lang="en-US" sz="1000" b="1" dirty="0">
+                <a:solidFill>
+                  <a:schemeClr val="dk1"/>
+                </a:solidFill>
+              </a:rPr>
+              <a:t>Testing</a:t>
+            </a:r>
+            <a:r>
+              <a:rPr lang="en-US" sz="1000" dirty="0">
+                <a:solidFill>
+                  <a:schemeClr val="dk1"/>
+                </a:solidFill>
+              </a:rPr>
+              <a:t>: A viral test checks specimens from your nose or your mouth to find out if you are currently infected with the virus</a:t>
+            </a:r>
+          </a:p>
+          <a:p>
+            <a:pPr marL="0" lvl="0" indent="0" algn="l" rtl="0">
+              <a:lnSpc>
+                <a:spcPct val="115000"/>
+              </a:lnSpc>
+              <a:spcBef>
+                <a:spcPts val="600"/>
+              </a:spcBef>
+              <a:spcAft>
+                <a:spcPts val="0"/>
+              </a:spcAft>
+              <a:buClr>
+                <a:schemeClr val="dk1"/>
+              </a:buClr>
+              <a:buSzPts val="1100"/>
+              <a:buFont typeface="Arial"/>
+              <a:buNone/>
+            </a:pPr>
+            <a:r>
+              <a:rPr lang="en-US" sz="1000" b="1" dirty="0">
+                <a:solidFill>
+                  <a:schemeClr val="dk1"/>
+                </a:solidFill>
+              </a:rPr>
+              <a:t>Diagnosis</a:t>
+            </a:r>
+            <a:r>
+              <a:rPr lang="en-US" sz="1000" dirty="0">
+                <a:solidFill>
+                  <a:schemeClr val="dk1"/>
+                </a:solidFill>
+              </a:rPr>
+              <a:t>: Medical diagnosis on infection of the virus in the disease outbreak</a:t>
+            </a:r>
+          </a:p>
+          <a:p>
+            <a:pPr marL="0" lvl="0" indent="0" algn="l" rtl="0">
+              <a:lnSpc>
+                <a:spcPct val="115000"/>
+              </a:lnSpc>
+              <a:spcBef>
+                <a:spcPts val="600"/>
+              </a:spcBef>
+              <a:spcAft>
+                <a:spcPts val="0"/>
+              </a:spcAft>
+              <a:buClr>
+                <a:schemeClr val="dk1"/>
+              </a:buClr>
+              <a:buSzPts val="1100"/>
+              <a:buFont typeface="Arial"/>
+              <a:buNone/>
+            </a:pPr>
+            <a:r>
+              <a:rPr lang="en-US" sz="1000" b="1" dirty="0" err="1">
+                <a:solidFill>
+                  <a:schemeClr val="dk1"/>
+                </a:solidFill>
+              </a:rPr>
+              <a:t>IdentifyDiseaseSource</a:t>
+            </a:r>
+            <a:r>
+              <a:rPr lang="en-US" sz="1000" dirty="0">
+                <a:solidFill>
+                  <a:schemeClr val="dk1"/>
+                </a:solidFill>
+              </a:rPr>
+              <a:t>: Identify the source of the disease and name the disease if unknown.</a:t>
+            </a:r>
+          </a:p>
+          <a:p>
+            <a:pPr marL="0" lvl="0" indent="0" algn="l" rtl="0">
+              <a:lnSpc>
+                <a:spcPct val="115000"/>
+              </a:lnSpc>
+              <a:spcBef>
+                <a:spcPts val="600"/>
+              </a:spcBef>
+              <a:spcAft>
+                <a:spcPts val="0"/>
+              </a:spcAft>
+              <a:buClr>
+                <a:schemeClr val="dk1"/>
+              </a:buClr>
+              <a:buSzPts val="1100"/>
+              <a:buFont typeface="Arial"/>
+              <a:buNone/>
+            </a:pPr>
+            <a:r>
+              <a:rPr lang="en-US" sz="1000" b="1" dirty="0">
+                <a:solidFill>
+                  <a:schemeClr val="dk1"/>
+                </a:solidFill>
+              </a:rPr>
+              <a:t>Quarantine: </a:t>
+            </a:r>
+            <a:r>
+              <a:rPr lang="en" sz="1000" dirty="0">
+                <a:solidFill>
+                  <a:schemeClr val="dk1"/>
+                </a:solidFill>
+              </a:rPr>
+              <a:t>Restriction on the movement of people, animals and goods which is intended to prevent the spread of the disease</a:t>
+            </a:r>
+            <a:endParaRPr lang="en-US" sz="1000" dirty="0">
+              <a:solidFill>
+                <a:schemeClr val="dk1"/>
+              </a:solidFill>
+            </a:endParaRPr>
+          </a:p>
+          <a:p>
+            <a:pPr marL="0" lvl="0" indent="0" algn="l" rtl="0">
+              <a:lnSpc>
+                <a:spcPct val="115000"/>
+              </a:lnSpc>
+              <a:spcBef>
+                <a:spcPts val="600"/>
+              </a:spcBef>
+              <a:spcAft>
+                <a:spcPts val="0"/>
+              </a:spcAft>
+              <a:buClr>
+                <a:schemeClr val="dk1"/>
+              </a:buClr>
+              <a:buSzPts val="1100"/>
+              <a:buFont typeface="Arial"/>
+              <a:buNone/>
+            </a:pPr>
+            <a:r>
+              <a:rPr lang="en-US" sz="1000" b="1" dirty="0">
+                <a:solidFill>
+                  <a:schemeClr val="dk1"/>
+                </a:solidFill>
+              </a:rPr>
+              <a:t>Disinfect: </a:t>
+            </a:r>
+            <a:r>
+              <a:rPr lang="en-US" sz="1000" dirty="0">
+                <a:solidFill>
+                  <a:schemeClr val="dk1"/>
+                </a:solidFill>
+              </a:rPr>
+              <a:t>Cleaning surfaces and substances that are within contact of the pathogen</a:t>
+            </a:r>
+          </a:p>
+          <a:p>
+            <a:pPr marL="0" lvl="0" indent="0" algn="l" rtl="0">
+              <a:lnSpc>
+                <a:spcPct val="115000"/>
+              </a:lnSpc>
+              <a:spcBef>
+                <a:spcPts val="600"/>
+              </a:spcBef>
+              <a:spcAft>
+                <a:spcPts val="600"/>
+              </a:spcAft>
+              <a:buNone/>
+            </a:pPr>
+            <a:r>
+              <a:rPr lang="en-US" sz="1000" b="1" dirty="0">
+                <a:solidFill>
+                  <a:schemeClr val="dk1"/>
+                </a:solidFill>
+              </a:rPr>
+              <a:t>Treatment</a:t>
+            </a:r>
+            <a:r>
+              <a:rPr lang="en-US" sz="1000" dirty="0">
+                <a:solidFill>
+                  <a:schemeClr val="dk1"/>
+                </a:solidFill>
+              </a:rPr>
+              <a:t>: Attempted remediation of a health problem due to infection of the virus in the disease outbreak</a:t>
+            </a:r>
+          </a:p>
+          <a:p>
+            <a:pPr marL="0" lvl="0" indent="0" algn="l" rtl="0">
+              <a:lnSpc>
+                <a:spcPct val="115000"/>
+              </a:lnSpc>
+              <a:spcBef>
+                <a:spcPts val="600"/>
+              </a:spcBef>
+              <a:spcAft>
+                <a:spcPts val="600"/>
+              </a:spcAft>
+              <a:buNone/>
+            </a:pPr>
+            <a:r>
+              <a:rPr lang="en-US" sz="1000" b="1" dirty="0">
+                <a:solidFill>
+                  <a:schemeClr val="dk1"/>
+                </a:solidFill>
+              </a:rPr>
+              <a:t>Illness Outcome</a:t>
+            </a:r>
+            <a:r>
+              <a:rPr lang="en-US" sz="1000" dirty="0">
+                <a:solidFill>
+                  <a:schemeClr val="dk1"/>
+                </a:solidFill>
+              </a:rPr>
+              <a:t>:</a:t>
+            </a:r>
+            <a:r>
+              <a:rPr lang="zh-CN" altLang="en-US" sz="1000" dirty="0">
+                <a:solidFill>
+                  <a:schemeClr val="dk1"/>
+                </a:solidFill>
+              </a:rPr>
+              <a:t> </a:t>
+            </a:r>
+            <a:r>
+              <a:rPr lang="en-US" altLang="zh-CN" sz="1000" dirty="0">
+                <a:solidFill>
+                  <a:schemeClr val="dk1"/>
+                </a:solidFill>
+              </a:rPr>
+              <a:t>XOR</a:t>
+            </a:r>
+            <a:r>
+              <a:rPr lang="zh-CN" altLang="en-US" sz="1000" dirty="0">
+                <a:solidFill>
+                  <a:schemeClr val="dk1"/>
+                </a:solidFill>
+              </a:rPr>
+              <a:t> </a:t>
+            </a:r>
+            <a:r>
+              <a:rPr lang="en-US" altLang="zh-CN" sz="1000" dirty="0">
+                <a:solidFill>
+                  <a:schemeClr val="dk1"/>
+                </a:solidFill>
+              </a:rPr>
+              <a:t>relation between Recover and Death </a:t>
+            </a:r>
+            <a:r>
+              <a:rPr lang="en-US" sz="1000" dirty="0">
+                <a:solidFill>
+                  <a:schemeClr val="dk1"/>
+                </a:solidFill>
+              </a:rPr>
+              <a:t> </a:t>
+            </a:r>
+          </a:p>
+        </p:txBody>
+      </p:sp>
+      <p:cxnSp>
+        <p:nvCxnSpPr>
+          <p:cNvPr id="8" name="Straight Arrow Connector 7">
+            <a:extLst>
+              <a:ext uri="{FF2B5EF4-FFF2-40B4-BE49-F238E27FC236}">
+                <a16:creationId xmlns:a16="http://schemas.microsoft.com/office/drawing/2014/main" id="{9A31A866-956B-FE76-17B5-0EE0F6FAC218}"/>
+              </a:ext>
+            </a:extLst>
+          </p:cNvPr>
+          <p:cNvCxnSpPr>
+            <a:cxnSpLocks/>
+          </p:cNvCxnSpPr>
+          <p:nvPr/>
+        </p:nvCxnSpPr>
+        <p:spPr>
+          <a:xfrm flipH="1" flipV="1">
+            <a:off x="8515847" y="477078"/>
+            <a:ext cx="63610" cy="1319917"/>
+          </a:xfrm>
+          <a:prstGeom prst="straightConnector1">
+            <a:avLst/>
+          </a:prstGeom>
+          <a:ln w="12700">
+            <a:tailEnd type="triangle"/>
+          </a:ln>
+        </p:spPr>
+        <p:style>
+          <a:lnRef idx="1">
+            <a:schemeClr val="accent2"/>
+          </a:lnRef>
+          <a:fillRef idx="0">
+            <a:schemeClr val="accent2"/>
+          </a:fillRef>
+          <a:effectRef idx="0">
+            <a:schemeClr val="accent2"/>
+          </a:effectRef>
+          <a:fontRef idx="minor">
+            <a:schemeClr val="tx1"/>
+          </a:fontRef>
+        </p:style>
+      </p:cxnSp>
+    </p:spTree>
+    <p:extLst>
+      <p:ext uri="{BB962C8B-B14F-4D97-AF65-F5344CB8AC3E}">
+        <p14:creationId xmlns:p14="http://schemas.microsoft.com/office/powerpoint/2010/main" val="454517899"/>
+      </p:ext>
+    </p:extLst>
+  </p:cSld>
+  <p:clrMapOvr>
+    <a:masterClrMapping/>
+  </p:clrMapOvr>
+</p:sld>
+</file>
+
+<file path=ppt/slides/slide7.xml><?xml version="1.0" encoding="utf-8"?>
 <p:sld xmlns:a="http://schemas.openxmlformats.org/drawingml/2006/main" xmlns:r="http://schemas.openxmlformats.org/officeDocument/2006/relationships" xmlns:p="http://schemas.openxmlformats.org/presentationml/2006/main">
   <p:cSld>
     <p:spTree>
@@ -13395,175 +13365,9 @@
             </a:pPr>
             <a:r>
               <a:rPr lang="en" dirty="0"/>
-              <a:t>Medical Response</a:t>
+              <a:t>Medical Response (cont.) </a:t>
             </a:r>
             <a:endParaRPr dirty="0"/>
-          </a:p>
-        </p:txBody>
-      </p:sp>
-      <p:sp>
-        <p:nvSpPr>
-          <p:cNvPr id="88" name="Google Shape;88;p6"/>
-          <p:cNvSpPr txBox="1"/>
-          <p:nvPr/>
-        </p:nvSpPr>
-        <p:spPr>
-          <a:xfrm>
-            <a:off x="275980" y="499876"/>
-            <a:ext cx="8520600" cy="1235693"/>
-          </a:xfrm>
-          <a:prstGeom prst="rect">
-            <a:avLst/>
-          </a:prstGeom>
-          <a:noFill/>
-          <a:ln>
-            <a:noFill/>
-          </a:ln>
-        </p:spPr>
-        <p:txBody>
-          <a:bodyPr spcFirstLastPara="1" wrap="square" lIns="91425" tIns="91425" rIns="91425" bIns="91425" anchor="t" anchorCtr="0">
-            <a:spAutoFit/>
-          </a:bodyPr>
-          <a:lstStyle/>
-          <a:p>
-            <a:pPr marL="0" lvl="0" indent="0" algn="l" rtl="0">
-              <a:lnSpc>
-                <a:spcPct val="115000"/>
-              </a:lnSpc>
-              <a:spcBef>
-                <a:spcPts val="0"/>
-              </a:spcBef>
-              <a:spcAft>
-                <a:spcPts val="0"/>
-              </a:spcAft>
-              <a:buClr>
-                <a:schemeClr val="dk1"/>
-              </a:buClr>
-              <a:buSzPts val="1100"/>
-              <a:buFont typeface="Arial"/>
-              <a:buNone/>
-            </a:pPr>
-            <a:r>
-              <a:rPr lang="en" sz="1050" b="1" dirty="0">
-                <a:solidFill>
-                  <a:schemeClr val="dk1"/>
-                </a:solidFill>
-              </a:rPr>
-              <a:t>Testing</a:t>
-            </a:r>
-            <a:r>
-              <a:rPr lang="en" sz="1050" dirty="0">
-                <a:solidFill>
-                  <a:schemeClr val="dk1"/>
-                </a:solidFill>
-              </a:rPr>
-              <a:t>: A viral test checks specimens from your nose or your mouth to find out if you are currently infected with the virus</a:t>
-            </a:r>
-            <a:endParaRPr sz="1050" dirty="0">
-              <a:solidFill>
-                <a:schemeClr val="dk1"/>
-              </a:solidFill>
-            </a:endParaRPr>
-          </a:p>
-          <a:p>
-            <a:pPr marL="0" lvl="0" indent="0" algn="l" rtl="0">
-              <a:lnSpc>
-                <a:spcPct val="115000"/>
-              </a:lnSpc>
-              <a:spcBef>
-                <a:spcPts val="600"/>
-              </a:spcBef>
-              <a:spcAft>
-                <a:spcPts val="0"/>
-              </a:spcAft>
-              <a:buClr>
-                <a:schemeClr val="dk1"/>
-              </a:buClr>
-              <a:buSzPts val="1100"/>
-              <a:buFont typeface="Arial"/>
-              <a:buNone/>
-            </a:pPr>
-            <a:r>
-              <a:rPr lang="en" sz="1050" b="1" dirty="0">
-                <a:solidFill>
-                  <a:schemeClr val="dk1"/>
-                </a:solidFill>
-              </a:rPr>
-              <a:t>Diagnosis</a:t>
-            </a:r>
-            <a:r>
-              <a:rPr lang="en" sz="1050" dirty="0">
-                <a:solidFill>
-                  <a:schemeClr val="dk1"/>
-                </a:solidFill>
-              </a:rPr>
-              <a:t>: Medical diagnosis on infection of the virus in the disease outbreak</a:t>
-            </a:r>
-          </a:p>
-          <a:p>
-            <a:pPr marL="0" lvl="0" indent="0" algn="l" rtl="0">
-              <a:lnSpc>
-                <a:spcPct val="115000"/>
-              </a:lnSpc>
-              <a:spcBef>
-                <a:spcPts val="600"/>
-              </a:spcBef>
-              <a:spcAft>
-                <a:spcPts val="0"/>
-              </a:spcAft>
-              <a:buClr>
-                <a:schemeClr val="dk1"/>
-              </a:buClr>
-              <a:buSzPts val="1100"/>
-              <a:buFont typeface="Arial"/>
-              <a:buNone/>
-            </a:pPr>
-            <a:r>
-              <a:rPr lang="en" sz="1050" b="1" dirty="0">
-                <a:solidFill>
-                  <a:schemeClr val="dk1"/>
-                </a:solidFill>
-              </a:rPr>
-              <a:t>Disinfect: </a:t>
-            </a:r>
-            <a:r>
-              <a:rPr lang="en" sz="1050" dirty="0">
-                <a:solidFill>
-                  <a:schemeClr val="dk1"/>
-                </a:solidFill>
-              </a:rPr>
-              <a:t>Cleaning surfaces and substances that are within contact of the pathogen</a:t>
-            </a:r>
-          </a:p>
-          <a:p>
-            <a:pPr marL="0" lvl="0" indent="0" algn="l" rtl="0">
-              <a:lnSpc>
-                <a:spcPct val="115000"/>
-              </a:lnSpc>
-              <a:spcBef>
-                <a:spcPts val="600"/>
-              </a:spcBef>
-              <a:spcAft>
-                <a:spcPts val="600"/>
-              </a:spcAft>
-              <a:buNone/>
-            </a:pPr>
-            <a:r>
-              <a:rPr lang="en" sz="1050" b="1" dirty="0">
-                <a:solidFill>
-                  <a:schemeClr val="dk1"/>
-                </a:solidFill>
-              </a:rPr>
-              <a:t>Treatment</a:t>
-            </a:r>
-            <a:r>
-              <a:rPr lang="en" sz="1050" dirty="0">
-                <a:solidFill>
-                  <a:schemeClr val="dk1"/>
-                </a:solidFill>
-              </a:rPr>
-              <a:t>: Attempted remediation of a health problem due to infection of the virus in the disease outbreak</a:t>
-            </a:r>
           </a:p>
         </p:txBody>
       </p:sp>
@@ -13575,8 +13379,8 @@
         </p:nvSpPr>
         <p:spPr>
           <a:xfrm>
-            <a:off x="254910" y="1401346"/>
-            <a:ext cx="8634180" cy="1498457"/>
+            <a:off x="114375" y="742441"/>
+            <a:ext cx="2798857" cy="3991062"/>
           </a:xfrm>
           <a:prstGeom prst="rect">
             <a:avLst/>
@@ -13620,164 +13424,170 @@
               </a:rPr>
               <a:t>Contact tracing identifies persons who may have come into contact with an infected person during the disease outbreak</a:t>
             </a:r>
+          </a:p>
+          <a:p>
+            <a:pPr>
+              <a:lnSpc>
+                <a:spcPct val="115000"/>
+              </a:lnSpc>
+              <a:spcBef>
+                <a:spcPts val="600"/>
+              </a:spcBef>
+              <a:buClr>
+                <a:schemeClr val="dk1"/>
+              </a:buClr>
+              <a:buSzPts val="1100"/>
+            </a:pPr>
+            <a:r>
+              <a:rPr lang="en-US" sz="1050" b="1" dirty="0">
+                <a:solidFill>
+                  <a:schemeClr val="dk1"/>
+                </a:solidFill>
+              </a:rPr>
+              <a:t>Gather Data: </a:t>
+            </a:r>
+            <a:r>
+              <a:rPr lang="en-US" sz="1050" dirty="0">
+                <a:solidFill>
+                  <a:schemeClr val="dk1"/>
+                </a:solidFill>
+              </a:rPr>
+              <a:t>Epidemiologic data collection</a:t>
+            </a:r>
+          </a:p>
+          <a:p>
+            <a:pPr>
+              <a:lnSpc>
+                <a:spcPct val="115000"/>
+              </a:lnSpc>
+              <a:spcBef>
+                <a:spcPts val="600"/>
+              </a:spcBef>
+              <a:buClr>
+                <a:schemeClr val="dk1"/>
+              </a:buClr>
+              <a:buSzPts val="1100"/>
+            </a:pPr>
+            <a:r>
+              <a:rPr lang="en-US" sz="1050" b="1" dirty="0">
+                <a:solidFill>
+                  <a:schemeClr val="dk1"/>
+                </a:solidFill>
+              </a:rPr>
+              <a:t>Analyze Data</a:t>
+            </a:r>
+            <a:r>
+              <a:rPr lang="en-US" sz="1050" dirty="0">
+                <a:solidFill>
+                  <a:schemeClr val="dk1"/>
+                </a:solidFill>
+              </a:rPr>
+              <a:t>: process of applying analytical methods to existing data of a specific type</a:t>
+            </a:r>
+          </a:p>
+          <a:p>
+            <a:pPr>
+              <a:lnSpc>
+                <a:spcPct val="115000"/>
+              </a:lnSpc>
+              <a:spcBef>
+                <a:spcPts val="600"/>
+              </a:spcBef>
+              <a:buClr>
+                <a:schemeClr val="dk1"/>
+              </a:buClr>
+              <a:buSzPts val="1100"/>
+            </a:pPr>
+            <a:r>
+              <a:rPr lang="en-US" sz="1050" b="1" dirty="0">
+                <a:solidFill>
+                  <a:schemeClr val="dk1"/>
+                </a:solidFill>
+              </a:rPr>
+              <a:t>Collect Lab Samples: </a:t>
+            </a:r>
+            <a:r>
+              <a:rPr lang="en-US" sz="1050" dirty="0">
+                <a:solidFill>
+                  <a:schemeClr val="dk1"/>
+                </a:solidFill>
+              </a:rPr>
+              <a:t>Collecting and processing samples with the pathogen. These samples may not from the patient directly, but include food, water, surfaces, animals etc.</a:t>
+            </a:r>
+          </a:p>
+          <a:p>
+            <a:pPr>
+              <a:lnSpc>
+                <a:spcPct val="115000"/>
+              </a:lnSpc>
+              <a:spcBef>
+                <a:spcPts val="600"/>
+              </a:spcBef>
+              <a:buClr>
+                <a:schemeClr val="dk1"/>
+              </a:buClr>
+              <a:buSzPts val="1100"/>
+            </a:pPr>
+            <a:r>
+              <a:rPr lang="en-US" sz="1050" b="1" dirty="0">
+                <a:solidFill>
+                  <a:schemeClr val="dk1"/>
+                </a:solidFill>
+              </a:rPr>
+              <a:t>Identify Exposed People: </a:t>
+            </a:r>
+            <a:r>
+              <a:rPr lang="en-US" sz="1050" dirty="0">
+                <a:solidFill>
+                  <a:schemeClr val="dk1"/>
+                </a:solidFill>
+              </a:rPr>
+              <a:t>Identify people exposed to the virus or came into contact with the infected person.</a:t>
+            </a:r>
+          </a:p>
+          <a:p>
+            <a:pPr>
+              <a:lnSpc>
+                <a:spcPct val="115000"/>
+              </a:lnSpc>
+              <a:spcBef>
+                <a:spcPts val="600"/>
+              </a:spcBef>
+              <a:buClr>
+                <a:schemeClr val="dk1"/>
+              </a:buClr>
+              <a:buSzPts val="1100"/>
+            </a:pPr>
+            <a:r>
+              <a:rPr lang="en-US" sz="1050" b="1" dirty="0">
+                <a:solidFill>
+                  <a:schemeClr val="dk1"/>
+                </a:solidFill>
+              </a:rPr>
+              <a:t>Quarantine Exposed Group: </a:t>
+            </a:r>
+            <a:r>
+              <a:rPr lang="en-US" sz="1050" dirty="0">
+                <a:solidFill>
+                  <a:schemeClr val="dk1"/>
+                </a:solidFill>
+              </a:rPr>
+              <a:t>Quarantine and monitor people who came into contact with the infected person.</a:t>
+            </a:r>
             <a:endParaRPr lang="en" sz="1050" dirty="0">
               <a:solidFill>
                 <a:schemeClr val="dk1"/>
               </a:solidFill>
             </a:endParaRPr>
           </a:p>
-          <a:p>
-            <a:pPr marL="0" lvl="0" indent="0" algn="l" rtl="0">
-              <a:lnSpc>
-                <a:spcPct val="115000"/>
-              </a:lnSpc>
-              <a:spcBef>
-                <a:spcPts val="600"/>
-              </a:spcBef>
-              <a:spcAft>
-                <a:spcPts val="0"/>
-              </a:spcAft>
-              <a:buClr>
-                <a:schemeClr val="dk1"/>
-              </a:buClr>
-              <a:buSzPts val="1100"/>
-              <a:buFont typeface="Arial"/>
-              <a:buNone/>
-            </a:pPr>
-            <a:r>
-              <a:rPr lang="en" sz="1050" b="1" dirty="0">
-                <a:solidFill>
-                  <a:schemeClr val="dk1"/>
-                </a:solidFill>
-              </a:rPr>
-              <a:t>Quarantine</a:t>
-            </a:r>
-            <a:r>
-              <a:rPr lang="en" sz="1050" dirty="0">
-                <a:solidFill>
-                  <a:schemeClr val="dk1"/>
-                </a:solidFill>
-              </a:rPr>
-              <a:t>: Restriction on the movement of people, animals and goods which is intended to prevent the spread of the disease</a:t>
-            </a:r>
-            <a:endParaRPr sz="1050" dirty="0">
-              <a:solidFill>
-                <a:schemeClr val="dk1"/>
-              </a:solidFill>
-            </a:endParaRPr>
-          </a:p>
-          <a:p>
-            <a:pPr marL="0" lvl="0" indent="0" algn="l" rtl="0">
-              <a:lnSpc>
-                <a:spcPct val="115000"/>
-              </a:lnSpc>
-              <a:spcBef>
-                <a:spcPts val="600"/>
-              </a:spcBef>
-              <a:spcAft>
-                <a:spcPts val="0"/>
-              </a:spcAft>
-              <a:buClr>
-                <a:schemeClr val="dk1"/>
-              </a:buClr>
-              <a:buSzPts val="1100"/>
-              <a:buFont typeface="Arial"/>
-              <a:buNone/>
-            </a:pPr>
-            <a:r>
-              <a:rPr lang="en" sz="1050" b="1" dirty="0">
-                <a:solidFill>
-                  <a:schemeClr val="dk1"/>
-                </a:solidFill>
-              </a:rPr>
-              <a:t>Illness Outcome: </a:t>
-            </a:r>
-            <a:r>
-              <a:rPr lang="en" sz="1050" dirty="0">
-                <a:solidFill>
-                  <a:schemeClr val="dk1"/>
-                </a:solidFill>
-              </a:rPr>
-              <a:t>an XOR gate connecting the following two outcomes</a:t>
-            </a:r>
-          </a:p>
-          <a:p>
-            <a:pPr marL="0" lvl="0" indent="0" algn="l" rtl="0">
-              <a:lnSpc>
-                <a:spcPct val="115000"/>
-              </a:lnSpc>
-              <a:spcBef>
-                <a:spcPts val="600"/>
-              </a:spcBef>
-              <a:spcAft>
-                <a:spcPts val="0"/>
-              </a:spcAft>
-              <a:buClr>
-                <a:schemeClr val="dk1"/>
-              </a:buClr>
-              <a:buSzPts val="1100"/>
-              <a:buFont typeface="Arial"/>
-              <a:buNone/>
-            </a:pPr>
-            <a:r>
-              <a:rPr lang="en" sz="1050" b="1" dirty="0">
-                <a:solidFill>
-                  <a:schemeClr val="dk1"/>
-                </a:solidFill>
-              </a:rPr>
-              <a:t>- Die </a:t>
-            </a:r>
-            <a:r>
-              <a:rPr lang="en" sz="1050" b="1" dirty="0">
-                <a:solidFill>
-                  <a:schemeClr val="dk1"/>
-                </a:solidFill>
-                <a:sym typeface="Wingdings" pitchFamily="2" charset="2"/>
-              </a:rPr>
-              <a:t> Funeral</a:t>
-            </a:r>
-            <a:endParaRPr sz="1050" dirty="0">
-              <a:solidFill>
-                <a:schemeClr val="dk1"/>
-              </a:solidFill>
-            </a:endParaRPr>
-          </a:p>
-          <a:p>
-            <a:pPr marL="0" lvl="0" indent="0" algn="l" rtl="0">
-              <a:lnSpc>
-                <a:spcPct val="115000"/>
-              </a:lnSpc>
-              <a:spcBef>
-                <a:spcPts val="600"/>
-              </a:spcBef>
-              <a:spcAft>
-                <a:spcPts val="0"/>
-              </a:spcAft>
-              <a:buClr>
-                <a:schemeClr val="dk1"/>
-              </a:buClr>
-              <a:buSzPts val="1100"/>
-              <a:buFont typeface="Arial"/>
-              <a:buNone/>
-            </a:pPr>
-            <a:r>
-              <a:rPr lang="en" sz="1050" b="1" dirty="0">
-                <a:solidFill>
-                  <a:schemeClr val="dk1"/>
-                </a:solidFill>
-              </a:rPr>
-              <a:t>- Recover</a:t>
-            </a:r>
-            <a:endParaRPr dirty="0"/>
-          </a:p>
         </p:txBody>
       </p:sp>
       <p:pic>
         <p:nvPicPr>
-          <p:cNvPr id="3" name="Picture 2">
+          <p:cNvPr id="8" name="Picture 7">
             <a:extLst>
               <a:ext uri="{FF2B5EF4-FFF2-40B4-BE49-F238E27FC236}">
-                <a16:creationId xmlns:a16="http://schemas.microsoft.com/office/drawing/2014/main" id="{50BC770D-5893-2869-C131-A19592698F48}"/>
+                <a16:creationId xmlns:a16="http://schemas.microsoft.com/office/drawing/2014/main" id="{68D91A13-D0C5-AF5D-9D75-844AA7B97B1C}"/>
               </a:ext>
             </a:extLst>
           </p:cNvPr>
@@ -13794,14 +13604,55 @@
         </p:blipFill>
         <p:spPr>
           <a:xfrm>
-            <a:off x="249416" y="2581064"/>
-            <a:ext cx="8547164" cy="2236434"/>
+            <a:off x="2913233" y="0"/>
+            <a:ext cx="6116391" cy="5143500"/>
           </a:xfrm>
           <a:prstGeom prst="rect">
             <a:avLst/>
           </a:prstGeom>
         </p:spPr>
       </p:pic>
+      <p:cxnSp>
+        <p:nvCxnSpPr>
+          <p:cNvPr id="9" name="Straight Arrow Connector 8">
+            <a:extLst>
+              <a:ext uri="{FF2B5EF4-FFF2-40B4-BE49-F238E27FC236}">
+                <a16:creationId xmlns:a16="http://schemas.microsoft.com/office/drawing/2014/main" id="{CB09F9A5-C1F1-BE73-98FB-1E0511FD1A2C}"/>
+              </a:ext>
+            </a:extLst>
+          </p:cNvPr>
+          <p:cNvCxnSpPr>
+            <a:cxnSpLocks/>
+          </p:cNvCxnSpPr>
+          <p:nvPr/>
+        </p:nvCxnSpPr>
+        <p:spPr>
+          <a:xfrm flipH="1" flipV="1">
+            <a:off x="8515847" y="477078"/>
+            <a:ext cx="63610" cy="1319917"/>
+          </a:xfrm>
+          <a:prstGeom prst="straightConnector1">
+            <a:avLst/>
+          </a:prstGeom>
+          <a:ln w="12700">
+            <a:tailEnd type="triangle"/>
+          </a:ln>
+        </p:spPr>
+        <p:style>
+          <a:lnRef idx="1">
+            <a:schemeClr val="accent2"/>
+          </a:lnRef>
+          <a:fillRef idx="0">
+            <a:schemeClr val="accent2"/>
+          </a:fillRef>
+          <a:effectRef idx="0">
+            <a:schemeClr val="accent2"/>
+          </a:effectRef>
+          <a:fontRef idx="minor">
+            <a:schemeClr val="tx1"/>
+          </a:fontRef>
+        </p:style>
+      </p:cxnSp>
     </p:spTree>
   </p:cSld>
   <p:clrMapOvr>
@@ -13810,523 +13661,7 @@
 </p:sld>
 </file>
 
-<file path=ppt/slides/slide7.xml><?xml version="1.0" encoding="utf-8"?>
-<p:sld xmlns:a="http://schemas.openxmlformats.org/drawingml/2006/main" xmlns:r="http://schemas.openxmlformats.org/officeDocument/2006/relationships" xmlns:p="http://schemas.openxmlformats.org/presentationml/2006/main">
-  <p:cSld>
-    <p:spTree>
-      <p:nvGrpSpPr>
-        <p:cNvPr id="1" name=""/>
-        <p:cNvGrpSpPr/>
-        <p:nvPr/>
-      </p:nvGrpSpPr>
-      <p:grpSpPr>
-        <a:xfrm>
-          <a:off x="0" y="0"/>
-          <a:ext cx="0" cy="0"/>
-          <a:chOff x="0" y="0"/>
-          <a:chExt cx="0" cy="0"/>
-        </a:xfrm>
-      </p:grpSpPr>
-      <p:sp>
-        <p:nvSpPr>
-          <p:cNvPr id="2" name="Title 1">
-            <a:extLst>
-              <a:ext uri="{FF2B5EF4-FFF2-40B4-BE49-F238E27FC236}">
-                <a16:creationId xmlns:a16="http://schemas.microsoft.com/office/drawing/2014/main" id="{3339F325-F804-8561-4476-52A9C1C3F21A}"/>
-              </a:ext>
-            </a:extLst>
-          </p:cNvPr>
-          <p:cNvSpPr>
-            <a:spLocks noGrp="1"/>
-          </p:cNvSpPr>
-          <p:nvPr>
-            <p:ph type="title"/>
-          </p:nvPr>
-        </p:nvSpPr>
-        <p:spPr/>
-        <p:txBody>
-          <a:bodyPr>
-            <a:normAutofit fontScale="90000"/>
-          </a:bodyPr>
-          <a:lstStyle/>
-          <a:p>
-            <a:r>
-              <a:rPr lang="en-US" dirty="0"/>
-              <a:t>Medical Response cont.</a:t>
-            </a:r>
-          </a:p>
-        </p:txBody>
-      </p:sp>
-      <p:sp>
-        <p:nvSpPr>
-          <p:cNvPr id="3" name="Text Placeholder 2">
-            <a:extLst>
-              <a:ext uri="{FF2B5EF4-FFF2-40B4-BE49-F238E27FC236}">
-                <a16:creationId xmlns:a16="http://schemas.microsoft.com/office/drawing/2014/main" id="{78853270-2CDD-67A5-F642-F5DDEE1D23B8}"/>
-              </a:ext>
-            </a:extLst>
-          </p:cNvPr>
-          <p:cNvSpPr>
-            <a:spLocks noGrp="1"/>
-          </p:cNvSpPr>
-          <p:nvPr>
-            <p:ph type="body" idx="1"/>
-          </p:nvPr>
-        </p:nvSpPr>
-        <p:spPr>
-          <a:xfrm>
-            <a:off x="311700" y="1017725"/>
-            <a:ext cx="8355222" cy="3416400"/>
-          </a:xfrm>
-        </p:spPr>
-        <p:txBody>
-          <a:bodyPr>
-            <a:normAutofit/>
-          </a:bodyPr>
-          <a:lstStyle/>
-          <a:p>
-            <a:r>
-              <a:rPr lang="en-US" sz="1200" dirty="0">
-                <a:latin typeface="+mn-lt"/>
-              </a:rPr>
-              <a:t>After </a:t>
-            </a:r>
-            <a:r>
-              <a:rPr lang="en-US" sz="1200" b="1" dirty="0">
-                <a:latin typeface="+mn-lt"/>
-              </a:rPr>
-              <a:t>tracing</a:t>
-            </a:r>
-            <a:r>
-              <a:rPr lang="en-US" sz="1200" dirty="0">
-                <a:latin typeface="+mn-lt"/>
-              </a:rPr>
-              <a:t>, an extra group of exposed people could be </a:t>
-            </a:r>
-            <a:r>
-              <a:rPr lang="en-US" sz="1200" b="1" dirty="0">
-                <a:latin typeface="+mn-lt"/>
-              </a:rPr>
-              <a:t>identified </a:t>
-            </a:r>
-            <a:r>
-              <a:rPr lang="en-US" sz="1200" dirty="0">
-                <a:latin typeface="+mn-lt"/>
-              </a:rPr>
-              <a:t>and </a:t>
-            </a:r>
-            <a:r>
-              <a:rPr lang="en-US" sz="1200" b="1" dirty="0">
-                <a:latin typeface="+mn-lt"/>
-              </a:rPr>
-              <a:t>quarantined.</a:t>
-            </a:r>
-          </a:p>
-          <a:p>
-            <a:r>
-              <a:rPr lang="en-US" sz="1200" dirty="0">
-                <a:latin typeface="+mn-lt"/>
-              </a:rPr>
-              <a:t>After </a:t>
-            </a:r>
-            <a:r>
-              <a:rPr lang="en-US" sz="1200" b="1" dirty="0">
-                <a:latin typeface="+mn-lt"/>
-              </a:rPr>
-              <a:t>tracing </a:t>
-            </a:r>
-            <a:r>
-              <a:rPr lang="en-US" sz="1200" dirty="0">
-                <a:latin typeface="+mn-lt"/>
-              </a:rPr>
-              <a:t>the pathogen, </a:t>
-            </a:r>
-            <a:r>
-              <a:rPr lang="en-US" sz="1200" b="1" dirty="0">
-                <a:latin typeface="+mn-lt"/>
-              </a:rPr>
-              <a:t>collecting lab samples</a:t>
-            </a:r>
-            <a:r>
-              <a:rPr lang="en-US" sz="1200" dirty="0">
-                <a:latin typeface="+mn-lt"/>
-              </a:rPr>
-              <a:t> (and performing lab tests), </a:t>
-            </a:r>
-            <a:r>
-              <a:rPr lang="en-US" sz="1200" b="1" dirty="0">
-                <a:latin typeface="+mn-lt"/>
-              </a:rPr>
-              <a:t>gathering and analyzing </a:t>
-            </a:r>
-            <a:r>
-              <a:rPr lang="en-US" sz="1200" dirty="0">
-                <a:latin typeface="+mn-lt"/>
-              </a:rPr>
-              <a:t>data, the disease is </a:t>
-            </a:r>
-            <a:r>
-              <a:rPr lang="en-US" sz="1200" b="1" dirty="0">
-                <a:latin typeface="+mn-lt"/>
-              </a:rPr>
-              <a:t>identified </a:t>
-            </a:r>
-            <a:r>
-              <a:rPr lang="en-US" sz="1200" dirty="0">
-                <a:latin typeface="+mn-lt"/>
-              </a:rPr>
-              <a:t>and announced. </a:t>
-            </a:r>
-          </a:p>
-        </p:txBody>
-      </p:sp>
-      <p:pic>
-        <p:nvPicPr>
-          <p:cNvPr id="5" name="Picture 4">
-            <a:extLst>
-              <a:ext uri="{FF2B5EF4-FFF2-40B4-BE49-F238E27FC236}">
-                <a16:creationId xmlns:a16="http://schemas.microsoft.com/office/drawing/2014/main" id="{91DB2C77-1747-2BEB-070D-3A54EE8B7011}"/>
-              </a:ext>
-            </a:extLst>
-          </p:cNvPr>
-          <p:cNvPicPr>
-            <a:picLocks noChangeAspect="1"/>
-          </p:cNvPicPr>
-          <p:nvPr/>
-        </p:nvPicPr>
-        <p:blipFill>
-          <a:blip r:embed="rId2"/>
-          <a:stretch>
-            <a:fillRect/>
-          </a:stretch>
-        </p:blipFill>
-        <p:spPr>
-          <a:xfrm>
-            <a:off x="1558456" y="2004610"/>
-            <a:ext cx="6027087" cy="3138890"/>
-          </a:xfrm>
-          <a:prstGeom prst="rect">
-            <a:avLst/>
-          </a:prstGeom>
-        </p:spPr>
-      </p:pic>
-    </p:spTree>
-    <p:extLst>
-      <p:ext uri="{BB962C8B-B14F-4D97-AF65-F5344CB8AC3E}">
-        <p14:creationId xmlns:p14="http://schemas.microsoft.com/office/powerpoint/2010/main" val="1544613773"/>
-      </p:ext>
-    </p:extLst>
-  </p:cSld>
-  <p:clrMapOvr>
-    <a:masterClrMapping/>
-  </p:clrMapOvr>
-</p:sld>
-</file>
-
 <file path=ppt/slides/slide8.xml><?xml version="1.0" encoding="utf-8"?>
-<p:sld xmlns:a="http://schemas.openxmlformats.org/drawingml/2006/main" xmlns:r="http://schemas.openxmlformats.org/officeDocument/2006/relationships" xmlns:p="http://schemas.openxmlformats.org/presentationml/2006/main">
-  <p:cSld>
-    <p:spTree>
-      <p:nvGrpSpPr>
-        <p:cNvPr id="1" name="Shape 79"/>
-        <p:cNvGrpSpPr/>
-        <p:nvPr/>
-      </p:nvGrpSpPr>
-      <p:grpSpPr>
-        <a:xfrm>
-          <a:off x="0" y="0"/>
-          <a:ext cx="0" cy="0"/>
-          <a:chOff x="0" y="0"/>
-          <a:chExt cx="0" cy="0"/>
-        </a:xfrm>
-      </p:grpSpPr>
-      <p:sp>
-        <p:nvSpPr>
-          <p:cNvPr id="80" name="Google Shape;80;p5"/>
-          <p:cNvSpPr txBox="1">
-            <a:spLocks noGrp="1"/>
-          </p:cNvSpPr>
-          <p:nvPr>
-            <p:ph type="title"/>
-          </p:nvPr>
-        </p:nvSpPr>
-        <p:spPr>
-          <a:xfrm>
-            <a:off x="311700" y="445025"/>
-            <a:ext cx="8520600" cy="572700"/>
-          </a:xfrm>
-          <a:prstGeom prst="rect">
-            <a:avLst/>
-          </a:prstGeom>
-          <a:noFill/>
-          <a:ln>
-            <a:noFill/>
-          </a:ln>
-        </p:spPr>
-        <p:txBody>
-          <a:bodyPr spcFirstLastPara="1" wrap="square" lIns="91425" tIns="91425" rIns="91425" bIns="91425" anchor="t" anchorCtr="0">
-            <a:normAutofit fontScale="90000"/>
-          </a:bodyPr>
-          <a:lstStyle/>
-          <a:p>
-            <a:pPr marL="0" lvl="0" indent="0" algn="l" rtl="0">
-              <a:lnSpc>
-                <a:spcPct val="100000"/>
-              </a:lnSpc>
-              <a:spcBef>
-                <a:spcPts val="0"/>
-              </a:spcBef>
-              <a:spcAft>
-                <a:spcPts val="0"/>
-              </a:spcAft>
-              <a:buSzPct val="111111"/>
-              <a:buNone/>
-            </a:pPr>
-            <a:r>
-              <a:rPr lang="en"/>
-              <a:t>Outbreak</a:t>
-            </a:r>
-            <a:endParaRPr/>
-          </a:p>
-        </p:txBody>
-      </p:sp>
-      <p:sp>
-        <p:nvSpPr>
-          <p:cNvPr id="81" name="Google Shape;81;p5"/>
-          <p:cNvSpPr txBox="1"/>
-          <p:nvPr/>
-        </p:nvSpPr>
-        <p:spPr>
-          <a:xfrm>
-            <a:off x="401900" y="927775"/>
-            <a:ext cx="8430300" cy="1560300"/>
-          </a:xfrm>
-          <a:prstGeom prst="rect">
-            <a:avLst/>
-          </a:prstGeom>
-          <a:noFill/>
-          <a:ln>
-            <a:noFill/>
-          </a:ln>
-        </p:spPr>
-        <p:txBody>
-          <a:bodyPr spcFirstLastPara="1" wrap="square" lIns="91425" tIns="91425" rIns="91425" bIns="91425" anchor="t" anchorCtr="0">
-            <a:spAutoFit/>
-          </a:bodyPr>
-          <a:lstStyle/>
-          <a:p>
-            <a:pPr marL="0" lvl="0" indent="0" algn="l" rtl="0">
-              <a:lnSpc>
-                <a:spcPct val="115000"/>
-              </a:lnSpc>
-              <a:spcBef>
-                <a:spcPts val="0"/>
-              </a:spcBef>
-              <a:spcAft>
-                <a:spcPts val="0"/>
-              </a:spcAft>
-              <a:buClr>
-                <a:schemeClr val="dk1"/>
-              </a:buClr>
-              <a:buSzPts val="1100"/>
-              <a:buFont typeface="Arial"/>
-              <a:buNone/>
-            </a:pPr>
-            <a:r>
-              <a:rPr lang="en" sz="1050" b="1">
-                <a:solidFill>
-                  <a:schemeClr val="dk1"/>
-                </a:solidFill>
-              </a:rPr>
-              <a:t>Mutations</a:t>
-            </a:r>
-            <a:r>
-              <a:rPr lang="en" sz="1050">
-                <a:solidFill>
-                  <a:schemeClr val="dk1"/>
-                </a:solidFill>
-              </a:rPr>
-              <a:t>: The virus may undergo an alteration in the nucleotide sequence of the genome during the disease outbreak</a:t>
-            </a:r>
-            <a:endParaRPr sz="1050">
-              <a:solidFill>
-                <a:schemeClr val="dk1"/>
-              </a:solidFill>
-            </a:endParaRPr>
-          </a:p>
-          <a:p>
-            <a:pPr marL="0" lvl="0" indent="0" algn="l" rtl="0">
-              <a:lnSpc>
-                <a:spcPct val="115000"/>
-              </a:lnSpc>
-              <a:spcBef>
-                <a:spcPts val="600"/>
-              </a:spcBef>
-              <a:spcAft>
-                <a:spcPts val="0"/>
-              </a:spcAft>
-              <a:buClr>
-                <a:schemeClr val="dk1"/>
-              </a:buClr>
-              <a:buSzPts val="1100"/>
-              <a:buFont typeface="Arial"/>
-              <a:buNone/>
-            </a:pPr>
-            <a:r>
-              <a:rPr lang="en" sz="1050" b="1">
-                <a:solidFill>
-                  <a:schemeClr val="dk1"/>
-                </a:solidFill>
-              </a:rPr>
-              <a:t>Infections</a:t>
-            </a:r>
-            <a:r>
-              <a:rPr lang="en" sz="1050">
-                <a:solidFill>
-                  <a:schemeClr val="dk1"/>
-                </a:solidFill>
-              </a:rPr>
-              <a:t>: Invasion of an organism's body tissues by disease-causing agents. People can be infected by the virus in the disease outbreak</a:t>
-            </a:r>
-            <a:endParaRPr sz="1050">
-              <a:solidFill>
-                <a:schemeClr val="dk1"/>
-              </a:solidFill>
-            </a:endParaRPr>
-          </a:p>
-          <a:p>
-            <a:pPr marL="0" lvl="0" indent="0" algn="l" rtl="0">
-              <a:lnSpc>
-                <a:spcPct val="115000"/>
-              </a:lnSpc>
-              <a:spcBef>
-                <a:spcPts val="600"/>
-              </a:spcBef>
-              <a:spcAft>
-                <a:spcPts val="0"/>
-              </a:spcAft>
-              <a:buClr>
-                <a:schemeClr val="dk1"/>
-              </a:buClr>
-              <a:buSzPts val="1100"/>
-              <a:buFont typeface="Arial"/>
-              <a:buNone/>
-            </a:pPr>
-            <a:r>
-              <a:rPr lang="en" sz="1050" b="1">
-                <a:solidFill>
-                  <a:schemeClr val="dk1"/>
-                </a:solidFill>
-              </a:rPr>
-              <a:t>Illness</a:t>
-            </a:r>
-            <a:r>
-              <a:rPr lang="en" sz="1050">
-                <a:solidFill>
-                  <a:schemeClr val="dk1"/>
-                </a:solidFill>
-              </a:rPr>
-              <a:t>: Abnormal condition that negatively affects the structure or function of all or part of an organism due to infection of the virus in the disease outbreak</a:t>
-            </a:r>
-            <a:endParaRPr sz="1050">
-              <a:solidFill>
-                <a:schemeClr val="dk1"/>
-              </a:solidFill>
-            </a:endParaRPr>
-          </a:p>
-          <a:p>
-            <a:pPr marL="0" lvl="0" indent="0" algn="l" rtl="0">
-              <a:lnSpc>
-                <a:spcPct val="115000"/>
-              </a:lnSpc>
-              <a:spcBef>
-                <a:spcPts val="600"/>
-              </a:spcBef>
-              <a:spcAft>
-                <a:spcPts val="0"/>
-              </a:spcAft>
-              <a:buClr>
-                <a:schemeClr val="dk1"/>
-              </a:buClr>
-              <a:buSzPts val="1100"/>
-              <a:buFont typeface="Arial"/>
-              <a:buNone/>
-            </a:pPr>
-            <a:r>
-              <a:rPr lang="en" sz="1050" b="1">
-                <a:solidFill>
-                  <a:schemeClr val="dk1"/>
-                </a:solidFill>
-              </a:rPr>
-              <a:t>Construction</a:t>
-            </a:r>
-            <a:r>
-              <a:rPr lang="en" sz="1050">
-                <a:solidFill>
-                  <a:schemeClr val="dk1"/>
-                </a:solidFill>
-              </a:rPr>
-              <a:t>: Field hospitals may be constructed to accommodate patients during the outbreak</a:t>
-            </a:r>
-            <a:endParaRPr sz="1050">
-              <a:solidFill>
-                <a:schemeClr val="dk1"/>
-              </a:solidFill>
-            </a:endParaRPr>
-          </a:p>
-          <a:p>
-            <a:pPr marL="0" lvl="0" indent="0" algn="l" rtl="0">
-              <a:spcBef>
-                <a:spcPts val="0"/>
-              </a:spcBef>
-              <a:spcAft>
-                <a:spcPts val="0"/>
-              </a:spcAft>
-              <a:buNone/>
-            </a:pPr>
-            <a:endParaRPr/>
-          </a:p>
-        </p:txBody>
-      </p:sp>
-      <p:pic>
-        <p:nvPicPr>
-          <p:cNvPr id="2" name="Picture 1">
-            <a:extLst>
-              <a:ext uri="{FF2B5EF4-FFF2-40B4-BE49-F238E27FC236}">
-                <a16:creationId xmlns:a16="http://schemas.microsoft.com/office/drawing/2014/main" id="{A2EE2800-0966-2F4E-9989-D33C2A8283BC}"/>
-              </a:ext>
-            </a:extLst>
-          </p:cNvPr>
-          <p:cNvPicPr>
-            <a:picLocks noChangeAspect="1"/>
-          </p:cNvPicPr>
-          <p:nvPr/>
-        </p:nvPicPr>
-        <p:blipFill>
-          <a:blip r:embed="rId3"/>
-          <a:stretch>
-            <a:fillRect/>
-          </a:stretch>
-        </p:blipFill>
-        <p:spPr>
-          <a:xfrm>
-            <a:off x="581763" y="2488075"/>
-            <a:ext cx="8070574" cy="2300535"/>
-          </a:xfrm>
-          <a:prstGeom prst="rect">
-            <a:avLst/>
-          </a:prstGeom>
-        </p:spPr>
-      </p:pic>
-    </p:spTree>
-  </p:cSld>
-  <p:clrMapOvr>
-    <a:masterClrMapping/>
-  </p:clrMapOvr>
-</p:sld>
-</file>
-
-<file path=ppt/slides/slide9.xml><?xml version="1.0" encoding="utf-8"?>
 <p:sld xmlns:a="http://schemas.openxmlformats.org/drawingml/2006/main" xmlns:r="http://schemas.openxmlformats.org/officeDocument/2006/relationships" xmlns:p="http://schemas.openxmlformats.org/presentationml/2006/main">
   <p:cSld>
     <p:spTree>
@@ -14674,6 +14009,426 @@
           </a:prstGeom>
         </p:spPr>
       </p:pic>
+    </p:spTree>
+  </p:cSld>
+  <p:clrMapOvr>
+    <a:masterClrMapping/>
+  </p:clrMapOvr>
+</p:sld>
+</file>
+
+<file path=ppt/slides/slide9.xml><?xml version="1.0" encoding="utf-8"?>
+<p:sld xmlns:a="http://schemas.openxmlformats.org/drawingml/2006/main" xmlns:r="http://schemas.openxmlformats.org/officeDocument/2006/relationships" xmlns:p="http://schemas.openxmlformats.org/presentationml/2006/main">
+  <p:cSld>
+    <p:spTree>
+      <p:nvGrpSpPr>
+        <p:cNvPr id="1" name="Shape 101"/>
+        <p:cNvGrpSpPr/>
+        <p:nvPr/>
+      </p:nvGrpSpPr>
+      <p:grpSpPr>
+        <a:xfrm>
+          <a:off x="0" y="0"/>
+          <a:ext cx="0" cy="0"/>
+          <a:chOff x="0" y="0"/>
+          <a:chExt cx="0" cy="0"/>
+        </a:xfrm>
+      </p:grpSpPr>
+      <p:pic>
+        <p:nvPicPr>
+          <p:cNvPr id="3" name="Picture 2">
+            <a:extLst>
+              <a:ext uri="{FF2B5EF4-FFF2-40B4-BE49-F238E27FC236}">
+                <a16:creationId xmlns:a16="http://schemas.microsoft.com/office/drawing/2014/main" id="{DC14A976-3EA1-ACB4-AF03-82A9A1F5770E}"/>
+              </a:ext>
+            </a:extLst>
+          </p:cNvPr>
+          <p:cNvPicPr>
+            <a:picLocks noChangeAspect="1"/>
+          </p:cNvPicPr>
+          <p:nvPr/>
+        </p:nvPicPr>
+        <p:blipFill>
+          <a:blip r:embed="rId3"/>
+          <a:stretch>
+            <a:fillRect/>
+          </a:stretch>
+        </p:blipFill>
+        <p:spPr>
+          <a:xfrm>
+            <a:off x="694365" y="2339270"/>
+            <a:ext cx="7755270" cy="2738402"/>
+          </a:xfrm>
+          <a:prstGeom prst="rect">
+            <a:avLst/>
+          </a:prstGeom>
+        </p:spPr>
+      </p:pic>
+      <p:sp>
+        <p:nvSpPr>
+          <p:cNvPr id="102" name="Google Shape;102;p8"/>
+          <p:cNvSpPr txBox="1">
+            <a:spLocks noGrp="1"/>
+          </p:cNvSpPr>
+          <p:nvPr>
+            <p:ph type="title"/>
+          </p:nvPr>
+        </p:nvSpPr>
+        <p:spPr>
+          <a:xfrm>
+            <a:off x="139325" y="0"/>
+            <a:ext cx="8520600" cy="572700"/>
+          </a:xfrm>
+          <a:prstGeom prst="rect">
+            <a:avLst/>
+          </a:prstGeom>
+          <a:noFill/>
+          <a:ln>
+            <a:noFill/>
+          </a:ln>
+        </p:spPr>
+        <p:txBody>
+          <a:bodyPr spcFirstLastPara="1" wrap="square" lIns="91425" tIns="91425" rIns="91425" bIns="91425" anchor="t" anchorCtr="0">
+            <a:normAutofit fontScale="90000"/>
+          </a:bodyPr>
+          <a:lstStyle/>
+          <a:p>
+            <a:pPr marL="0" lvl="0" indent="0" algn="l" rtl="0">
+              <a:lnSpc>
+                <a:spcPct val="100000"/>
+              </a:lnSpc>
+              <a:spcBef>
+                <a:spcPts val="0"/>
+              </a:spcBef>
+              <a:spcAft>
+                <a:spcPts val="0"/>
+              </a:spcAft>
+              <a:buSzPct val="111111"/>
+              <a:buNone/>
+            </a:pPr>
+            <a:r>
+              <a:rPr lang="en" dirty="0"/>
+              <a:t>Authority Response</a:t>
+            </a:r>
+            <a:endParaRPr dirty="0"/>
+          </a:p>
+        </p:txBody>
+      </p:sp>
+      <p:sp>
+        <p:nvSpPr>
+          <p:cNvPr id="104" name="Google Shape;104;p8"/>
+          <p:cNvSpPr txBox="1"/>
+          <p:nvPr/>
+        </p:nvSpPr>
+        <p:spPr>
+          <a:xfrm>
+            <a:off x="139325" y="465635"/>
+            <a:ext cx="8774185" cy="1962045"/>
+          </a:xfrm>
+          <a:prstGeom prst="rect">
+            <a:avLst/>
+          </a:prstGeom>
+          <a:noFill/>
+          <a:ln>
+            <a:noFill/>
+          </a:ln>
+        </p:spPr>
+        <p:txBody>
+          <a:bodyPr spcFirstLastPara="1" wrap="square" lIns="91425" tIns="91425" rIns="91425" bIns="91425" anchor="t" anchorCtr="0">
+            <a:spAutoFit/>
+          </a:bodyPr>
+          <a:lstStyle/>
+          <a:p>
+            <a:pPr marL="0" lvl="0" indent="0" algn="l" rtl="0">
+              <a:spcBef>
+                <a:spcPts val="0"/>
+              </a:spcBef>
+              <a:spcAft>
+                <a:spcPts val="0"/>
+              </a:spcAft>
+              <a:buClr>
+                <a:schemeClr val="dk1"/>
+              </a:buClr>
+              <a:buSzPts val="1100"/>
+              <a:buFont typeface="Arial"/>
+              <a:buNone/>
+            </a:pPr>
+            <a:r>
+              <a:rPr lang="en" sz="1050" b="1" dirty="0">
+                <a:solidFill>
+                  <a:schemeClr val="dk1"/>
+                </a:solidFill>
+              </a:rPr>
+              <a:t>Assignment</a:t>
+            </a:r>
+            <a:r>
+              <a:rPr lang="en" sz="1050" dirty="0">
+                <a:solidFill>
+                  <a:schemeClr val="dk1"/>
+                </a:solidFill>
+              </a:rPr>
+              <a:t>: Officials are assigned to monitor, prevent, contain, and mitigate the disease outbreak</a:t>
+            </a:r>
+          </a:p>
+          <a:p>
+            <a:pPr marL="0" lvl="0" indent="0" algn="l" rtl="0">
+              <a:spcBef>
+                <a:spcPts val="0"/>
+              </a:spcBef>
+              <a:spcAft>
+                <a:spcPts val="0"/>
+              </a:spcAft>
+              <a:buClr>
+                <a:schemeClr val="dk1"/>
+              </a:buClr>
+              <a:buSzPts val="1100"/>
+              <a:buFont typeface="Arial"/>
+              <a:buNone/>
+            </a:pPr>
+            <a:r>
+              <a:rPr lang="en" sz="1050" b="1" dirty="0">
+                <a:solidFill>
+                  <a:schemeClr val="dk1"/>
+                </a:solidFill>
+              </a:rPr>
+              <a:t>Inspection: </a:t>
+            </a:r>
+            <a:r>
+              <a:rPr lang="en" sz="1050" dirty="0">
+                <a:solidFill>
+                  <a:schemeClr val="dk1"/>
+                </a:solidFill>
+              </a:rPr>
+              <a:t>Officials inspect the source of the disease to devise countermeasures</a:t>
+            </a:r>
+          </a:p>
+          <a:p>
+            <a:pPr>
+              <a:buClr>
+                <a:schemeClr val="dk1"/>
+              </a:buClr>
+              <a:buSzPts val="1100"/>
+            </a:pPr>
+            <a:r>
+              <a:rPr lang="en" sz="1050" b="1" dirty="0">
+                <a:solidFill>
+                  <a:schemeClr val="dk1"/>
+                </a:solidFill>
+              </a:rPr>
+              <a:t>Destruction</a:t>
+            </a:r>
+            <a:r>
+              <a:rPr lang="en" sz="1050" dirty="0">
+                <a:solidFill>
+                  <a:schemeClr val="dk1"/>
+                </a:solidFill>
+              </a:rPr>
+              <a:t>: </a:t>
+            </a:r>
+            <a:r>
+              <a:rPr lang="en-US" sz="1050" dirty="0">
+                <a:solidFill>
+                  <a:schemeClr val="dk1"/>
+                </a:solidFill>
+              </a:rPr>
+              <a:t>Government destroys the source of the disease, for example, Haiti demolished the fishing nuts where the Cholera epidemic started.</a:t>
+            </a:r>
+          </a:p>
+          <a:p>
+            <a:pPr>
+              <a:buClr>
+                <a:schemeClr val="dk1"/>
+              </a:buClr>
+              <a:buSzPts val="1100"/>
+            </a:pPr>
+            <a:r>
+              <a:rPr lang="en" sz="1050" b="1" dirty="0">
+                <a:solidFill>
+                  <a:schemeClr val="dk1"/>
+                </a:solidFill>
+              </a:rPr>
+              <a:t>Gov Health Decree</a:t>
+            </a:r>
+            <a:r>
+              <a:rPr lang="en" sz="1050" dirty="0">
+                <a:solidFill>
+                  <a:schemeClr val="dk1"/>
+                </a:solidFill>
+              </a:rPr>
+              <a:t>: Legislations were issued fighting the disease outbreak by government</a:t>
+            </a:r>
+          </a:p>
+          <a:p>
+            <a:pPr>
+              <a:buClr>
+                <a:schemeClr val="dk1"/>
+              </a:buClr>
+              <a:buSzPts val="1100"/>
+            </a:pPr>
+            <a:r>
+              <a:rPr lang="en" sz="1050" b="1" dirty="0">
+                <a:solidFill>
+                  <a:schemeClr val="dk1"/>
+                </a:solidFill>
+              </a:rPr>
+              <a:t>Information Campaign</a:t>
+            </a:r>
+            <a:r>
+              <a:rPr lang="en" sz="1050" dirty="0">
+                <a:solidFill>
+                  <a:schemeClr val="dk1"/>
+                </a:solidFill>
+              </a:rPr>
+              <a:t>: Use of media to inform public about the disease</a:t>
+            </a:r>
+          </a:p>
+          <a:p>
+            <a:pPr>
+              <a:buClr>
+                <a:schemeClr val="dk1"/>
+              </a:buClr>
+              <a:buSzPts val="1100"/>
+            </a:pPr>
+            <a:r>
+              <a:rPr lang="en" sz="1050" b="1" dirty="0">
+                <a:solidFill>
+                  <a:schemeClr val="dk1"/>
+                </a:solidFill>
+              </a:rPr>
+              <a:t>Debunk Misinformation</a:t>
+            </a:r>
+            <a:r>
+              <a:rPr lang="en" sz="1050" dirty="0">
+                <a:solidFill>
+                  <a:schemeClr val="dk1"/>
+                </a:solidFill>
+              </a:rPr>
+              <a:t>: Debunking misinformation of related to the disease outbreak</a:t>
+            </a:r>
+          </a:p>
+          <a:p>
+            <a:pPr>
+              <a:buClr>
+                <a:schemeClr val="dk1"/>
+              </a:buClr>
+              <a:buSzPts val="1100"/>
+            </a:pPr>
+            <a:r>
+              <a:rPr lang="en" sz="1050" b="1" dirty="0">
+                <a:solidFill>
+                  <a:schemeClr val="dk1"/>
+                </a:solidFill>
+              </a:rPr>
+              <a:t>Close Border</a:t>
+            </a:r>
+            <a:r>
+              <a:rPr lang="en" sz="1050" dirty="0">
+                <a:solidFill>
+                  <a:schemeClr val="dk1"/>
+                </a:solidFill>
+              </a:rPr>
+              <a:t>: Border were closed to slow the spread of the virus</a:t>
+            </a:r>
+          </a:p>
+          <a:p>
+            <a:pPr>
+              <a:buClr>
+                <a:schemeClr val="dk1"/>
+              </a:buClr>
+              <a:buSzPts val="1100"/>
+            </a:pPr>
+            <a:r>
+              <a:rPr lang="en" sz="1050" b="1" dirty="0">
+                <a:solidFill>
+                  <a:schemeClr val="dk1"/>
+                </a:solidFill>
+              </a:rPr>
+              <a:t>Distribute</a:t>
+            </a:r>
+            <a:r>
+              <a:rPr lang="en" sz="1050" dirty="0">
+                <a:solidFill>
+                  <a:schemeClr val="dk1"/>
+                </a:solidFill>
+              </a:rPr>
+              <a:t>: Distributing the vaccines of the virus</a:t>
+            </a:r>
+          </a:p>
+          <a:p>
+            <a:pPr>
+              <a:buClr>
+                <a:schemeClr val="dk1"/>
+              </a:buClr>
+              <a:buSzPts val="1100"/>
+            </a:pPr>
+            <a:r>
+              <a:rPr lang="en" sz="1050" b="1" dirty="0">
+                <a:solidFill>
+                  <a:schemeClr val="dk1"/>
+                </a:solidFill>
+              </a:rPr>
+              <a:t>Financial Aid</a:t>
+            </a:r>
+            <a:r>
+              <a:rPr lang="en" sz="1050" dirty="0">
+                <a:solidFill>
+                  <a:schemeClr val="dk1"/>
+                </a:solidFill>
+              </a:rPr>
+              <a:t>: Financial assistance with food, housing and bills</a:t>
+            </a:r>
+          </a:p>
+          <a:p>
+            <a:pPr>
+              <a:buClr>
+                <a:schemeClr val="dk1"/>
+              </a:buClr>
+              <a:buSzPts val="1100"/>
+            </a:pPr>
+            <a:r>
+              <a:rPr lang="en" sz="1050" b="1" dirty="0" err="1">
+                <a:solidFill>
+                  <a:schemeClr val="dk1"/>
+                </a:solidFill>
+              </a:rPr>
+              <a:t>ExchangeBuySell</a:t>
+            </a:r>
+            <a:r>
+              <a:rPr lang="en" sz="1050" dirty="0">
+                <a:solidFill>
+                  <a:schemeClr val="dk1"/>
+                </a:solidFill>
+              </a:rPr>
+              <a:t>: Buying, selling or exchanging goods related to the disease outbreak</a:t>
+            </a:r>
+          </a:p>
+          <a:p>
+            <a:pPr>
+              <a:buClr>
+                <a:schemeClr val="dk1"/>
+              </a:buClr>
+              <a:buSzPts val="1100"/>
+            </a:pPr>
+            <a:r>
+              <a:rPr lang="en" sz="1050" b="1" dirty="0">
+                <a:solidFill>
+                  <a:schemeClr val="dk1"/>
+                </a:solidFill>
+              </a:rPr>
+              <a:t>Donate</a:t>
+            </a:r>
+            <a:r>
+              <a:rPr lang="en" sz="1050" dirty="0">
+                <a:solidFill>
+                  <a:schemeClr val="dk1"/>
+                </a:solidFill>
+              </a:rPr>
+              <a:t>: Charitable activities related to the disease outbreak</a:t>
+            </a:r>
+            <a:endParaRPr dirty="0"/>
+          </a:p>
+        </p:txBody>
+      </p:sp>
     </p:spTree>
   </p:cSld>
   <p:clrMapOvr>
